--- a/semester2 PPT/Sustainable_Web_Presentation_Updated.pptx
+++ b/semester2 PPT/Sustainable_Web_Presentation_Updated.pptx
@@ -5,7 +5,7 @@
     <p:sldMasterId id="2147483648" r:id="rId1"/>
   </p:sldMasterIdLst>
   <p:notesMasterIdLst>
-    <p:notesMasterId r:id="rId40"/>
+    <p:notesMasterId r:id="rId41"/>
   </p:notesMasterIdLst>
   <p:sldIdLst>
     <p:sldId id="256" r:id="rId2"/>
@@ -15,37 +15,38 @@
     <p:sldId id="259" r:id="rId6"/>
     <p:sldId id="279" r:id="rId7"/>
     <p:sldId id="260" r:id="rId8"/>
-    <p:sldId id="261" r:id="rId9"/>
-    <p:sldId id="262" r:id="rId10"/>
-    <p:sldId id="283" r:id="rId11"/>
-    <p:sldId id="289" r:id="rId12"/>
-    <p:sldId id="293" r:id="rId13"/>
-    <p:sldId id="295" r:id="rId14"/>
-    <p:sldId id="294" r:id="rId15"/>
-    <p:sldId id="263" r:id="rId16"/>
-    <p:sldId id="265" r:id="rId17"/>
-    <p:sldId id="266" r:id="rId18"/>
-    <p:sldId id="267" r:id="rId19"/>
-    <p:sldId id="268" r:id="rId20"/>
-    <p:sldId id="269" r:id="rId21"/>
-    <p:sldId id="270" r:id="rId22"/>
-    <p:sldId id="296" r:id="rId23"/>
-    <p:sldId id="271" r:id="rId24"/>
-    <p:sldId id="272" r:id="rId25"/>
-    <p:sldId id="281" r:id="rId26"/>
-    <p:sldId id="282" r:id="rId27"/>
-    <p:sldId id="274" r:id="rId28"/>
-    <p:sldId id="284" r:id="rId29"/>
-    <p:sldId id="286" r:id="rId30"/>
-    <p:sldId id="278" r:id="rId31"/>
-    <p:sldId id="275" r:id="rId32"/>
-    <p:sldId id="273" r:id="rId33"/>
-    <p:sldId id="285" r:id="rId34"/>
-    <p:sldId id="290" r:id="rId35"/>
-    <p:sldId id="291" r:id="rId36"/>
-    <p:sldId id="288" r:id="rId37"/>
-    <p:sldId id="292" r:id="rId38"/>
-    <p:sldId id="264" r:id="rId39"/>
+    <p:sldId id="297" r:id="rId9"/>
+    <p:sldId id="261" r:id="rId10"/>
+    <p:sldId id="262" r:id="rId11"/>
+    <p:sldId id="283" r:id="rId12"/>
+    <p:sldId id="289" r:id="rId13"/>
+    <p:sldId id="293" r:id="rId14"/>
+    <p:sldId id="295" r:id="rId15"/>
+    <p:sldId id="294" r:id="rId16"/>
+    <p:sldId id="263" r:id="rId17"/>
+    <p:sldId id="265" r:id="rId18"/>
+    <p:sldId id="266" r:id="rId19"/>
+    <p:sldId id="267" r:id="rId20"/>
+    <p:sldId id="268" r:id="rId21"/>
+    <p:sldId id="269" r:id="rId22"/>
+    <p:sldId id="270" r:id="rId23"/>
+    <p:sldId id="296" r:id="rId24"/>
+    <p:sldId id="271" r:id="rId25"/>
+    <p:sldId id="272" r:id="rId26"/>
+    <p:sldId id="281" r:id="rId27"/>
+    <p:sldId id="282" r:id="rId28"/>
+    <p:sldId id="274" r:id="rId29"/>
+    <p:sldId id="284" r:id="rId30"/>
+    <p:sldId id="286" r:id="rId31"/>
+    <p:sldId id="278" r:id="rId32"/>
+    <p:sldId id="275" r:id="rId33"/>
+    <p:sldId id="273" r:id="rId34"/>
+    <p:sldId id="285" r:id="rId35"/>
+    <p:sldId id="290" r:id="rId36"/>
+    <p:sldId id="291" r:id="rId37"/>
+    <p:sldId id="288" r:id="rId38"/>
+    <p:sldId id="292" r:id="rId39"/>
+    <p:sldId id="264" r:id="rId40"/>
   </p:sldIdLst>
   <p:sldSz cx="12192000" cy="6858000"/>
   <p:notesSz cx="6858000" cy="9144000"/>
@@ -382,24 +383,10 @@
             <a:spLocks noGrp="1" noRot="1" noChangeAspect="1"/>
           </p:cNvSpPr>
           <p:nvPr>
-            <p:ph type="sldImg"/>
-          </p:nvPr>
-        </p:nvSpPr>
-        <p:spPr>
-          <a:xfrm>
-            <a:off x="685800" y="1143000"/>
-            <a:ext cx="5486400" cy="3086100"/>
-          </a:xfrm>
-          <a:prstGeom prst="rect">
-            <a:avLst/>
-          </a:prstGeom>
-          <a:noFill/>
-          <a:ln w="12700">
-            <a:solidFill>
-              <a:prstClr val="black"/>
-            </a:solidFill>
-          </a:ln>
-        </p:spPr>
+            <p:ph type="sldImg" idx="2"/>
+          </p:nvPr>
+        </p:nvSpPr>
+        <p:spPr/>
       </p:sp>
       <p:sp>
         <p:nvSpPr>
@@ -408,82 +395,33 @@
             <a:spLocks noGrp="1"/>
           </p:cNvSpPr>
           <p:nvPr>
-            <p:ph type="body" idx="1"/>
-          </p:nvPr>
-        </p:nvSpPr>
-        <p:spPr>
-          <a:xfrm>
-            <a:off x="685800" y="4400550"/>
-            <a:ext cx="5486400" cy="3600450"/>
-          </a:xfrm>
-          <a:prstGeom prst="rect">
-            <a:avLst/>
-          </a:prstGeom>
-        </p:spPr>
+            <p:ph type="body" sz="quarter" idx="3"/>
+          </p:nvPr>
+        </p:nvSpPr>
+        <p:spPr/>
         <p:txBody>
           <a:bodyPr/>
           <a:lstStyle/>
           <a:p>
             <a:r>
-              <a:rPr lang="en-GB" dirty="0"/>
-              <a:t>https://</a:t>
-            </a:r>
-            <a:r>
-              <a:rPr lang="en-GB" dirty="0" err="1"/>
-              <a:t>www.linkedin.com</a:t>
-            </a:r>
-            <a:r>
-              <a:rPr lang="en-GB" dirty="0"/>
-              <a:t>/learning/hands-on-introduction-</a:t>
-            </a:r>
-            <a:r>
-              <a:rPr lang="en-GB" dirty="0" err="1"/>
-              <a:t>javascript</a:t>
-            </a:r>
-            <a:r>
-              <a:rPr lang="en-GB" dirty="0"/>
-              <a:t>/</a:t>
-            </a:r>
-            <a:r>
-              <a:rPr lang="en-GB" dirty="0" err="1"/>
-              <a:t>create-a-dark-mode-switch?resume</a:t>
-            </a:r>
-            <a:r>
-              <a:rPr lang="en-GB" dirty="0"/>
-              <a:t>=</a:t>
-            </a:r>
-            <a:r>
-              <a:rPr lang="en-GB" dirty="0" err="1"/>
-              <a:t>false&amp;u</a:t>
-            </a:r>
-            <a:r>
-              <a:rPr lang="en-GB" dirty="0"/>
-              <a:t>=42436220</a:t>
-            </a:r>
-          </a:p>
-          <a:p>
-            <a:r>
-              <a:rPr lang="en-GB" dirty="0"/>
-              <a:t>(media </a:t>
-            </a:r>
-            <a:r>
-              <a:rPr lang="en-GB" dirty="0" err="1"/>
-              <a:t>queery</a:t>
-            </a:r>
-            <a:r>
-              <a:rPr lang="en-GB" dirty="0"/>
-              <a:t> CSS)</a:t>
-            </a:r>
-            <a:endParaRPr lang="en-DK" dirty="0"/>
-          </a:p>
-        </p:txBody>
+              <a:t>Highlight the responsibility of web developers in creating sustainable solutions.</a:t>
+            </a:r>
+          </a:p>
+        </p:txBody>
+      </p:sp>
+      <p:sp>
+        <p:nvSpPr>
+          <p:cNvPr id="4" name="Slide Number Placeholder 3"/>
+          <p:cNvSpPr>
+            <a:spLocks noGrp="1"/>
+          </p:cNvSpPr>
+          <p:nvPr>
+            <p:ph type="sldNum" sz="quarter" idx="5"/>
+          </p:nvPr>
+        </p:nvSpPr>
+        <p:spPr/>
       </p:sp>
     </p:spTree>
-    <p:extLst>
-      <p:ext uri="{BB962C8B-B14F-4D97-AF65-F5344CB8AC3E}">
-        <p14:creationId xmlns:p14="http://schemas.microsoft.com/office/powerpoint/2010/main" val="247035870"/>
-      </p:ext>
-    </p:extLst>
   </p:cSld>
   <p:clrMapOvr>
     <a:masterClrMapping/>
@@ -558,16 +496,63 @@
           <a:lstStyle/>
           <a:p>
             <a:r>
-              <a:rPr lang="en-DK" dirty="0"/>
-              <a:t>e.g.. </a:t>
-            </a:r>
+              <a:rPr lang="en-GB" dirty="0"/>
+              <a:t>https://</a:t>
+            </a:r>
+            <a:r>
+              <a:rPr lang="en-GB" dirty="0" err="1"/>
+              <a:t>www.linkedin.com</a:t>
+            </a:r>
+            <a:r>
+              <a:rPr lang="en-GB" dirty="0"/>
+              <a:t>/learning/hands-on-introduction-</a:t>
+            </a:r>
+            <a:r>
+              <a:rPr lang="en-GB" dirty="0" err="1"/>
+              <a:t>javascript</a:t>
+            </a:r>
+            <a:r>
+              <a:rPr lang="en-GB" dirty="0"/>
+              <a:t>/</a:t>
+            </a:r>
+            <a:r>
+              <a:rPr lang="en-GB" dirty="0" err="1"/>
+              <a:t>create-a-dark-mode-switch?resume</a:t>
+            </a:r>
+            <a:r>
+              <a:rPr lang="en-GB" dirty="0"/>
+              <a:t>=</a:t>
+            </a:r>
+            <a:r>
+              <a:rPr lang="en-GB" dirty="0" err="1"/>
+              <a:t>false&amp;u</a:t>
+            </a:r>
+            <a:r>
+              <a:rPr lang="en-GB" dirty="0"/>
+              <a:t>=42436220</a:t>
+            </a:r>
+          </a:p>
+          <a:p>
+            <a:r>
+              <a:rPr lang="en-GB" dirty="0"/>
+              <a:t>(media </a:t>
+            </a:r>
+            <a:r>
+              <a:rPr lang="en-GB" dirty="0" err="1"/>
+              <a:t>queery</a:t>
+            </a:r>
+            <a:r>
+              <a:rPr lang="en-GB" dirty="0"/>
+              <a:t> CSS)</a:t>
+            </a:r>
+            <a:endParaRPr lang="en-DK" dirty="0"/>
           </a:p>
         </p:txBody>
       </p:sp>
     </p:spTree>
     <p:extLst>
       <p:ext uri="{BB962C8B-B14F-4D97-AF65-F5344CB8AC3E}">
-        <p14:creationId xmlns:p14="http://schemas.microsoft.com/office/powerpoint/2010/main" val="2568256965"/>
+        <p14:creationId xmlns:p14="http://schemas.microsoft.com/office/powerpoint/2010/main" val="247035870"/>
       </p:ext>
     </p:extLst>
   </p:cSld>
@@ -643,6 +628,92 @@
           <a:bodyPr/>
           <a:lstStyle/>
           <a:p>
+            <a:r>
+              <a:rPr lang="en-DK" dirty="0"/>
+              <a:t>e.g.. </a:t>
+            </a:r>
+          </a:p>
+        </p:txBody>
+      </p:sp>
+    </p:spTree>
+    <p:extLst>
+      <p:ext uri="{BB962C8B-B14F-4D97-AF65-F5344CB8AC3E}">
+        <p14:creationId xmlns:p14="http://schemas.microsoft.com/office/powerpoint/2010/main" val="2568256965"/>
+      </p:ext>
+    </p:extLst>
+  </p:cSld>
+  <p:clrMapOvr>
+    <a:masterClrMapping/>
+  </p:clrMapOvr>
+</p:notes>
+</file>
+
+<file path=ppt/notesSlides/notesSlide13.xml><?xml version="1.0" encoding="utf-8"?>
+<p:notes xmlns:a="http://schemas.openxmlformats.org/drawingml/2006/main" xmlns:r="http://schemas.openxmlformats.org/officeDocument/2006/relationships" xmlns:p="http://schemas.openxmlformats.org/presentationml/2006/main">
+  <p:cSld>
+    <p:spTree>
+      <p:nvGrpSpPr>
+        <p:cNvPr id="1" name=""/>
+        <p:cNvGrpSpPr/>
+        <p:nvPr/>
+      </p:nvGrpSpPr>
+      <p:grpSpPr>
+        <a:xfrm>
+          <a:off x="0" y="0"/>
+          <a:ext cx="0" cy="0"/>
+          <a:chOff x="0" y="0"/>
+          <a:chExt cx="0" cy="0"/>
+        </a:xfrm>
+      </p:grpSpPr>
+      <p:sp>
+        <p:nvSpPr>
+          <p:cNvPr id="2" name="Slide Image Placeholder 1"/>
+          <p:cNvSpPr>
+            <a:spLocks noGrp="1" noRot="1" noChangeAspect="1"/>
+          </p:cNvSpPr>
+          <p:nvPr>
+            <p:ph type="sldImg"/>
+          </p:nvPr>
+        </p:nvSpPr>
+        <p:spPr>
+          <a:xfrm>
+            <a:off x="685800" y="1143000"/>
+            <a:ext cx="5486400" cy="3086100"/>
+          </a:xfrm>
+          <a:prstGeom prst="rect">
+            <a:avLst/>
+          </a:prstGeom>
+          <a:noFill/>
+          <a:ln w="12700">
+            <a:solidFill>
+              <a:prstClr val="black"/>
+            </a:solidFill>
+          </a:ln>
+        </p:spPr>
+      </p:sp>
+      <p:sp>
+        <p:nvSpPr>
+          <p:cNvPr id="3" name="Notes Placeholder 2"/>
+          <p:cNvSpPr>
+            <a:spLocks noGrp="1"/>
+          </p:cNvSpPr>
+          <p:nvPr>
+            <p:ph type="body" idx="1"/>
+          </p:nvPr>
+        </p:nvSpPr>
+        <p:spPr>
+          <a:xfrm>
+            <a:off x="685800" y="4400550"/>
+            <a:ext cx="5486400" cy="3600450"/>
+          </a:xfrm>
+          <a:prstGeom prst="rect">
+            <a:avLst/>
+          </a:prstGeom>
+        </p:spPr>
+        <p:txBody>
+          <a:bodyPr/>
+          <a:lstStyle/>
+          <a:p>
             <a:pPr marL="0" marR="0" lvl="0" indent="0" algn="l" defTabSz="914400" rtl="0" eaLnBrk="1" fontAlgn="auto" latinLnBrk="0" hangingPunct="1">
               <a:lnSpc>
                 <a:spcPct val="100000"/>
@@ -686,7 +757,7 @@
 </p:notes>
 </file>
 
-<file path=ppt/notesSlides/notesSlide13.xml><?xml version="1.0" encoding="utf-8"?>
+<file path=ppt/notesSlides/notesSlide14.xml><?xml version="1.0" encoding="utf-8"?>
 <p:notes xmlns:a="http://schemas.openxmlformats.org/drawingml/2006/main" xmlns:r="http://schemas.openxmlformats.org/officeDocument/2006/relationships" xmlns:p="http://schemas.openxmlformats.org/presentationml/2006/main">
   <p:cSld>
     <p:spTree>
@@ -1472,10 +1543,24 @@
             <a:spLocks noGrp="1" noRot="1" noChangeAspect="1"/>
           </p:cNvSpPr>
           <p:nvPr>
-            <p:ph type="sldImg" idx="2"/>
-          </p:nvPr>
-        </p:nvSpPr>
-        <p:spPr/>
+            <p:ph type="sldImg"/>
+          </p:nvPr>
+        </p:nvSpPr>
+        <p:spPr>
+          <a:xfrm>
+            <a:off x="685800" y="1143000"/>
+            <a:ext cx="5486400" cy="3086100"/>
+          </a:xfrm>
+          <a:prstGeom prst="rect">
+            <a:avLst/>
+          </a:prstGeom>
+          <a:noFill/>
+          <a:ln w="12700">
+            <a:solidFill>
+              <a:prstClr val="black"/>
+            </a:solidFill>
+          </a:ln>
+        </p:spPr>
       </p:sp>
       <p:sp>
         <p:nvSpPr>
@@ -1484,33 +1569,56 @@
             <a:spLocks noGrp="1"/>
           </p:cNvSpPr>
           <p:nvPr>
-            <p:ph type="body" sz="quarter" idx="3"/>
-          </p:nvPr>
-        </p:nvSpPr>
-        <p:spPr/>
+            <p:ph type="body" idx="1"/>
+          </p:nvPr>
+        </p:nvSpPr>
+        <p:spPr>
+          <a:xfrm>
+            <a:off x="685800" y="4400550"/>
+            <a:ext cx="5486400" cy="3600450"/>
+          </a:xfrm>
+          <a:prstGeom prst="rect">
+            <a:avLst/>
+          </a:prstGeom>
+        </p:spPr>
         <p:txBody>
           <a:bodyPr/>
           <a:lstStyle/>
           <a:p>
             <a:r>
-              <a:t>Highlight the responsibility of web developers in creating sustainable solutions.</a:t>
-            </a:r>
-          </a:p>
-        </p:txBody>
-      </p:sp>
-      <p:sp>
-        <p:nvSpPr>
-          <p:cNvPr id="4" name="Slide Number Placeholder 3"/>
-          <p:cNvSpPr>
-            <a:spLocks noGrp="1"/>
-          </p:cNvSpPr>
-          <p:nvPr>
-            <p:ph type="sldNum" sz="quarter" idx="5"/>
-          </p:nvPr>
-        </p:nvSpPr>
-        <p:spPr/>
+              <a:rPr lang="en-GB" dirty="0"/>
+              <a:t>A</a:t>
+            </a:r>
+            <a:r>
+              <a:rPr lang="en-DK" dirty="0"/>
+              <a:t>ltaernative </a:t>
+            </a:r>
+            <a:r>
+              <a:rPr lang="en-GB" dirty="0"/>
+              <a:t>https://www.w3schools.com/</a:t>
+            </a:r>
+            <a:r>
+              <a:rPr lang="en-GB" dirty="0" err="1"/>
+              <a:t>Css</a:t>
+            </a:r>
+            <a:r>
+              <a:rPr lang="en-GB" dirty="0"/>
+              <a:t>/</a:t>
+            </a:r>
+            <a:r>
+              <a:rPr lang="en-GB" dirty="0" err="1"/>
+              <a:t>css_rwd_images.asp</a:t>
+            </a:r>
+            <a:endParaRPr lang="en-DK" dirty="0"/>
+          </a:p>
+        </p:txBody>
       </p:sp>
     </p:spTree>
+    <p:extLst>
+      <p:ext uri="{BB962C8B-B14F-4D97-AF65-F5344CB8AC3E}">
+        <p14:creationId xmlns:p14="http://schemas.microsoft.com/office/powerpoint/2010/main" val="1431869369"/>
+      </p:ext>
+    </p:extLst>
   </p:cSld>
   <p:clrMapOvr>
     <a:masterClrMapping/>
@@ -1697,7 +1805,7 @@
           <a:p>
             <a:fld id="{5BCAD085-E8A6-8845-BD4E-CB4CCA059FC4}" type="datetimeFigureOut">
               <a:rPr lang="en-US" smtClean="0"/>
-              <a:t>2/8/25</a:t>
+              <a:t>2/10/25</a:t>
             </a:fld>
             <a:endParaRPr lang="en-US"/>
           </a:p>
@@ -1865,7 +1973,7 @@
           <a:p>
             <a:fld id="{5BCAD085-E8A6-8845-BD4E-CB4CCA059FC4}" type="datetimeFigureOut">
               <a:rPr lang="en-US" smtClean="0"/>
-              <a:t>2/8/25</a:t>
+              <a:t>2/10/25</a:t>
             </a:fld>
             <a:endParaRPr lang="en-US"/>
           </a:p>
@@ -2043,7 +2151,7 @@
           <a:p>
             <a:fld id="{5BCAD085-E8A6-8845-BD4E-CB4CCA059FC4}" type="datetimeFigureOut">
               <a:rPr lang="en-US" smtClean="0"/>
-              <a:t>2/8/25</a:t>
+              <a:t>2/10/25</a:t>
             </a:fld>
             <a:endParaRPr lang="en-US"/>
           </a:p>
@@ -2211,7 +2319,7 @@
           <a:p>
             <a:fld id="{5BCAD085-E8A6-8845-BD4E-CB4CCA059FC4}" type="datetimeFigureOut">
               <a:rPr lang="en-US" smtClean="0"/>
-              <a:t>2/8/25</a:t>
+              <a:t>2/10/25</a:t>
             </a:fld>
             <a:endParaRPr lang="en-US"/>
           </a:p>
@@ -2456,7 +2564,7 @@
           <a:p>
             <a:fld id="{5BCAD085-E8A6-8845-BD4E-CB4CCA059FC4}" type="datetimeFigureOut">
               <a:rPr lang="en-US" smtClean="0"/>
-              <a:t>2/8/25</a:t>
+              <a:t>2/10/25</a:t>
             </a:fld>
             <a:endParaRPr lang="en-US"/>
           </a:p>
@@ -2741,7 +2849,7 @@
           <a:p>
             <a:fld id="{5BCAD085-E8A6-8845-BD4E-CB4CCA059FC4}" type="datetimeFigureOut">
               <a:rPr lang="en-US" smtClean="0"/>
-              <a:t>2/8/25</a:t>
+              <a:t>2/10/25</a:t>
             </a:fld>
             <a:endParaRPr lang="en-US"/>
           </a:p>
@@ -3160,7 +3268,7 @@
           <a:p>
             <a:fld id="{5BCAD085-E8A6-8845-BD4E-CB4CCA059FC4}" type="datetimeFigureOut">
               <a:rPr lang="en-US" smtClean="0"/>
-              <a:t>2/8/25</a:t>
+              <a:t>2/10/25</a:t>
             </a:fld>
             <a:endParaRPr lang="en-US"/>
           </a:p>
@@ -3277,7 +3385,7 @@
           <a:p>
             <a:fld id="{5BCAD085-E8A6-8845-BD4E-CB4CCA059FC4}" type="datetimeFigureOut">
               <a:rPr lang="en-US" smtClean="0"/>
-              <a:t>2/8/25</a:t>
+              <a:t>2/10/25</a:t>
             </a:fld>
             <a:endParaRPr lang="en-US"/>
           </a:p>
@@ -3372,7 +3480,7 @@
           <a:p>
             <a:fld id="{5BCAD085-E8A6-8845-BD4E-CB4CCA059FC4}" type="datetimeFigureOut">
               <a:rPr lang="en-US" smtClean="0"/>
-              <a:t>2/8/25</a:t>
+              <a:t>2/10/25</a:t>
             </a:fld>
             <a:endParaRPr lang="en-US"/>
           </a:p>
@@ -3647,7 +3755,7 @@
           <a:p>
             <a:fld id="{5BCAD085-E8A6-8845-BD4E-CB4CCA059FC4}" type="datetimeFigureOut">
               <a:rPr lang="en-US" smtClean="0"/>
-              <a:t>2/8/25</a:t>
+              <a:t>2/10/25</a:t>
             </a:fld>
             <a:endParaRPr lang="en-US"/>
           </a:p>
@@ -3899,7 +4007,7 @@
           <a:p>
             <a:fld id="{5BCAD085-E8A6-8845-BD4E-CB4CCA059FC4}" type="datetimeFigureOut">
               <a:rPr lang="en-US" smtClean="0"/>
-              <a:t>2/8/25</a:t>
+              <a:t>2/10/25</a:t>
             </a:fld>
             <a:endParaRPr lang="en-US"/>
           </a:p>
@@ -4110,7 +4218,7 @@
           <a:p>
             <a:fld id="{5BCAD085-E8A6-8845-BD4E-CB4CCA059FC4}" type="datetimeFigureOut">
               <a:rPr lang="en-US" smtClean="0"/>
-              <a:t>2/8/25</a:t>
+              <a:t>2/10/25</a:t>
             </a:fld>
             <a:endParaRPr lang="en-US"/>
           </a:p>
@@ -4646,13 +4754,7 @@
       </p:grpSpPr>
       <p:sp>
         <p:nvSpPr>
-          <p:cNvPr id="2" name="Title 1">
-            <a:extLst>
-              <a:ext uri="{FF2B5EF4-FFF2-40B4-BE49-F238E27FC236}">
-                <a16:creationId xmlns:a16="http://schemas.microsoft.com/office/drawing/2014/main" id="{F489F907-19BC-4E04-82B6-956B611BCEC9}"/>
-              </a:ext>
-            </a:extLst>
-          </p:cNvPr>
+          <p:cNvPr id="2" name="Title 1"/>
           <p:cNvSpPr>
             <a:spLocks noGrp="1"/>
           </p:cNvSpPr>
@@ -4687,23 +4789,14 @@
               <a:rPr lang="en-GB" dirty="0">
                 <a:latin typeface="Raleway" pitchFamily="2" charset="77"/>
               </a:rPr>
-              <a:t> II</a:t>
-            </a:r>
-            <a:endParaRPr lang="en-DK" dirty="0">
-              <a:latin typeface="Raleway" pitchFamily="2" charset="77"/>
-            </a:endParaRPr>
-          </a:p>
-        </p:txBody>
-      </p:sp>
-      <p:sp>
-        <p:nvSpPr>
-          <p:cNvPr id="3" name="Content Placeholder 2">
-            <a:extLst>
-              <a:ext uri="{FF2B5EF4-FFF2-40B4-BE49-F238E27FC236}">
-                <a16:creationId xmlns:a16="http://schemas.microsoft.com/office/drawing/2014/main" id="{02786E1B-4651-44AC-0627-F1AA19D9206C}"/>
-              </a:ext>
-            </a:extLst>
-          </p:cNvPr>
+              <a:t> I</a:t>
+            </a:r>
+          </a:p>
+        </p:txBody>
+      </p:sp>
+      <p:sp>
+        <p:nvSpPr>
+          <p:cNvPr id="3" name="Content Placeholder 2"/>
           <p:cNvSpPr>
             <a:spLocks noGrp="1"/>
           </p:cNvSpPr>
@@ -4720,8 +4813,12 @@
               <a:buNone/>
             </a:pPr>
             <a:r>
+              <a:rPr lang="da-DK" dirty="0"/>
+              <a:t> </a:t>
+            </a:r>
+            <a:r>
               <a:rPr lang="en-GB" b="1" dirty="0" err="1"/>
-              <a:t>Designkomponenter</a:t>
+              <a:t>Optimering</a:t>
             </a:r>
             <a:r>
               <a:rPr lang="en-GB" b="1" dirty="0"/>
@@ -4729,17 +4826,119 @@
             </a:r>
             <a:r>
               <a:rPr lang="en-GB" b="1" dirty="0" err="1"/>
+              <a:t>af</a:t>
+            </a:r>
+            <a:r>
+              <a:rPr lang="en-GB" b="1" dirty="0"/>
+              <a:t> </a:t>
+            </a:r>
+            <a:r>
+              <a:rPr lang="en-GB" b="1" dirty="0" err="1"/>
+              <a:t>Billedformater</a:t>
+            </a:r>
+            <a:r>
+              <a:rPr lang="en-GB" b="1" dirty="0"/>
+              <a:t> for </a:t>
+            </a:r>
+            <a:r>
+              <a:rPr lang="en-GB" b="1" dirty="0" err="1"/>
+              <a:t>Hurtigere</a:t>
+            </a:r>
+            <a:r>
+              <a:rPr lang="en-GB" b="1" dirty="0"/>
+              <a:t> </a:t>
+            </a:r>
+            <a:r>
+              <a:rPr lang="en-GB" b="1" dirty="0" err="1"/>
+              <a:t>Indlæsning</a:t>
+            </a:r>
+            <a:endParaRPr lang="en-GB" dirty="0"/>
+          </a:p>
+          <a:p>
+            <a:r>
+              <a:rPr lang="en-GB" dirty="0"/>
+              <a:t>• </a:t>
+            </a:r>
+            <a:r>
+              <a:rPr lang="en-GB" dirty="0" err="1"/>
+              <a:t>Reducerede</a:t>
+            </a:r>
+            <a:r>
+              <a:rPr lang="en-GB" dirty="0"/>
+              <a:t> </a:t>
+            </a:r>
+            <a:r>
+              <a:rPr lang="en-GB" dirty="0" err="1"/>
+              <a:t>indlæsningstider</a:t>
+            </a:r>
+            <a:r>
+              <a:rPr lang="en-GB" dirty="0"/>
+              <a:t> </a:t>
+            </a:r>
+            <a:r>
+              <a:rPr lang="en-GB" dirty="0" err="1"/>
+              <a:t>ved</a:t>
+            </a:r>
+            <a:r>
+              <a:rPr lang="en-GB" dirty="0"/>
+              <a:t> at </a:t>
+            </a:r>
+            <a:r>
+              <a:rPr lang="en-GB" dirty="0" err="1"/>
+              <a:t>konvertere</a:t>
+            </a:r>
+            <a:r>
+              <a:rPr lang="en-GB" dirty="0"/>
+              <a:t> store </a:t>
+            </a:r>
+            <a:r>
+              <a:rPr lang="en-GB" dirty="0" err="1"/>
+              <a:t>billedfiler</a:t>
+            </a:r>
+            <a:r>
+              <a:rPr lang="en-GB" dirty="0"/>
+              <a:t> </a:t>
+            </a:r>
+            <a:r>
+              <a:rPr lang="en-GB" dirty="0" err="1"/>
               <a:t>til</a:t>
             </a:r>
             <a:r>
-              <a:rPr lang="en-GB" b="1" dirty="0"/>
-              <a:t> </a:t>
-            </a:r>
-            <a:r>
-              <a:rPr lang="en-GB" b="1" dirty="0" err="1"/>
-              <a:t>Genbrug</a:t>
-            </a:r>
-            <a:endParaRPr lang="en-GB" dirty="0"/>
+              <a:rPr lang="en-GB" dirty="0"/>
+              <a:t> mere </a:t>
+            </a:r>
+            <a:r>
+              <a:rPr lang="en-GB" dirty="0" err="1"/>
+              <a:t>effektive</a:t>
+            </a:r>
+            <a:r>
+              <a:rPr lang="en-GB" dirty="0"/>
+              <a:t> </a:t>
+            </a:r>
+            <a:r>
+              <a:rPr lang="en-GB" dirty="0" err="1"/>
+              <a:t>formater</a:t>
+            </a:r>
+            <a:r>
+              <a:rPr lang="en-GB" dirty="0"/>
+              <a:t> (</a:t>
+            </a:r>
+            <a:r>
+              <a:rPr lang="en-GB" dirty="0" err="1"/>
+              <a:t>f.eks</a:t>
+            </a:r>
+            <a:r>
+              <a:rPr lang="en-GB" dirty="0"/>
+              <a:t>. </a:t>
+            </a:r>
+            <a:r>
+              <a:rPr lang="en-GB" dirty="0" err="1"/>
+              <a:t>WebP</a:t>
+            </a:r>
+            <a:r>
+              <a:rPr lang="en-GB" dirty="0"/>
+              <a:t>).</a:t>
+            </a:r>
           </a:p>
           <a:p>
             <a:r>
@@ -4748,23 +4947,23 @@
             </a:r>
             <a:r>
               <a:rPr lang="en-GB" dirty="0" err="1"/>
-              <a:t>Oprettet</a:t>
-            </a:r>
-            <a:r>
-              <a:rPr lang="en-GB" dirty="0"/>
-              <a:t> </a:t>
+              <a:t>Implementerede</a:t>
+            </a:r>
+            <a:r>
+              <a:rPr lang="en-GB" dirty="0"/>
+              <a:t> responsive </a:t>
             </a:r>
             <a:r>
               <a:rPr lang="en-GB" dirty="0" err="1"/>
-              <a:t>standardkomponenter</a:t>
-            </a:r>
-            <a:r>
-              <a:rPr lang="en-GB" dirty="0"/>
-              <a:t> </a:t>
+              <a:t>billeder</a:t>
+            </a:r>
+            <a:r>
+              <a:rPr lang="en-GB" dirty="0"/>
+              <a:t> for at </a:t>
             </a:r>
             <a:r>
               <a:rPr lang="en-GB" dirty="0" err="1"/>
-              <a:t>som</a:t>
+              <a:t>vise</a:t>
             </a:r>
             <a:r>
               <a:rPr lang="en-GB" dirty="0"/>
@@ -4772,7 +4971,85 @@
             </a:r>
             <a:r>
               <a:rPr lang="en-GB" dirty="0" err="1"/>
-              <a:t>knapper</a:t>
+              <a:t>passende</a:t>
+            </a:r>
+            <a:r>
+              <a:rPr lang="en-GB" dirty="0"/>
+              <a:t> </a:t>
+            </a:r>
+            <a:r>
+              <a:rPr lang="en-GB" dirty="0" err="1"/>
+              <a:t>størrelser</a:t>
+            </a:r>
+            <a:r>
+              <a:rPr lang="en-GB" dirty="0"/>
+              <a:t> </a:t>
+            </a:r>
+            <a:r>
+              <a:rPr lang="en-GB" dirty="0" err="1"/>
+              <a:t>afhængigt</a:t>
+            </a:r>
+            <a:r>
+              <a:rPr lang="en-GB" dirty="0"/>
+              <a:t> </a:t>
+            </a:r>
+            <a:r>
+              <a:rPr lang="en-GB" dirty="0" err="1"/>
+              <a:t>af</a:t>
+            </a:r>
+            <a:r>
+              <a:rPr lang="en-GB" dirty="0"/>
+              <a:t> </a:t>
+            </a:r>
+            <a:r>
+              <a:rPr lang="en-GB" dirty="0" err="1"/>
+              <a:t>skærmopløsning</a:t>
+            </a:r>
+            <a:r>
+              <a:rPr lang="en-GB" dirty="0"/>
+              <a:t>.</a:t>
+            </a:r>
+          </a:p>
+          <a:p>
+            <a:r>
+              <a:rPr lang="en-GB" dirty="0"/>
+              <a:t>• </a:t>
+            </a:r>
+            <a:r>
+              <a:rPr lang="en-GB" dirty="0" err="1"/>
+              <a:t>Resultat</a:t>
+            </a:r>
+            <a:r>
+              <a:rPr lang="en-GB" dirty="0"/>
+              <a:t>: </a:t>
+            </a:r>
+            <a:r>
+              <a:rPr lang="en-GB" dirty="0" err="1"/>
+              <a:t>Mindre</a:t>
+            </a:r>
+            <a:r>
+              <a:rPr lang="en-GB" dirty="0"/>
+              <a:t> </a:t>
+            </a:r>
+            <a:r>
+              <a:rPr lang="en-GB" dirty="0" err="1"/>
+              <a:t>energi</a:t>
+            </a:r>
+            <a:r>
+              <a:rPr lang="en-GB" dirty="0"/>
+              <a:t> </a:t>
+            </a:r>
+            <a:r>
+              <a:rPr lang="en-GB" dirty="0" err="1"/>
+              <a:t>forbundet</a:t>
+            </a:r>
+            <a:r>
+              <a:rPr lang="en-GB" dirty="0"/>
+              <a:t> med </a:t>
+            </a:r>
+            <a:r>
+              <a:rPr lang="en-GB" dirty="0" err="1"/>
+              <a:t>servere</a:t>
             </a:r>
             <a:r>
               <a:rPr lang="en-GB" dirty="0"/>
@@ -4788,7 +5065,15 @@
             </a:r>
             <a:r>
               <a:rPr lang="en-GB" dirty="0" err="1"/>
-              <a:t>navigationsmenuer</a:t>
+              <a:t>hurtigere</a:t>
+            </a:r>
+            <a:r>
+              <a:rPr lang="en-GB" dirty="0"/>
+              <a:t> </a:t>
+            </a:r>
+            <a:r>
+              <a:rPr lang="en-GB" dirty="0" err="1"/>
+              <a:t>brugeroplevelse</a:t>
             </a:r>
             <a:r>
               <a:rPr lang="en-GB" dirty="0"/>
@@ -4796,156 +5081,20 @@
             </a:r>
           </a:p>
           <a:p>
-            <a:r>
-              <a:rPr lang="en-GB" dirty="0"/>
-              <a:t>• </a:t>
-            </a:r>
-            <a:r>
-              <a:rPr lang="en-GB" dirty="0" err="1"/>
-              <a:t>Genbrugsdesign</a:t>
-            </a:r>
-            <a:r>
-              <a:rPr lang="en-GB" dirty="0"/>
-              <a:t> </a:t>
-            </a:r>
-            <a:r>
-              <a:rPr lang="en-GB" dirty="0" err="1"/>
-              <a:t>på</a:t>
-            </a:r>
-            <a:r>
-              <a:rPr lang="en-GB" dirty="0"/>
-              <a:t> </a:t>
-            </a:r>
-            <a:r>
-              <a:rPr lang="en-GB" dirty="0" err="1"/>
-              <a:t>tværs</a:t>
-            </a:r>
-            <a:r>
-              <a:rPr lang="en-GB" dirty="0"/>
-              <a:t> </a:t>
-            </a:r>
-            <a:r>
-              <a:rPr lang="en-GB" dirty="0" err="1"/>
-              <a:t>af</a:t>
-            </a:r>
-            <a:r>
-              <a:rPr lang="en-GB" dirty="0"/>
-              <a:t> alle sider for at </a:t>
-            </a:r>
-            <a:r>
-              <a:rPr lang="en-GB" dirty="0" err="1"/>
-              <a:t>minimere</a:t>
-            </a:r>
-            <a:r>
-              <a:rPr lang="en-GB" dirty="0"/>
-              <a:t> </a:t>
-            </a:r>
-            <a:r>
-              <a:rPr lang="en-GB" dirty="0" err="1"/>
-              <a:t>kode</a:t>
-            </a:r>
-            <a:r>
-              <a:rPr lang="en-GB" dirty="0"/>
-              <a:t> </a:t>
-            </a:r>
-            <a:r>
-              <a:rPr lang="en-GB" dirty="0" err="1"/>
-              <a:t>og</a:t>
-            </a:r>
-            <a:r>
-              <a:rPr lang="en-GB" dirty="0"/>
-              <a:t> </a:t>
-            </a:r>
-            <a:r>
-              <a:rPr lang="en-GB" dirty="0" err="1"/>
-              <a:t>optimere</a:t>
-            </a:r>
-            <a:r>
-              <a:rPr lang="en-GB" dirty="0"/>
-              <a:t> </a:t>
-            </a:r>
-            <a:r>
-              <a:rPr lang="en-GB" dirty="0" err="1"/>
-              <a:t>ressourceforbrug</a:t>
-            </a:r>
-            <a:r>
-              <a:rPr lang="en-GB" dirty="0"/>
-              <a:t>.</a:t>
-            </a:r>
-          </a:p>
-          <a:p>
-            <a:r>
-              <a:rPr lang="en-GB" dirty="0"/>
-              <a:t>• </a:t>
-            </a:r>
-            <a:r>
-              <a:rPr lang="en-GB" dirty="0" err="1"/>
-              <a:t>Resultat</a:t>
-            </a:r>
-            <a:r>
-              <a:rPr lang="en-GB" dirty="0"/>
-              <a:t>: </a:t>
-            </a:r>
-            <a:r>
-              <a:rPr lang="en-GB" dirty="0" err="1"/>
-              <a:t>Effektivisering</a:t>
-            </a:r>
-            <a:r>
-              <a:rPr lang="en-GB" dirty="0"/>
-              <a:t> </a:t>
-            </a:r>
-            <a:r>
-              <a:rPr lang="en-GB" dirty="0" err="1"/>
-              <a:t>af</a:t>
-            </a:r>
-            <a:r>
-              <a:rPr lang="en-GB" dirty="0"/>
-              <a:t> </a:t>
-            </a:r>
-            <a:r>
-              <a:rPr lang="en-GB" dirty="0" err="1"/>
-              <a:t>udviklingsprocessen</a:t>
-            </a:r>
-            <a:r>
-              <a:rPr lang="en-GB" dirty="0"/>
-              <a:t> </a:t>
-            </a:r>
-            <a:r>
-              <a:rPr lang="en-GB" dirty="0" err="1"/>
-              <a:t>og</a:t>
-            </a:r>
-            <a:r>
-              <a:rPr lang="en-GB" dirty="0"/>
-              <a:t> </a:t>
-            </a:r>
-            <a:r>
-              <a:rPr lang="en-GB" dirty="0" err="1"/>
-              <a:t>lavere</a:t>
-            </a:r>
-            <a:r>
-              <a:rPr lang="en-GB" dirty="0"/>
-              <a:t> </a:t>
-            </a:r>
-            <a:r>
-              <a:rPr lang="en-GB" dirty="0" err="1"/>
-              <a:t>vedligeholdelsesomkostninger</a:t>
-            </a:r>
-            <a:r>
-              <a:rPr lang="en-GB" dirty="0"/>
-              <a:t>.</a:t>
-            </a:r>
-          </a:p>
-          <a:p>
-            <a:endParaRPr lang="en-DK" dirty="0"/>
+            <a:endParaRPr dirty="0"/>
+          </a:p>
+          <a:p>
+            <a:pPr marL="0" indent="0">
+              <a:buNone/>
+            </a:pPr>
+            <a:endParaRPr dirty="0"/>
+          </a:p>
+          <a:p>
+            <a:endParaRPr dirty="0"/>
           </a:p>
         </p:txBody>
       </p:sp>
     </p:spTree>
-    <p:extLst>
-      <p:ext uri="{BB962C8B-B14F-4D97-AF65-F5344CB8AC3E}">
-        <p14:creationId xmlns:p14="http://schemas.microsoft.com/office/powerpoint/2010/main" val="1267330334"/>
-      </p:ext>
-    </p:extLst>
   </p:cSld>
   <p:clrMapOvr>
     <a:masterClrMapping/>
@@ -4975,6 +5124,332 @@
           <p:cNvPr id="2" name="Title 1">
             <a:extLst>
               <a:ext uri="{FF2B5EF4-FFF2-40B4-BE49-F238E27FC236}">
+                <a16:creationId xmlns:a16="http://schemas.microsoft.com/office/drawing/2014/main" id="{F489F907-19BC-4E04-82B6-956B611BCEC9}"/>
+              </a:ext>
+            </a:extLst>
+          </p:cNvPr>
+          <p:cNvSpPr>
+            <a:spLocks noGrp="1"/>
+          </p:cNvSpPr>
+          <p:nvPr>
+            <p:ph type="title"/>
+          </p:nvPr>
+        </p:nvSpPr>
+        <p:spPr/>
+        <p:txBody>
+          <a:bodyPr/>
+          <a:lstStyle/>
+          <a:p>
+            <a:r>
+              <a:rPr lang="en-GB" dirty="0" err="1">
+                <a:latin typeface="Raleway" pitchFamily="2" charset="77"/>
+              </a:rPr>
+              <a:t>Bæredygtig</a:t>
+            </a:r>
+            <a:r>
+              <a:rPr lang="en-GB" dirty="0">
+                <a:latin typeface="Raleway" pitchFamily="2" charset="77"/>
+              </a:rPr>
+              <a:t> </a:t>
+            </a:r>
+            <a:r>
+              <a:rPr lang="en-GB" dirty="0" err="1">
+                <a:latin typeface="Raleway" pitchFamily="2" charset="77"/>
+              </a:rPr>
+              <a:t>Webdesignpraksis</a:t>
+            </a:r>
+            <a:r>
+              <a:rPr lang="en-GB" dirty="0">
+                <a:latin typeface="Raleway" pitchFamily="2" charset="77"/>
+              </a:rPr>
+              <a:t> II</a:t>
+            </a:r>
+            <a:endParaRPr lang="en-DK" dirty="0">
+              <a:latin typeface="Raleway" pitchFamily="2" charset="77"/>
+            </a:endParaRPr>
+          </a:p>
+        </p:txBody>
+      </p:sp>
+      <p:sp>
+        <p:nvSpPr>
+          <p:cNvPr id="3" name="Content Placeholder 2">
+            <a:extLst>
+              <a:ext uri="{FF2B5EF4-FFF2-40B4-BE49-F238E27FC236}">
+                <a16:creationId xmlns:a16="http://schemas.microsoft.com/office/drawing/2014/main" id="{02786E1B-4651-44AC-0627-F1AA19D9206C}"/>
+              </a:ext>
+            </a:extLst>
+          </p:cNvPr>
+          <p:cNvSpPr>
+            <a:spLocks noGrp="1"/>
+          </p:cNvSpPr>
+          <p:nvPr>
+            <p:ph idx="1"/>
+          </p:nvPr>
+        </p:nvSpPr>
+        <p:spPr/>
+        <p:txBody>
+          <a:bodyPr/>
+          <a:lstStyle/>
+          <a:p>
+            <a:pPr marL="0" indent="0">
+              <a:buNone/>
+            </a:pPr>
+            <a:r>
+              <a:rPr lang="en-GB" b="1" dirty="0" err="1"/>
+              <a:t>Designkomponenter</a:t>
+            </a:r>
+            <a:r>
+              <a:rPr lang="en-GB" b="1" dirty="0"/>
+              <a:t> </a:t>
+            </a:r>
+            <a:r>
+              <a:rPr lang="en-GB" b="1" dirty="0" err="1"/>
+              <a:t>til</a:t>
+            </a:r>
+            <a:r>
+              <a:rPr lang="en-GB" b="1" dirty="0"/>
+              <a:t> </a:t>
+            </a:r>
+            <a:r>
+              <a:rPr lang="en-GB" b="1" dirty="0" err="1"/>
+              <a:t>Genbrug</a:t>
+            </a:r>
+            <a:endParaRPr lang="en-GB" dirty="0"/>
+          </a:p>
+          <a:p>
+            <a:r>
+              <a:rPr lang="en-GB" dirty="0"/>
+              <a:t>• </a:t>
+            </a:r>
+            <a:r>
+              <a:rPr lang="en-GB" dirty="0" err="1"/>
+              <a:t>Oprettet</a:t>
+            </a:r>
+            <a:r>
+              <a:rPr lang="en-GB" dirty="0"/>
+              <a:t> </a:t>
+            </a:r>
+            <a:r>
+              <a:rPr lang="en-GB" dirty="0" err="1"/>
+              <a:t>standardkomponenter</a:t>
+            </a:r>
+            <a:r>
+              <a:rPr lang="en-GB" dirty="0"/>
+              <a:t> </a:t>
+            </a:r>
+            <a:r>
+              <a:rPr lang="en-GB" dirty="0" err="1"/>
+              <a:t>som</a:t>
+            </a:r>
+            <a:r>
+              <a:rPr lang="en-GB" dirty="0"/>
+              <a:t> </a:t>
+            </a:r>
+            <a:r>
+              <a:rPr lang="en-GB" dirty="0" err="1"/>
+              <a:t>knapper</a:t>
+            </a:r>
+            <a:r>
+              <a:rPr lang="en-GB" dirty="0"/>
+              <a:t> </a:t>
+            </a:r>
+            <a:r>
+              <a:rPr lang="en-GB" dirty="0" err="1"/>
+              <a:t>og</a:t>
+            </a:r>
+            <a:r>
+              <a:rPr lang="en-GB" dirty="0"/>
+              <a:t> </a:t>
+            </a:r>
+            <a:r>
+              <a:rPr lang="en-GB" dirty="0" err="1"/>
+              <a:t>navigationsmenuer</a:t>
+            </a:r>
+            <a:r>
+              <a:rPr lang="en-GB" dirty="0"/>
+              <a:t>.</a:t>
+            </a:r>
+          </a:p>
+          <a:p>
+            <a:r>
+              <a:rPr lang="en-GB" dirty="0"/>
+              <a:t>• </a:t>
+            </a:r>
+            <a:r>
+              <a:rPr lang="en-GB" dirty="0" err="1"/>
+              <a:t>Genbrugsdesign</a:t>
+            </a:r>
+            <a:r>
+              <a:rPr lang="en-GB" dirty="0"/>
+              <a:t> </a:t>
+            </a:r>
+            <a:r>
+              <a:rPr lang="en-GB" dirty="0" err="1"/>
+              <a:t>på</a:t>
+            </a:r>
+            <a:r>
+              <a:rPr lang="en-GB" dirty="0"/>
+              <a:t> </a:t>
+            </a:r>
+            <a:r>
+              <a:rPr lang="en-GB" dirty="0" err="1"/>
+              <a:t>tværs</a:t>
+            </a:r>
+            <a:r>
+              <a:rPr lang="en-GB" dirty="0"/>
+              <a:t> </a:t>
+            </a:r>
+            <a:r>
+              <a:rPr lang="en-GB" dirty="0" err="1"/>
+              <a:t>af</a:t>
+            </a:r>
+            <a:r>
+              <a:rPr lang="en-GB" dirty="0"/>
+              <a:t> alle sider for at </a:t>
+            </a:r>
+            <a:r>
+              <a:rPr lang="en-GB" dirty="0" err="1"/>
+              <a:t>minimere</a:t>
+            </a:r>
+            <a:r>
+              <a:rPr lang="en-GB" dirty="0"/>
+              <a:t> </a:t>
+            </a:r>
+            <a:r>
+              <a:rPr lang="en-GB" dirty="0" err="1"/>
+              <a:t>kode</a:t>
+            </a:r>
+            <a:r>
+              <a:rPr lang="en-GB" dirty="0"/>
+              <a:t> </a:t>
+            </a:r>
+            <a:r>
+              <a:rPr lang="en-GB" dirty="0" err="1"/>
+              <a:t>og</a:t>
+            </a:r>
+            <a:r>
+              <a:rPr lang="en-GB" dirty="0"/>
+              <a:t> </a:t>
+            </a:r>
+            <a:r>
+              <a:rPr lang="en-GB" dirty="0" err="1"/>
+              <a:t>optimere</a:t>
+            </a:r>
+            <a:r>
+              <a:rPr lang="en-GB" dirty="0"/>
+              <a:t> </a:t>
+            </a:r>
+            <a:r>
+              <a:rPr lang="en-GB" dirty="0" err="1"/>
+              <a:t>ressourceforbrug</a:t>
+            </a:r>
+            <a:r>
+              <a:rPr lang="en-GB" dirty="0"/>
+              <a:t>.</a:t>
+            </a:r>
+          </a:p>
+          <a:p>
+            <a:r>
+              <a:rPr lang="en-GB" dirty="0"/>
+              <a:t>• </a:t>
+            </a:r>
+            <a:r>
+              <a:rPr lang="en-GB" dirty="0" err="1"/>
+              <a:t>Resultat</a:t>
+            </a:r>
+            <a:r>
+              <a:rPr lang="en-GB" dirty="0"/>
+              <a:t>: </a:t>
+            </a:r>
+            <a:r>
+              <a:rPr lang="en-GB" dirty="0" err="1"/>
+              <a:t>Effektivisering</a:t>
+            </a:r>
+            <a:r>
+              <a:rPr lang="en-GB" dirty="0"/>
+              <a:t> </a:t>
+            </a:r>
+            <a:r>
+              <a:rPr lang="en-GB" dirty="0" err="1"/>
+              <a:t>af</a:t>
+            </a:r>
+            <a:r>
+              <a:rPr lang="en-GB" dirty="0"/>
+              <a:t> </a:t>
+            </a:r>
+            <a:r>
+              <a:rPr lang="en-GB" dirty="0" err="1"/>
+              <a:t>udviklingsprocessen</a:t>
+            </a:r>
+            <a:r>
+              <a:rPr lang="en-GB" dirty="0"/>
+              <a:t> </a:t>
+            </a:r>
+            <a:r>
+              <a:rPr lang="en-GB" dirty="0" err="1"/>
+              <a:t>og</a:t>
+            </a:r>
+            <a:r>
+              <a:rPr lang="en-GB" dirty="0"/>
+              <a:t> </a:t>
+            </a:r>
+            <a:r>
+              <a:rPr lang="en-GB" dirty="0" err="1"/>
+              <a:t>lavere</a:t>
+            </a:r>
+            <a:r>
+              <a:rPr lang="en-GB" dirty="0"/>
+              <a:t> </a:t>
+            </a:r>
+            <a:r>
+              <a:rPr lang="en-GB" dirty="0" err="1"/>
+              <a:t>vedligeholdelsesomkostninger</a:t>
+            </a:r>
+            <a:r>
+              <a:rPr lang="en-GB" dirty="0"/>
+              <a:t>.</a:t>
+            </a:r>
+          </a:p>
+          <a:p>
+            <a:endParaRPr lang="en-DK" dirty="0"/>
+          </a:p>
+        </p:txBody>
+      </p:sp>
+    </p:spTree>
+    <p:extLst>
+      <p:ext uri="{BB962C8B-B14F-4D97-AF65-F5344CB8AC3E}">
+        <p14:creationId xmlns:p14="http://schemas.microsoft.com/office/powerpoint/2010/main" val="1267330334"/>
+      </p:ext>
+    </p:extLst>
+  </p:cSld>
+  <p:clrMapOvr>
+    <a:masterClrMapping/>
+  </p:clrMapOvr>
+</p:sld>
+</file>
+
+<file path=ppt/slides/slide12.xml><?xml version="1.0" encoding="utf-8"?>
+<p:sld xmlns:a="http://schemas.openxmlformats.org/drawingml/2006/main" xmlns:r="http://schemas.openxmlformats.org/officeDocument/2006/relationships" xmlns:p="http://schemas.openxmlformats.org/presentationml/2006/main">
+  <p:cSld>
+    <p:spTree>
+      <p:nvGrpSpPr>
+        <p:cNvPr id="1" name=""/>
+        <p:cNvGrpSpPr/>
+        <p:nvPr/>
+      </p:nvGrpSpPr>
+      <p:grpSpPr>
+        <a:xfrm>
+          <a:off x="0" y="0"/>
+          <a:ext cx="0" cy="0"/>
+          <a:chOff x="0" y="0"/>
+          <a:chExt cx="0" cy="0"/>
+        </a:xfrm>
+      </p:grpSpPr>
+      <p:sp>
+        <p:nvSpPr>
+          <p:cNvPr id="2" name="Title 1">
+            <a:extLst>
+              <a:ext uri="{FF2B5EF4-FFF2-40B4-BE49-F238E27FC236}">
                 <a16:creationId xmlns:a16="http://schemas.microsoft.com/office/drawing/2014/main" id="{3EC5775A-9D4B-7414-D1F7-31DF1FA14FA8}"/>
               </a:ext>
             </a:extLst>
@@ -5188,7 +5663,7 @@
 </p:sld>
 </file>
 
-<file path=ppt/slides/slide12.xml><?xml version="1.0" encoding="utf-8"?>
+<file path=ppt/slides/slide13.xml><?xml version="1.0" encoding="utf-8"?>
 <p:sld xmlns:a="http://schemas.openxmlformats.org/drawingml/2006/main" xmlns:r="http://schemas.openxmlformats.org/officeDocument/2006/relationships" xmlns:p="http://schemas.openxmlformats.org/presentationml/2006/main">
   <p:cSld>
     <p:bg>
@@ -5739,7 +6214,7 @@
 </p:sld>
 </file>
 
-<file path=ppt/slides/slide13.xml><?xml version="1.0" encoding="utf-8"?>
+<file path=ppt/slides/slide14.xml><?xml version="1.0" encoding="utf-8"?>
 <p:sld xmlns:a="http://schemas.openxmlformats.org/drawingml/2006/main" xmlns:r="http://schemas.openxmlformats.org/officeDocument/2006/relationships" xmlns:p="http://schemas.openxmlformats.org/presentationml/2006/main">
   <p:cSld>
     <p:spTree>
@@ -5823,7 +6298,7 @@
 </p:sld>
 </file>
 
-<file path=ppt/slides/slide14.xml><?xml version="1.0" encoding="utf-8"?>
+<file path=ppt/slides/slide15.xml><?xml version="1.0" encoding="utf-8"?>
 <p:sld xmlns:a="http://schemas.openxmlformats.org/drawingml/2006/main" xmlns:r="http://schemas.openxmlformats.org/officeDocument/2006/relationships" xmlns:p="http://schemas.openxmlformats.org/presentationml/2006/main">
   <p:cSld>
     <p:spTree>
@@ -6216,7 +6691,7 @@
 </p:sld>
 </file>
 
-<file path=ppt/slides/slide15.xml><?xml version="1.0" encoding="utf-8"?>
+<file path=ppt/slides/slide16.xml><?xml version="1.0" encoding="utf-8"?>
 <p:sld xmlns:a="http://schemas.openxmlformats.org/drawingml/2006/main" xmlns:r="http://schemas.openxmlformats.org/officeDocument/2006/relationships" xmlns:p="http://schemas.openxmlformats.org/presentationml/2006/main">
   <p:cSld>
     <p:bg>
@@ -6593,104 +7068,6 @@
 </p:sld>
 </file>
 
-<file path=ppt/slides/slide16.xml><?xml version="1.0" encoding="utf-8"?>
-<p:sld xmlns:a="http://schemas.openxmlformats.org/drawingml/2006/main" xmlns:r="http://schemas.openxmlformats.org/officeDocument/2006/relationships" xmlns:p="http://schemas.openxmlformats.org/presentationml/2006/main">
-  <p:cSld>
-    <p:spTree>
-      <p:nvGrpSpPr>
-        <p:cNvPr id="1" name=""/>
-        <p:cNvGrpSpPr/>
-        <p:nvPr/>
-      </p:nvGrpSpPr>
-      <p:grpSpPr>
-        <a:xfrm>
-          <a:off x="0" y="0"/>
-          <a:ext cx="0" cy="0"/>
-          <a:chOff x="0" y="0"/>
-          <a:chExt cx="0" cy="0"/>
-        </a:xfrm>
-      </p:grpSpPr>
-      <p:sp>
-        <p:nvSpPr>
-          <p:cNvPr id="5" name="TextBox 4">
-            <a:extLst>
-              <a:ext uri="{FF2B5EF4-FFF2-40B4-BE49-F238E27FC236}">
-                <a16:creationId xmlns:a16="http://schemas.microsoft.com/office/drawing/2014/main" id="{A24E4326-D9B2-4687-D471-C6FB3EB119E9}"/>
-              </a:ext>
-            </a:extLst>
-          </p:cNvPr>
-          <p:cNvSpPr txBox="1"/>
-          <p:nvPr/>
-        </p:nvSpPr>
-        <p:spPr>
-          <a:xfrm>
-            <a:off x="3050628" y="3244334"/>
-            <a:ext cx="6101254" cy="923330"/>
-          </a:xfrm>
-          <a:prstGeom prst="rect">
-            <a:avLst/>
-          </a:prstGeom>
-          <a:noFill/>
-        </p:spPr>
-        <p:txBody>
-          <a:bodyPr wrap="square">
-            <a:spAutoFit/>
-          </a:bodyPr>
-          <a:lstStyle/>
-          <a:p>
-            <a:r>
-              <a:rPr lang="en-GB" sz="5400" b="0" i="0" dirty="0" err="1">
-                <a:solidFill>
-                  <a:srgbClr val="292929"/>
-                </a:solidFill>
-                <a:effectLst/>
-                <a:latin typeface="Raleway" pitchFamily="2" charset="77"/>
-                <a:cs typeface="Calibri" panose="020F0502020204030204" pitchFamily="34" charset="0"/>
-              </a:rPr>
-              <a:t>Bedste</a:t>
-            </a:r>
-            <a:r>
-              <a:rPr lang="en-GB" sz="5400" b="0" i="0" dirty="0">
-                <a:solidFill>
-                  <a:srgbClr val="292929"/>
-                </a:solidFill>
-                <a:effectLst/>
-                <a:latin typeface="Raleway" pitchFamily="2" charset="77"/>
-                <a:cs typeface="Calibri" panose="020F0502020204030204" pitchFamily="34" charset="0"/>
-              </a:rPr>
-              <a:t> </a:t>
-            </a:r>
-            <a:r>
-              <a:rPr lang="en-GB" sz="5400" b="0" i="0" dirty="0" err="1">
-                <a:solidFill>
-                  <a:srgbClr val="292929"/>
-                </a:solidFill>
-                <a:effectLst/>
-                <a:latin typeface="Raleway" pitchFamily="2" charset="77"/>
-                <a:cs typeface="Calibri" panose="020F0502020204030204" pitchFamily="34" charset="0"/>
-              </a:rPr>
-              <a:t>praksis</a:t>
-            </a:r>
-            <a:endParaRPr lang="en-DK" sz="5400" dirty="0">
-              <a:latin typeface="Raleway" pitchFamily="2" charset="77"/>
-              <a:cs typeface="Calibri" panose="020F0502020204030204" pitchFamily="34" charset="0"/>
-            </a:endParaRPr>
-          </a:p>
-        </p:txBody>
-      </p:sp>
-    </p:spTree>
-    <p:extLst>
-      <p:ext uri="{BB962C8B-B14F-4D97-AF65-F5344CB8AC3E}">
-        <p14:creationId xmlns:p14="http://schemas.microsoft.com/office/powerpoint/2010/main" val="3728464535"/>
-      </p:ext>
-    </p:extLst>
-  </p:cSld>
-  <p:clrMapOvr>
-    <a:masterClrMapping/>
-  </p:clrMapOvr>
-</p:sld>
-</file>
-
 <file path=ppt/slides/slide17.xml><?xml version="1.0" encoding="utf-8"?>
 <p:sld xmlns:a="http://schemas.openxmlformats.org/drawingml/2006/main" xmlns:r="http://schemas.openxmlformats.org/officeDocument/2006/relationships" xmlns:p="http://schemas.openxmlformats.org/presentationml/2006/main">
   <p:cSld>
@@ -6710,322 +7087,78 @@
       </p:grpSpPr>
       <p:sp>
         <p:nvSpPr>
-          <p:cNvPr id="2" name="Title 1"/>
-          <p:cNvSpPr>
-            <a:spLocks noGrp="1"/>
-          </p:cNvSpPr>
-          <p:nvPr>
-            <p:ph type="title"/>
-          </p:nvPr>
-        </p:nvSpPr>
-        <p:spPr/>
-        <p:txBody>
-          <a:bodyPr>
-            <a:normAutofit fontScale="90000"/>
+          <p:cNvPr id="5" name="TextBox 4">
+            <a:extLst>
+              <a:ext uri="{FF2B5EF4-FFF2-40B4-BE49-F238E27FC236}">
+                <a16:creationId xmlns:a16="http://schemas.microsoft.com/office/drawing/2014/main" id="{A24E4326-D9B2-4687-D471-C6FB3EB119E9}"/>
+              </a:ext>
+            </a:extLst>
+          </p:cNvPr>
+          <p:cNvSpPr txBox="1"/>
+          <p:nvPr/>
+        </p:nvSpPr>
+        <p:spPr>
+          <a:xfrm>
+            <a:off x="3050628" y="3244334"/>
+            <a:ext cx="6101254" cy="923330"/>
+          </a:xfrm>
+          <a:prstGeom prst="rect">
+            <a:avLst/>
+          </a:prstGeom>
+          <a:noFill/>
+        </p:spPr>
+        <p:txBody>
+          <a:bodyPr wrap="square">
+            <a:spAutoFit/>
           </a:bodyPr>
           <a:lstStyle/>
           <a:p>
             <a:r>
-              <a:rPr dirty="0" err="1">
-                <a:latin typeface="Raleway" pitchFamily="2" charset="77"/>
-              </a:rPr>
-              <a:t>Implementering</a:t>
-            </a:r>
-            <a:r>
-              <a:rPr dirty="0">
-                <a:latin typeface="Raleway" pitchFamily="2" charset="77"/>
-              </a:rPr>
-              <a:t> </a:t>
-            </a:r>
-            <a:r>
-              <a:rPr dirty="0" err="1">
-                <a:latin typeface="Raleway" pitchFamily="2" charset="77"/>
-              </a:rPr>
-              <a:t>af</a:t>
-            </a:r>
-            <a:r>
-              <a:rPr dirty="0">
-                <a:latin typeface="Raleway" pitchFamily="2" charset="77"/>
-              </a:rPr>
-              <a:t> </a:t>
-            </a:r>
-            <a:r>
-              <a:rPr dirty="0" err="1">
-                <a:latin typeface="Raleway" pitchFamily="2" charset="77"/>
-              </a:rPr>
-              <a:t>bæredygtige</a:t>
-            </a:r>
-            <a:r>
-              <a:rPr dirty="0">
-                <a:latin typeface="Raleway" pitchFamily="2" charset="77"/>
-              </a:rPr>
-              <a:t> web</a:t>
-            </a:r>
-            <a:r>
-              <a:rPr lang="da-DK" dirty="0">
-                <a:latin typeface="Raleway" pitchFamily="2" charset="77"/>
-              </a:rPr>
-              <a:t> </a:t>
-            </a:r>
-            <a:r>
-              <a:rPr dirty="0" err="1">
-                <a:latin typeface="Raleway" pitchFamily="2" charset="77"/>
+              <a:rPr lang="en-GB" sz="5400" b="0" i="0" dirty="0" err="1">
+                <a:solidFill>
+                  <a:srgbClr val="292929"/>
+                </a:solidFill>
+                <a:effectLst/>
+                <a:latin typeface="Raleway" pitchFamily="2" charset="77"/>
+                <a:cs typeface="Calibri" panose="020F0502020204030204" pitchFamily="34" charset="0"/>
+              </a:rPr>
+              <a:t>Bedste</a:t>
+            </a:r>
+            <a:r>
+              <a:rPr lang="en-GB" sz="5400" b="0" i="0" dirty="0">
+                <a:solidFill>
+                  <a:srgbClr val="292929"/>
+                </a:solidFill>
+                <a:effectLst/>
+                <a:latin typeface="Raleway" pitchFamily="2" charset="77"/>
+                <a:cs typeface="Calibri" panose="020F0502020204030204" pitchFamily="34" charset="0"/>
+              </a:rPr>
+              <a:t> </a:t>
+            </a:r>
+            <a:r>
+              <a:rPr lang="en-GB" sz="5400" b="0" i="0" dirty="0" err="1">
+                <a:solidFill>
+                  <a:srgbClr val="292929"/>
+                </a:solidFill>
+                <a:effectLst/>
+                <a:latin typeface="Raleway" pitchFamily="2" charset="77"/>
+                <a:cs typeface="Calibri" panose="020F0502020204030204" pitchFamily="34" charset="0"/>
               </a:rPr>
               <a:t>praksis</a:t>
             </a:r>
-            <a:r>
-              <a:rPr lang="da-DK" dirty="0">
-                <a:latin typeface="Raleway" pitchFamily="2" charset="77"/>
-              </a:rPr>
-              <a:t> </a:t>
-            </a:r>
-            <a:endParaRPr dirty="0">
+            <a:endParaRPr lang="en-DK" sz="5400" dirty="0">
               <a:latin typeface="Raleway" pitchFamily="2" charset="77"/>
+              <a:cs typeface="Calibri" panose="020F0502020204030204" pitchFamily="34" charset="0"/>
             </a:endParaRPr>
           </a:p>
         </p:txBody>
       </p:sp>
-      <p:sp>
-        <p:nvSpPr>
-          <p:cNvPr id="3" name="Content Placeholder 2"/>
-          <p:cNvSpPr>
-            <a:spLocks noGrp="1"/>
-          </p:cNvSpPr>
-          <p:nvPr>
-            <p:ph idx="1"/>
-          </p:nvPr>
-        </p:nvSpPr>
-        <p:spPr/>
-        <p:txBody>
-          <a:bodyPr/>
-          <a:lstStyle/>
-          <a:p>
-            <a:r>
-              <a:rPr dirty="0" err="1"/>
-              <a:t>Fokus</a:t>
-            </a:r>
-            <a:r>
-              <a:rPr dirty="0"/>
-              <a:t> </a:t>
-            </a:r>
-            <a:r>
-              <a:rPr dirty="0" err="1"/>
-              <a:t>på</a:t>
-            </a:r>
-            <a:r>
-              <a:rPr dirty="0"/>
-              <a:t> at </a:t>
-            </a:r>
-            <a:r>
-              <a:rPr dirty="0" err="1"/>
-              <a:t>reducere</a:t>
-            </a:r>
-            <a:r>
-              <a:rPr dirty="0"/>
-              <a:t> </a:t>
-            </a:r>
-            <a:r>
-              <a:rPr dirty="0" err="1"/>
-              <a:t>sidens</a:t>
-            </a:r>
-            <a:r>
-              <a:rPr dirty="0"/>
-              <a:t> </a:t>
-            </a:r>
-            <a:r>
-              <a:rPr dirty="0" err="1"/>
-              <a:t>vægt</a:t>
-            </a:r>
-            <a:r>
-              <a:rPr dirty="0"/>
-              <a:t> </a:t>
-            </a:r>
-            <a:r>
-              <a:rPr dirty="0" err="1"/>
-              <a:t>og</a:t>
-            </a:r>
-            <a:r>
-              <a:rPr dirty="0"/>
-              <a:t> </a:t>
-            </a:r>
-            <a:r>
-              <a:rPr dirty="0" err="1">
-                <a:solidFill>
-                  <a:srgbClr val="FF0000"/>
-                </a:solidFill>
-              </a:rPr>
-              <a:t>ressource</a:t>
-            </a:r>
-            <a:r>
-              <a:rPr lang="da-DK" dirty="0">
-                <a:solidFill>
-                  <a:srgbClr val="FF0000"/>
-                </a:solidFill>
-              </a:rPr>
-              <a:t> </a:t>
-            </a:r>
-            <a:r>
-              <a:rPr dirty="0" err="1"/>
-              <a:t>forbrug</a:t>
-            </a:r>
-            <a:r>
-              <a:rPr dirty="0"/>
-              <a:t>.</a:t>
-            </a:r>
-          </a:p>
-          <a:p>
-            <a:r>
-              <a:rPr dirty="0" err="1"/>
-              <a:t>Optimer</a:t>
-            </a:r>
-            <a:r>
-              <a:rPr dirty="0"/>
-              <a:t> </a:t>
-            </a:r>
-            <a:r>
-              <a:rPr dirty="0" err="1"/>
-              <a:t>billeder</a:t>
-            </a:r>
-            <a:r>
-              <a:rPr dirty="0"/>
-              <a:t>, </a:t>
-            </a:r>
-            <a:r>
-              <a:rPr dirty="0" err="1"/>
-              <a:t>skrifttyper</a:t>
-            </a:r>
-            <a:r>
-              <a:rPr dirty="0"/>
-              <a:t> </a:t>
-            </a:r>
-            <a:r>
-              <a:rPr dirty="0" err="1"/>
-              <a:t>og</a:t>
-            </a:r>
-            <a:r>
-              <a:rPr dirty="0"/>
-              <a:t> </a:t>
-            </a:r>
-            <a:r>
-              <a:rPr dirty="0" err="1"/>
-              <a:t>videoer</a:t>
-            </a:r>
-            <a:r>
-              <a:rPr dirty="0"/>
-              <a:t>.</a:t>
-            </a:r>
-          </a:p>
-          <a:p>
-            <a:r>
-              <a:rPr dirty="0"/>
-              <a:t>Brug </a:t>
-            </a:r>
-            <a:r>
-              <a:rPr dirty="0" err="1"/>
-              <a:t>mørkere</a:t>
-            </a:r>
-            <a:r>
-              <a:rPr dirty="0"/>
-              <a:t> </a:t>
-            </a:r>
-            <a:r>
-              <a:rPr dirty="0" err="1"/>
-              <a:t>farver</a:t>
-            </a:r>
-            <a:r>
-              <a:rPr dirty="0"/>
-              <a:t> </a:t>
-            </a:r>
-            <a:r>
-              <a:rPr dirty="0" err="1"/>
-              <a:t>og</a:t>
-            </a:r>
-            <a:r>
-              <a:rPr dirty="0"/>
-              <a:t> </a:t>
-            </a:r>
-            <a:r>
-              <a:rPr dirty="0" err="1"/>
-              <a:t>systemskrifttyper</a:t>
-            </a:r>
-            <a:r>
-              <a:rPr dirty="0"/>
-              <a:t>.</a:t>
-            </a:r>
-          </a:p>
-          <a:p>
-            <a:r>
-              <a:rPr dirty="0" err="1"/>
-              <a:t>Skriv</a:t>
-            </a:r>
-            <a:r>
-              <a:rPr dirty="0"/>
-              <a:t> </a:t>
-            </a:r>
-            <a:r>
-              <a:rPr dirty="0" err="1"/>
-              <a:t>genanvendelig</a:t>
-            </a:r>
-            <a:r>
-              <a:rPr dirty="0"/>
-              <a:t> </a:t>
-            </a:r>
-            <a:r>
-              <a:rPr dirty="0" err="1"/>
-              <a:t>kode</a:t>
-            </a:r>
-            <a:r>
-              <a:rPr dirty="0"/>
-              <a:t>.</a:t>
-            </a:r>
-          </a:p>
-          <a:p>
-            <a:r>
-              <a:rPr dirty="0" err="1"/>
-              <a:t>Komprimer</a:t>
-            </a:r>
-            <a:r>
-              <a:rPr dirty="0"/>
-              <a:t> </a:t>
-            </a:r>
-            <a:r>
-              <a:rPr dirty="0" err="1"/>
-              <a:t>mediefiler</a:t>
-            </a:r>
-            <a:r>
-              <a:rPr dirty="0"/>
-              <a:t>.</a:t>
-            </a:r>
-          </a:p>
-          <a:p>
-            <a:r>
-              <a:rPr dirty="0" err="1"/>
-              <a:t>Prioriter</a:t>
-            </a:r>
-            <a:r>
-              <a:rPr dirty="0"/>
-              <a:t> </a:t>
-            </a:r>
-            <a:r>
-              <a:rPr dirty="0" err="1"/>
-              <a:t>effektiv</a:t>
-            </a:r>
-            <a:r>
-              <a:rPr dirty="0"/>
-              <a:t> </a:t>
-            </a:r>
-            <a:r>
-              <a:rPr dirty="0" err="1"/>
-              <a:t>kodning</a:t>
-            </a:r>
-            <a:r>
-              <a:rPr dirty="0"/>
-              <a:t>.</a:t>
-            </a:r>
-          </a:p>
-        </p:txBody>
-      </p:sp>
     </p:spTree>
+    <p:extLst>
+      <p:ext uri="{BB962C8B-B14F-4D97-AF65-F5344CB8AC3E}">
+        <p14:creationId xmlns:p14="http://schemas.microsoft.com/office/powerpoint/2010/main" val="3728464535"/>
+      </p:ext>
+    </p:extLst>
   </p:cSld>
   <p:clrMapOvr>
     <a:masterClrMapping/>
@@ -7062,14 +7195,16 @@
         </p:nvSpPr>
         <p:spPr/>
         <p:txBody>
-          <a:bodyPr/>
+          <a:bodyPr>
+            <a:normAutofit fontScale="90000"/>
+          </a:bodyPr>
           <a:lstStyle/>
           <a:p>
             <a:r>
               <a:rPr dirty="0" err="1">
                 <a:latin typeface="Raleway" pitchFamily="2" charset="77"/>
               </a:rPr>
-              <a:t>Optimering</a:t>
+              <a:t>Implementering</a:t>
             </a:r>
             <a:r>
               <a:rPr dirty="0">
@@ -7093,19 +7228,31 @@
               <a:rPr dirty="0" err="1">
                 <a:latin typeface="Raleway" pitchFamily="2" charset="77"/>
               </a:rPr>
-              <a:t>billeder</a:t>
+              <a:t>bæredygtige</a:t>
             </a:r>
             <a:r>
               <a:rPr dirty="0">
                 <a:latin typeface="Raleway" pitchFamily="2" charset="77"/>
               </a:rPr>
-              <a:t> for </a:t>
+              <a:t> web</a:t>
+            </a:r>
+            <a:r>
+              <a:rPr lang="da-DK" dirty="0">
+                <a:latin typeface="Raleway" pitchFamily="2" charset="77"/>
+              </a:rPr>
+              <a:t> </a:t>
             </a:r>
             <a:r>
               <a:rPr dirty="0" err="1">
                 <a:latin typeface="Raleway" pitchFamily="2" charset="77"/>
               </a:rPr>
-              <a:t>bæredygtighed</a:t>
+              <a:t>praksis</a:t>
+            </a:r>
+            <a:r>
+              <a:rPr lang="da-DK" dirty="0">
+                <a:latin typeface="Raleway" pitchFamily="2" charset="77"/>
+              </a:rPr>
+              <a:t> </a:t>
             </a:r>
             <a:endParaRPr dirty="0">
               <a:latin typeface="Raleway" pitchFamily="2" charset="77"/>
@@ -7128,27 +7275,228 @@
           <a:bodyPr/>
           <a:lstStyle/>
           <a:p>
-            <a:pPr marL="0" indent="0">
-              <a:buNone/>
-            </a:pPr>
-            <a:r>
-              <a:rPr lang="en-GB" dirty="0"/>
-              <a:t>AVIF and </a:t>
-            </a:r>
-            <a:r>
-              <a:rPr lang="en-GB" dirty="0" err="1"/>
-              <a:t>WebP</a:t>
-            </a:r>
-            <a:r>
-              <a:rPr lang="en-GB" dirty="0"/>
-              <a:t> offer better compression than JPEG/PNG.</a:t>
-            </a:r>
-          </a:p>
-          <a:p>
-            <a:pPr marL="0" indent="0">
-              <a:buNone/>
-            </a:pPr>
-            <a:endParaRPr dirty="0"/>
+            <a:r>
+              <a:rPr dirty="0" err="1"/>
+              <a:t>Fokus</a:t>
+            </a:r>
+            <a:r>
+              <a:rPr dirty="0"/>
+              <a:t> </a:t>
+            </a:r>
+            <a:r>
+              <a:rPr dirty="0" err="1"/>
+              <a:t>på</a:t>
+            </a:r>
+            <a:r>
+              <a:rPr dirty="0"/>
+              <a:t> at </a:t>
+            </a:r>
+            <a:r>
+              <a:rPr dirty="0" err="1"/>
+              <a:t>reducere</a:t>
+            </a:r>
+            <a:r>
+              <a:rPr dirty="0"/>
+              <a:t> </a:t>
+            </a:r>
+            <a:r>
+              <a:rPr dirty="0" err="1"/>
+              <a:t>sidens</a:t>
+            </a:r>
+            <a:r>
+              <a:rPr dirty="0"/>
+              <a:t> </a:t>
+            </a:r>
+            <a:r>
+              <a:rPr dirty="0" err="1"/>
+              <a:t>vægt</a:t>
+            </a:r>
+            <a:r>
+              <a:rPr dirty="0"/>
+              <a:t> </a:t>
+            </a:r>
+            <a:r>
+              <a:rPr dirty="0" err="1"/>
+              <a:t>og</a:t>
+            </a:r>
+            <a:r>
+              <a:rPr dirty="0"/>
+              <a:t> </a:t>
+            </a:r>
+            <a:r>
+              <a:rPr dirty="0" err="1">
+                <a:solidFill>
+                  <a:srgbClr val="FF0000"/>
+                </a:solidFill>
+              </a:rPr>
+              <a:t>ressource</a:t>
+            </a:r>
+            <a:r>
+              <a:rPr lang="da-DK" dirty="0">
+                <a:solidFill>
+                  <a:srgbClr val="FF0000"/>
+                </a:solidFill>
+              </a:rPr>
+              <a:t> </a:t>
+            </a:r>
+            <a:r>
+              <a:rPr dirty="0" err="1"/>
+              <a:t>forbrug</a:t>
+            </a:r>
+            <a:r>
+              <a:rPr dirty="0"/>
+              <a:t>.</a:t>
+            </a:r>
+          </a:p>
+          <a:p>
+            <a:r>
+              <a:rPr dirty="0" err="1"/>
+              <a:t>Optimer</a:t>
+            </a:r>
+            <a:r>
+              <a:rPr dirty="0"/>
+              <a:t> </a:t>
+            </a:r>
+            <a:r>
+              <a:rPr dirty="0" err="1"/>
+              <a:t>billeder</a:t>
+            </a:r>
+            <a:r>
+              <a:rPr dirty="0"/>
+              <a:t>, </a:t>
+            </a:r>
+            <a:r>
+              <a:rPr dirty="0" err="1"/>
+              <a:t>skrifttyper</a:t>
+            </a:r>
+            <a:r>
+              <a:rPr dirty="0"/>
+              <a:t> </a:t>
+            </a:r>
+            <a:r>
+              <a:rPr dirty="0" err="1"/>
+              <a:t>og</a:t>
+            </a:r>
+            <a:r>
+              <a:rPr dirty="0"/>
+              <a:t> </a:t>
+            </a:r>
+            <a:r>
+              <a:rPr dirty="0" err="1"/>
+              <a:t>videoer</a:t>
+            </a:r>
+            <a:r>
+              <a:rPr dirty="0"/>
+              <a:t>.</a:t>
+            </a:r>
+          </a:p>
+          <a:p>
+            <a:r>
+              <a:rPr dirty="0"/>
+              <a:t>Brug </a:t>
+            </a:r>
+            <a:r>
+              <a:rPr dirty="0" err="1"/>
+              <a:t>mørkere</a:t>
+            </a:r>
+            <a:r>
+              <a:rPr dirty="0"/>
+              <a:t> </a:t>
+            </a:r>
+            <a:r>
+              <a:rPr dirty="0" err="1"/>
+              <a:t>farver</a:t>
+            </a:r>
+            <a:r>
+              <a:rPr dirty="0"/>
+              <a:t> </a:t>
+            </a:r>
+            <a:r>
+              <a:rPr dirty="0" err="1"/>
+              <a:t>og</a:t>
+            </a:r>
+            <a:r>
+              <a:rPr dirty="0"/>
+              <a:t> </a:t>
+            </a:r>
+            <a:r>
+              <a:rPr dirty="0" err="1"/>
+              <a:t>systemskrifttyper</a:t>
+            </a:r>
+            <a:r>
+              <a:rPr dirty="0"/>
+              <a:t>.</a:t>
+            </a:r>
+          </a:p>
+          <a:p>
+            <a:r>
+              <a:rPr dirty="0" err="1"/>
+              <a:t>Skriv</a:t>
+            </a:r>
+            <a:r>
+              <a:rPr dirty="0"/>
+              <a:t> </a:t>
+            </a:r>
+            <a:r>
+              <a:rPr dirty="0" err="1"/>
+              <a:t>genanvendelig</a:t>
+            </a:r>
+            <a:r>
+              <a:rPr dirty="0"/>
+              <a:t> </a:t>
+            </a:r>
+            <a:r>
+              <a:rPr dirty="0" err="1"/>
+              <a:t>kode</a:t>
+            </a:r>
+            <a:r>
+              <a:rPr dirty="0"/>
+              <a:t>.</a:t>
+            </a:r>
+          </a:p>
+          <a:p>
+            <a:r>
+              <a:rPr dirty="0" err="1"/>
+              <a:t>Komprimer</a:t>
+            </a:r>
+            <a:r>
+              <a:rPr dirty="0"/>
+              <a:t> </a:t>
+            </a:r>
+            <a:r>
+              <a:rPr dirty="0" err="1"/>
+              <a:t>mediefiler</a:t>
+            </a:r>
+            <a:r>
+              <a:rPr dirty="0"/>
+              <a:t>.</a:t>
+            </a:r>
+          </a:p>
+          <a:p>
+            <a:r>
+              <a:rPr dirty="0" err="1"/>
+              <a:t>Prioriter</a:t>
+            </a:r>
+            <a:r>
+              <a:rPr dirty="0"/>
+              <a:t> </a:t>
+            </a:r>
+            <a:r>
+              <a:rPr dirty="0" err="1"/>
+              <a:t>effektiv</a:t>
+            </a:r>
+            <a:r>
+              <a:rPr dirty="0"/>
+              <a:t> </a:t>
+            </a:r>
+            <a:r>
+              <a:rPr dirty="0" err="1"/>
+              <a:t>kodning</a:t>
+            </a:r>
+            <a:r>
+              <a:rPr dirty="0"/>
+              <a:t>.</a:t>
+            </a:r>
           </a:p>
         </p:txBody>
       </p:sp>
@@ -7214,7 +7562,19 @@
               <a:rPr dirty="0">
                 <a:latin typeface="Raleway" pitchFamily="2" charset="77"/>
               </a:rPr>
-              <a:t> video for </a:t>
+              <a:t> </a:t>
+            </a:r>
+            <a:r>
+              <a:rPr dirty="0" err="1">
+                <a:latin typeface="Raleway" pitchFamily="2" charset="77"/>
+              </a:rPr>
+              <a:t>billeder</a:t>
+            </a:r>
+            <a:r>
+              <a:rPr dirty="0">
+                <a:latin typeface="Raleway" pitchFamily="2" charset="77"/>
+              </a:rPr>
+              <a:t> for </a:t>
             </a:r>
             <a:r>
               <a:rPr dirty="0" err="1">
@@ -7248,32 +7608,22 @@
             </a:pPr>
             <a:r>
               <a:rPr lang="en-GB" dirty="0"/>
-              <a:t>Reduce Video Length and Resolution:</a:t>
-            </a:r>
-          </a:p>
-          <a:p>
-            <a:pPr marL="0" lvl="1" indent="0">
-              <a:buNone/>
-            </a:pPr>
-            <a:r>
-              <a:rPr lang="en-GB" sz="3200" dirty="0"/>
-              <a:t>Trim unnecessary parts of the video.</a:t>
-            </a:r>
-          </a:p>
-          <a:p>
-            <a:pPr marL="0" lvl="1" indent="0">
-              <a:buNone/>
-            </a:pPr>
-            <a:r>
-              <a:rPr lang="en-GB" sz="3200" dirty="0"/>
-              <a:t>Offer lower resolution options for users with lower bandwidth.</a:t>
+              <a:t>AVIF and </a:t>
+            </a:r>
+            <a:r>
+              <a:rPr lang="en-GB" dirty="0" err="1"/>
+              <a:t>WebP</a:t>
+            </a:r>
+            <a:r>
+              <a:rPr lang="en-GB" dirty="0"/>
+              <a:t> offer better compression than JPEG/PNG.</a:t>
             </a:r>
           </a:p>
           <a:p>
             <a:pPr marL="0" indent="0">
               <a:buNone/>
             </a:pPr>
-            <a:endParaRPr lang="en-GB" dirty="0"/>
+            <a:endParaRPr dirty="0"/>
           </a:p>
         </p:txBody>
       </p:sp>
@@ -7359,8 +7709,12 @@
           <a:lstStyle/>
           <a:p>
             <a:r>
+              <a:rPr lang="en-GB" dirty="0"/>
+              <a:t>I giver </a:t>
+            </a:r>
+            <a:r>
               <a:rPr lang="en-GB" dirty="0" err="1"/>
-              <a:t>Hver</a:t>
+              <a:t>nogle</a:t>
             </a:r>
             <a:r>
               <a:rPr lang="en-GB" dirty="0"/>
@@ -7368,7 +7722,7 @@
             </a:r>
             <a:r>
               <a:rPr lang="en-GB" dirty="0" err="1"/>
-              <a:t>gruppe</a:t>
+              <a:t>kommentarer</a:t>
             </a:r>
             <a:r>
               <a:rPr lang="en-GB" dirty="0"/>
@@ -7376,15 +7730,15 @@
             </a:r>
             <a:r>
               <a:rPr lang="en-GB" dirty="0" err="1"/>
-              <a:t>fremlægger</a:t>
-            </a:r>
-            <a:r>
-              <a:rPr lang="en-GB" dirty="0"/>
-              <a:t> </a:t>
+              <a:t>til</a:t>
+            </a:r>
+            <a:r>
+              <a:rPr lang="en-GB" dirty="0"/>
+              <a:t> at </a:t>
             </a:r>
             <a:r>
               <a:rPr lang="en-GB" dirty="0" err="1"/>
-              <a:t>deres</a:t>
+              <a:t>lære</a:t>
             </a:r>
             <a:r>
               <a:rPr lang="en-GB" dirty="0"/>
@@ -7392,7 +7746,7 @@
             </a:r>
             <a:r>
               <a:rPr lang="en-GB" dirty="0" err="1"/>
-              <a:t>vigtigste</a:t>
+              <a:t>af</a:t>
             </a:r>
             <a:r>
               <a:rPr lang="en-GB" dirty="0"/>
@@ -7400,7 +7754,7 @@
             </a:r>
             <a:r>
               <a:rPr lang="en-GB" dirty="0" err="1"/>
-              <a:t>konklusioner</a:t>
+              <a:t>bogen</a:t>
             </a:r>
             <a:r>
               <a:rPr lang="en-GB" dirty="0"/>
@@ -7416,98 +7770,23 @@
             </a:r>
             <a:r>
               <a:rPr lang="en-GB" dirty="0" err="1"/>
-              <a:t>oplæg</a:t>
-            </a:r>
-            <a:r>
-              <a:rPr lang="en-GB" dirty="0"/>
-              <a:t>  </a:t>
-            </a:r>
-          </a:p>
-          <a:p>
-            <a:r>
-              <a:rPr lang="en-GB" dirty="0"/>
-              <a:t> </a:t>
+              <a:t>bogen</a:t>
+            </a:r>
+            <a:r>
+              <a:rPr lang="en-GB" dirty="0"/>
+              <a:t> ‘</a:t>
             </a:r>
             <a:r>
               <a:rPr lang="en-GB" dirty="0" err="1"/>
-              <a:t>Refleksion</a:t>
-            </a:r>
-            <a:r>
-              <a:rPr lang="en-GB" dirty="0"/>
-              <a:t>: </a:t>
-            </a:r>
-            <a:r>
-              <a:rPr lang="en-GB" dirty="0" err="1"/>
-              <a:t>Hvordan</a:t>
-            </a:r>
-            <a:r>
-              <a:rPr lang="en-GB" dirty="0"/>
-              <a:t> </a:t>
-            </a:r>
-            <a:r>
-              <a:rPr lang="en-GB" dirty="0" err="1"/>
-              <a:t>kan</a:t>
-            </a:r>
-            <a:r>
-              <a:rPr lang="en-GB" dirty="0"/>
-              <a:t> </a:t>
-            </a:r>
-            <a:r>
-              <a:rPr lang="en-GB" dirty="0" err="1"/>
-              <a:t>bæredygtighed</a:t>
-            </a:r>
-            <a:r>
-              <a:rPr lang="en-GB" dirty="0"/>
-              <a:t> </a:t>
-            </a:r>
-            <a:r>
-              <a:rPr lang="en-GB" dirty="0" err="1"/>
-              <a:t>integreres</a:t>
-            </a:r>
-            <a:r>
-              <a:rPr lang="en-GB" dirty="0"/>
-              <a:t> </a:t>
-            </a:r>
-            <a:r>
-              <a:rPr lang="en-GB" dirty="0" err="1"/>
-              <a:t>i</a:t>
-            </a:r>
-            <a:r>
-              <a:rPr lang="en-GB" dirty="0"/>
-              <a:t> </a:t>
-            </a:r>
-            <a:r>
-              <a:rPr lang="en-GB" dirty="0" err="1"/>
-              <a:t>undervisningen</a:t>
-            </a:r>
-            <a:r>
-              <a:rPr lang="en-GB" dirty="0"/>
-              <a:t> </a:t>
-            </a:r>
-            <a:r>
-              <a:rPr lang="en-GB" dirty="0" err="1"/>
-              <a:t>og</a:t>
-            </a:r>
-            <a:r>
-              <a:rPr lang="en-GB" dirty="0"/>
-              <a:t> </a:t>
-            </a:r>
-            <a:r>
-              <a:rPr lang="en-GB" dirty="0" err="1"/>
-              <a:t>fremtidige</a:t>
-            </a:r>
-            <a:r>
-              <a:rPr lang="en-GB" dirty="0"/>
-              <a:t> </a:t>
-            </a:r>
-            <a:r>
-              <a:rPr lang="en-GB" dirty="0" err="1"/>
-              <a:t>projekter</a:t>
-            </a:r>
-            <a:r>
-              <a:rPr lang="en-GB" dirty="0"/>
-              <a:t>?</a:t>
-            </a:r>
+              <a:t>Sustainale</a:t>
+            </a:r>
+            <a:r>
+              <a:rPr lang="en-GB" dirty="0"/>
+              <a:t> web design’</a:t>
+            </a:r>
+          </a:p>
+          <a:p>
+            <a:endParaRPr lang="en-GB" dirty="0"/>
           </a:p>
           <a:p>
             <a:pPr marL="0" indent="0">
@@ -7559,9 +7838,7 @@
         </p:nvSpPr>
         <p:spPr/>
         <p:txBody>
-          <a:bodyPr>
-            <a:normAutofit fontScale="90000"/>
-          </a:bodyPr>
+          <a:bodyPr/>
           <a:lstStyle/>
           <a:p>
             <a:r>
@@ -7586,19 +7863,7 @@
               <a:rPr dirty="0">
                 <a:latin typeface="Raleway" pitchFamily="2" charset="77"/>
               </a:rPr>
-              <a:t> </a:t>
-            </a:r>
-            <a:r>
-              <a:rPr dirty="0" err="1">
-                <a:latin typeface="Raleway" pitchFamily="2" charset="77"/>
-              </a:rPr>
-              <a:t>skrifttyper</a:t>
-            </a:r>
-            <a:r>
-              <a:rPr dirty="0">
-                <a:latin typeface="Raleway" pitchFamily="2" charset="77"/>
-              </a:rPr>
-              <a:t> for </a:t>
+              <a:t> video for </a:t>
             </a:r>
             <a:r>
               <a:rPr dirty="0" err="1">
@@ -7627,142 +7892,37 @@
           <a:bodyPr/>
           <a:lstStyle/>
           <a:p>
-            <a:r>
-              <a:rPr dirty="0"/>
-              <a:t> </a:t>
-            </a:r>
-            <a:r>
-              <a:rPr dirty="0" err="1"/>
-              <a:t>Eksterne</a:t>
-            </a:r>
-            <a:r>
-              <a:rPr dirty="0"/>
-              <a:t> </a:t>
-            </a:r>
-            <a:r>
-              <a:rPr dirty="0" err="1"/>
-              <a:t>skrifttyper</a:t>
-            </a:r>
-            <a:r>
-              <a:rPr dirty="0"/>
-              <a:t> </a:t>
-            </a:r>
-            <a:r>
-              <a:rPr dirty="0" err="1"/>
-              <a:t>kan</a:t>
-            </a:r>
-            <a:r>
-              <a:rPr dirty="0"/>
-              <a:t> </a:t>
-            </a:r>
-            <a:r>
-              <a:rPr dirty="0" err="1"/>
-              <a:t>øge</a:t>
-            </a:r>
-            <a:r>
-              <a:rPr dirty="0"/>
-              <a:t> </a:t>
-            </a:r>
-            <a:r>
-              <a:rPr dirty="0" err="1"/>
-              <a:t>sidens</a:t>
-            </a:r>
-            <a:r>
-              <a:rPr dirty="0"/>
-              <a:t> </a:t>
-            </a:r>
-            <a:r>
-              <a:rPr dirty="0" err="1"/>
-              <a:t>vægt</a:t>
-            </a:r>
-            <a:r>
-              <a:rPr dirty="0"/>
-              <a:t> </a:t>
-            </a:r>
-            <a:r>
-              <a:rPr dirty="0" err="1"/>
-              <a:t>og</a:t>
-            </a:r>
-            <a:r>
-              <a:rPr dirty="0"/>
-              <a:t> </a:t>
-            </a:r>
-            <a:r>
-              <a:rPr dirty="0" err="1"/>
-              <a:t>energiforbrug</a:t>
-            </a:r>
-            <a:r>
-              <a:rPr dirty="0"/>
-              <a:t>.</a:t>
-            </a:r>
-          </a:p>
-          <a:p>
-            <a:r>
-              <a:rPr dirty="0"/>
-              <a:t> Brug </a:t>
-            </a:r>
-            <a:r>
-              <a:rPr dirty="0" err="1"/>
-              <a:t>systemskrifttyper</a:t>
-            </a:r>
-            <a:r>
-              <a:rPr dirty="0"/>
-              <a:t>, </a:t>
-            </a:r>
-            <a:r>
-              <a:rPr dirty="0" err="1"/>
-              <a:t>hvor</a:t>
-            </a:r>
-            <a:r>
-              <a:rPr dirty="0"/>
-              <a:t> det er </a:t>
-            </a:r>
-            <a:r>
-              <a:rPr dirty="0" err="1"/>
-              <a:t>muligt</a:t>
-            </a:r>
-            <a:r>
-              <a:rPr dirty="0"/>
-              <a:t>.</a:t>
-            </a:r>
-          </a:p>
-          <a:p>
-            <a:r>
-              <a:rPr lang="da-DK" dirty="0"/>
-              <a:t> </a:t>
-            </a:r>
-            <a:r>
-              <a:rPr dirty="0" err="1"/>
-              <a:t>Delmængde</a:t>
-            </a:r>
-            <a:r>
-              <a:rPr dirty="0"/>
-              <a:t> </a:t>
-            </a:r>
-            <a:r>
-              <a:rPr dirty="0" err="1"/>
-              <a:t>skrifttyper</a:t>
-            </a:r>
-            <a:r>
-              <a:rPr dirty="0"/>
-              <a:t> for at </a:t>
-            </a:r>
-            <a:r>
-              <a:rPr dirty="0" err="1"/>
-              <a:t>reducere</a:t>
-            </a:r>
-            <a:r>
-              <a:rPr dirty="0"/>
-              <a:t> </a:t>
-            </a:r>
-            <a:r>
-              <a:rPr dirty="0" err="1"/>
-              <a:t>filstørrelsen</a:t>
-            </a:r>
-            <a:r>
-              <a:rPr dirty="0"/>
-              <a:t>.</a:t>
-            </a:r>
+            <a:pPr marL="0" indent="0">
+              <a:buNone/>
+            </a:pPr>
+            <a:r>
+              <a:rPr lang="en-GB" dirty="0"/>
+              <a:t>Reduce Video Length and Resolution:</a:t>
+            </a:r>
+          </a:p>
+          <a:p>
+            <a:pPr marL="0" lvl="1" indent="0">
+              <a:buNone/>
+            </a:pPr>
+            <a:r>
+              <a:rPr lang="en-GB" sz="3200" dirty="0"/>
+              <a:t>Trim unnecessary parts of the video.</a:t>
+            </a:r>
+          </a:p>
+          <a:p>
+            <a:pPr marL="0" lvl="1" indent="0">
+              <a:buNone/>
+            </a:pPr>
+            <a:r>
+              <a:rPr lang="en-GB" sz="3200" dirty="0"/>
+              <a:t>Offer lower resolution options for users with lower bandwidth.</a:t>
+            </a:r>
+          </a:p>
+          <a:p>
+            <a:pPr marL="0" indent="0">
+              <a:buNone/>
+            </a:pPr>
+            <a:endParaRPr lang="en-GB" dirty="0"/>
           </a:p>
         </p:txBody>
       </p:sp>
@@ -7803,14 +7963,16 @@
         </p:nvSpPr>
         <p:spPr/>
         <p:txBody>
-          <a:bodyPr/>
+          <a:bodyPr>
+            <a:normAutofit fontScale="90000"/>
+          </a:bodyPr>
           <a:lstStyle/>
           <a:p>
             <a:r>
               <a:rPr dirty="0" err="1">
                 <a:latin typeface="Raleway" pitchFamily="2" charset="77"/>
               </a:rPr>
-              <a:t>Fordelene</a:t>
+              <a:t>Optimering</a:t>
             </a:r>
             <a:r>
               <a:rPr dirty="0">
@@ -7822,7 +7984,7 @@
               <a:rPr dirty="0" err="1">
                 <a:latin typeface="Raleway" pitchFamily="2" charset="77"/>
               </a:rPr>
-              <a:t>ved</a:t>
+              <a:t>af</a:t>
             </a:r>
             <a:r>
               <a:rPr dirty="0">
@@ -7831,22 +7993,22 @@
               <a:t> </a:t>
             </a:r>
             <a:r>
-              <a:rPr lang="da-DK" dirty="0">
-                <a:latin typeface="Raleway" pitchFamily="2" charset="77"/>
-              </a:rPr>
-              <a:t>'Dark </a:t>
-            </a:r>
-            <a:r>
-              <a:rPr lang="da-DK" dirty="0" err="1">
-                <a:latin typeface="Raleway" pitchFamily="2" charset="77"/>
-              </a:rPr>
-              <a:t>Theme</a:t>
-            </a:r>
-            <a:r>
-              <a:rPr lang="da-DK" dirty="0">
-                <a:latin typeface="Raleway" pitchFamily="2" charset="77"/>
-              </a:rPr>
-              <a:t>’</a:t>
+              <a:rPr dirty="0" err="1">
+                <a:latin typeface="Raleway" pitchFamily="2" charset="77"/>
+              </a:rPr>
+              <a:t>skrifttyper</a:t>
+            </a:r>
+            <a:r>
+              <a:rPr dirty="0">
+                <a:latin typeface="Raleway" pitchFamily="2" charset="77"/>
+              </a:rPr>
+              <a:t> for </a:t>
+            </a:r>
+            <a:r>
+              <a:rPr dirty="0" err="1">
+                <a:latin typeface="Raleway" pitchFamily="2" charset="77"/>
+              </a:rPr>
+              <a:t>bæredygtighed</a:t>
             </a:r>
             <a:endParaRPr dirty="0">
               <a:latin typeface="Raleway" pitchFamily="2" charset="77"/>
@@ -7870,8 +8032,12 @@
           <a:lstStyle/>
           <a:p>
             <a:r>
+              <a:rPr dirty="0"/>
+              <a:t> </a:t>
+            </a:r>
+            <a:r>
               <a:rPr dirty="0" err="1"/>
-              <a:t>Mørk</a:t>
+              <a:t>Eksterne</a:t>
             </a:r>
             <a:r>
               <a:rPr dirty="0"/>
@@ -7879,92 +8045,7 @@
             </a:r>
             <a:r>
               <a:rPr dirty="0" err="1"/>
-              <a:t>tilstand</a:t>
-            </a:r>
-            <a:r>
-              <a:rPr dirty="0"/>
-              <a:t> </a:t>
-            </a:r>
-            <a:r>
-              <a:rPr dirty="0" err="1"/>
-              <a:t>reducerer</a:t>
-            </a:r>
-            <a:r>
-              <a:rPr dirty="0"/>
-              <a:t> </a:t>
-            </a:r>
-            <a:r>
-              <a:rPr dirty="0" err="1"/>
-              <a:t>energiforbruget</a:t>
-            </a:r>
-            <a:r>
-              <a:rPr dirty="0"/>
-              <a:t> </a:t>
-            </a:r>
-            <a:endParaRPr lang="da-DK" dirty="0"/>
-          </a:p>
-          <a:p>
-            <a:r>
-              <a:rPr dirty="0"/>
-              <a:t>Sort er den </a:t>
-            </a:r>
-            <a:r>
-              <a:rPr dirty="0" err="1"/>
-              <a:t>mest</a:t>
-            </a:r>
-            <a:r>
-              <a:rPr dirty="0"/>
-              <a:t> </a:t>
-            </a:r>
-            <a:r>
-              <a:rPr dirty="0" err="1"/>
-              <a:t>energieffektive</a:t>
-            </a:r>
-            <a:r>
-              <a:rPr dirty="0"/>
-              <a:t> </a:t>
-            </a:r>
-            <a:r>
-              <a:rPr dirty="0" err="1"/>
-              <a:t>farve</a:t>
-            </a:r>
-            <a:r>
-              <a:rPr dirty="0"/>
-              <a:t> </a:t>
-            </a:r>
-            <a:r>
-              <a:rPr dirty="0" err="1"/>
-              <a:t>på</a:t>
-            </a:r>
-            <a:r>
-              <a:rPr dirty="0"/>
-              <a:t> </a:t>
-            </a:r>
-            <a:r>
-              <a:rPr lang="da-DK" dirty="0"/>
-              <a:t>digital </a:t>
-            </a:r>
-            <a:r>
-              <a:rPr dirty="0" err="1"/>
-              <a:t>skærme</a:t>
-            </a:r>
-            <a:r>
-              <a:rPr dirty="0"/>
-              <a:t>.</a:t>
-            </a:r>
-          </a:p>
-          <a:p>
-            <a:r>
-              <a:rPr dirty="0" err="1"/>
-              <a:t>Mørk</a:t>
-            </a:r>
-            <a:r>
-              <a:rPr dirty="0"/>
-              <a:t> </a:t>
-            </a:r>
-            <a:r>
-              <a:rPr dirty="0" err="1"/>
-              <a:t>tilstand</a:t>
+              <a:t>skrifttyper</a:t>
             </a:r>
             <a:r>
               <a:rPr dirty="0"/>
@@ -7980,7 +8061,7 @@
             </a:r>
             <a:r>
               <a:rPr dirty="0" err="1"/>
-              <a:t>nemt</a:t>
+              <a:t>øge</a:t>
             </a:r>
             <a:r>
               <a:rPr dirty="0"/>
@@ -7988,15 +8069,15 @@
             </a:r>
             <a:r>
               <a:rPr dirty="0" err="1"/>
-              <a:t>implementeres</a:t>
-            </a:r>
-            <a:r>
-              <a:rPr dirty="0"/>
-              <a:t> med </a:t>
+              <a:t>sidens</a:t>
+            </a:r>
+            <a:r>
+              <a:rPr dirty="0"/>
+              <a:t> </a:t>
             </a:r>
             <a:r>
               <a:rPr dirty="0" err="1"/>
-              <a:t>få</a:t>
+              <a:t>vægt</a:t>
             </a:r>
             <a:r>
               <a:rPr dirty="0"/>
@@ -8004,7 +8085,7 @@
             </a:r>
             <a:r>
               <a:rPr dirty="0" err="1"/>
-              <a:t>linjer</a:t>
+              <a:t>og</a:t>
             </a:r>
             <a:r>
               <a:rPr dirty="0"/>
@@ -8012,19 +8093,75 @@
             </a:r>
             <a:r>
               <a:rPr dirty="0" err="1"/>
-              <a:t>kode</a:t>
-            </a:r>
+              <a:t>energiforbrug</a:t>
+            </a:r>
+            <a:r>
+              <a:rPr dirty="0"/>
+              <a:t>.</a:t>
+            </a:r>
+          </a:p>
+          <a:p>
+            <a:r>
+              <a:rPr dirty="0"/>
+              <a:t> Brug </a:t>
+            </a:r>
+            <a:r>
+              <a:rPr dirty="0" err="1"/>
+              <a:t>systemskrifttyper</a:t>
+            </a:r>
+            <a:r>
+              <a:rPr dirty="0"/>
+              <a:t>, </a:t>
+            </a:r>
+            <a:r>
+              <a:rPr dirty="0" err="1"/>
+              <a:t>hvor</a:t>
+            </a:r>
+            <a:r>
+              <a:rPr dirty="0"/>
+              <a:t> det er </a:t>
+            </a:r>
+            <a:r>
+              <a:rPr dirty="0" err="1"/>
+              <a:t>muligt</a:t>
+            </a:r>
+            <a:r>
+              <a:rPr dirty="0"/>
+              <a:t>.</a:t>
+            </a:r>
+          </a:p>
+          <a:p>
             <a:r>
               <a:rPr lang="da-DK" dirty="0"/>
-              <a:t>(</a:t>
-            </a:r>
-            <a:r>
-              <a:rPr lang="da-DK" dirty="0" err="1"/>
-              <a:t>javascript</a:t>
-            </a:r>
-            <a:r>
-              <a:rPr lang="da-DK" dirty="0"/>
-              <a:t> eller CSS)</a:t>
+              <a:t> </a:t>
+            </a:r>
+            <a:r>
+              <a:rPr dirty="0" err="1"/>
+              <a:t>Delmængde</a:t>
+            </a:r>
+            <a:r>
+              <a:rPr dirty="0"/>
+              <a:t> </a:t>
+            </a:r>
+            <a:r>
+              <a:rPr dirty="0" err="1"/>
+              <a:t>skrifttyper</a:t>
+            </a:r>
+            <a:r>
+              <a:rPr dirty="0"/>
+              <a:t> for at </a:t>
+            </a:r>
+            <a:r>
+              <a:rPr dirty="0" err="1"/>
+              <a:t>reducere</a:t>
+            </a:r>
+            <a:r>
+              <a:rPr dirty="0"/>
+              <a:t> </a:t>
+            </a:r>
+            <a:r>
+              <a:rPr dirty="0" err="1"/>
+              <a:t>filstørrelsen</a:t>
             </a:r>
             <a:r>
               <a:rPr dirty="0"/>
@@ -8060,63 +8197,247 @@
       </p:grpSpPr>
       <p:sp>
         <p:nvSpPr>
-          <p:cNvPr id="4" name="Title 1">
-            <a:extLst>
-              <a:ext uri="{FF2B5EF4-FFF2-40B4-BE49-F238E27FC236}">
-                <a16:creationId xmlns:a16="http://schemas.microsoft.com/office/drawing/2014/main" id="{AC78C8FE-1AAE-67AF-993E-106BD986D423}"/>
-              </a:ext>
-            </a:extLst>
-          </p:cNvPr>
-          <p:cNvSpPr txBox="1">
-            <a:spLocks/>
-          </p:cNvSpPr>
-          <p:nvPr/>
-        </p:nvSpPr>
-        <p:spPr>
-          <a:xfrm>
-            <a:off x="609600" y="2146300"/>
-            <a:ext cx="10972800" cy="1143000"/>
-          </a:xfrm>
-          <a:prstGeom prst="rect">
-            <a:avLst/>
-          </a:prstGeom>
-        </p:spPr>
-        <p:txBody>
-          <a:bodyPr vert="horz" lIns="91440" tIns="45720" rIns="91440" bIns="45720" rtlCol="0" anchor="ctr">
-            <a:normAutofit/>
-          </a:bodyPr>
-          <a:lstStyle>
-            <a:lvl1pPr algn="ctr" defTabSz="457200" rtl="0" eaLnBrk="1" latinLnBrk="0" hangingPunct="1">
-              <a:spcBef>
-                <a:spcPct val="0"/>
-              </a:spcBef>
-              <a:buNone/>
-              <a:defRPr sz="4400" kern="1200">
-                <a:solidFill>
-                  <a:schemeClr val="tx1"/>
-                </a:solidFill>
-                <a:latin typeface="+mj-lt"/>
-                <a:ea typeface="+mj-ea"/>
-                <a:cs typeface="+mj-cs"/>
-              </a:defRPr>
-            </a:lvl1pPr>
-          </a:lstStyle>
-          <a:p>
-            <a:r>
-              <a:rPr lang="en-GB" dirty="0">
-                <a:latin typeface="Raleway" pitchFamily="2" charset="77"/>
-              </a:rPr>
-              <a:t> 'Dark Theme’ Demo</a:t>
+          <p:cNvPr id="2" name="Title 1"/>
+          <p:cNvSpPr>
+            <a:spLocks noGrp="1"/>
+          </p:cNvSpPr>
+          <p:nvPr>
+            <p:ph type="title"/>
+          </p:nvPr>
+        </p:nvSpPr>
+        <p:spPr/>
+        <p:txBody>
+          <a:bodyPr/>
+          <a:lstStyle/>
+          <a:p>
+            <a:r>
+              <a:rPr dirty="0" err="1">
+                <a:latin typeface="Raleway" pitchFamily="2" charset="77"/>
+              </a:rPr>
+              <a:t>Fordelene</a:t>
+            </a:r>
+            <a:r>
+              <a:rPr dirty="0">
+                <a:latin typeface="Raleway" pitchFamily="2" charset="77"/>
+              </a:rPr>
+              <a:t> </a:t>
+            </a:r>
+            <a:r>
+              <a:rPr dirty="0" err="1">
+                <a:latin typeface="Raleway" pitchFamily="2" charset="77"/>
+              </a:rPr>
+              <a:t>ved</a:t>
+            </a:r>
+            <a:r>
+              <a:rPr dirty="0">
+                <a:latin typeface="Raleway" pitchFamily="2" charset="77"/>
+              </a:rPr>
+              <a:t> </a:t>
+            </a:r>
+            <a:r>
+              <a:rPr lang="da-DK" dirty="0">
+                <a:latin typeface="Raleway" pitchFamily="2" charset="77"/>
+              </a:rPr>
+              <a:t>'Dark </a:t>
+            </a:r>
+            <a:r>
+              <a:rPr lang="da-DK" dirty="0" err="1">
+                <a:latin typeface="Raleway" pitchFamily="2" charset="77"/>
+              </a:rPr>
+              <a:t>Theme</a:t>
+            </a:r>
+            <a:r>
+              <a:rPr lang="da-DK" dirty="0">
+                <a:latin typeface="Raleway" pitchFamily="2" charset="77"/>
+              </a:rPr>
+              <a:t>’</a:t>
+            </a:r>
+            <a:endParaRPr dirty="0">
+              <a:latin typeface="Raleway" pitchFamily="2" charset="77"/>
+            </a:endParaRPr>
+          </a:p>
+        </p:txBody>
+      </p:sp>
+      <p:sp>
+        <p:nvSpPr>
+          <p:cNvPr id="3" name="Content Placeholder 2"/>
+          <p:cNvSpPr>
+            <a:spLocks noGrp="1"/>
+          </p:cNvSpPr>
+          <p:nvPr>
+            <p:ph idx="1"/>
+          </p:nvPr>
+        </p:nvSpPr>
+        <p:spPr/>
+        <p:txBody>
+          <a:bodyPr/>
+          <a:lstStyle/>
+          <a:p>
+            <a:r>
+              <a:rPr dirty="0" err="1"/>
+              <a:t>Mørk</a:t>
+            </a:r>
+            <a:r>
+              <a:rPr dirty="0"/>
+              <a:t> </a:t>
+            </a:r>
+            <a:r>
+              <a:rPr dirty="0" err="1"/>
+              <a:t>tilstand</a:t>
+            </a:r>
+            <a:r>
+              <a:rPr dirty="0"/>
+              <a:t> </a:t>
+            </a:r>
+            <a:r>
+              <a:rPr dirty="0" err="1"/>
+              <a:t>reducerer</a:t>
+            </a:r>
+            <a:r>
+              <a:rPr dirty="0"/>
+              <a:t> </a:t>
+            </a:r>
+            <a:r>
+              <a:rPr dirty="0" err="1"/>
+              <a:t>energiforbruget</a:t>
+            </a:r>
+            <a:r>
+              <a:rPr dirty="0"/>
+              <a:t> </a:t>
+            </a:r>
+            <a:endParaRPr lang="da-DK" dirty="0"/>
+          </a:p>
+          <a:p>
+            <a:r>
+              <a:rPr dirty="0"/>
+              <a:t>Sort er den </a:t>
+            </a:r>
+            <a:r>
+              <a:rPr dirty="0" err="1"/>
+              <a:t>mest</a:t>
+            </a:r>
+            <a:r>
+              <a:rPr dirty="0"/>
+              <a:t> </a:t>
+            </a:r>
+            <a:r>
+              <a:rPr dirty="0" err="1"/>
+              <a:t>energieffektive</a:t>
+            </a:r>
+            <a:r>
+              <a:rPr dirty="0"/>
+              <a:t> </a:t>
+            </a:r>
+            <a:r>
+              <a:rPr dirty="0" err="1"/>
+              <a:t>farve</a:t>
+            </a:r>
+            <a:r>
+              <a:rPr dirty="0"/>
+              <a:t> </a:t>
+            </a:r>
+            <a:r>
+              <a:rPr dirty="0" err="1"/>
+              <a:t>på</a:t>
+            </a:r>
+            <a:r>
+              <a:rPr dirty="0"/>
+              <a:t> </a:t>
+            </a:r>
+            <a:r>
+              <a:rPr lang="da-DK" dirty="0"/>
+              <a:t>digital </a:t>
+            </a:r>
+            <a:r>
+              <a:rPr dirty="0" err="1"/>
+              <a:t>skærme</a:t>
+            </a:r>
+            <a:r>
+              <a:rPr dirty="0"/>
+              <a:t>.</a:t>
+            </a:r>
+          </a:p>
+          <a:p>
+            <a:r>
+              <a:rPr dirty="0" err="1"/>
+              <a:t>Mørk</a:t>
+            </a:r>
+            <a:r>
+              <a:rPr dirty="0"/>
+              <a:t> </a:t>
+            </a:r>
+            <a:r>
+              <a:rPr dirty="0" err="1"/>
+              <a:t>tilstand</a:t>
+            </a:r>
+            <a:r>
+              <a:rPr dirty="0"/>
+              <a:t> </a:t>
+            </a:r>
+            <a:r>
+              <a:rPr dirty="0" err="1"/>
+              <a:t>kan</a:t>
+            </a:r>
+            <a:r>
+              <a:rPr dirty="0"/>
+              <a:t> </a:t>
+            </a:r>
+            <a:r>
+              <a:rPr dirty="0" err="1"/>
+              <a:t>nemt</a:t>
+            </a:r>
+            <a:r>
+              <a:rPr dirty="0"/>
+              <a:t> </a:t>
+            </a:r>
+            <a:r>
+              <a:rPr dirty="0" err="1"/>
+              <a:t>implementeres</a:t>
+            </a:r>
+            <a:r>
+              <a:rPr dirty="0"/>
+              <a:t> med </a:t>
+            </a:r>
+            <a:r>
+              <a:rPr dirty="0" err="1"/>
+              <a:t>få</a:t>
+            </a:r>
+            <a:r>
+              <a:rPr dirty="0"/>
+              <a:t> </a:t>
+            </a:r>
+            <a:r>
+              <a:rPr dirty="0" err="1"/>
+              <a:t>linjer</a:t>
+            </a:r>
+            <a:r>
+              <a:rPr dirty="0"/>
+              <a:t> </a:t>
+            </a:r>
+            <a:r>
+              <a:rPr dirty="0" err="1"/>
+              <a:t>kode</a:t>
+            </a:r>
+            <a:r>
+              <a:rPr lang="da-DK" dirty="0"/>
+              <a:t>(</a:t>
+            </a:r>
+            <a:r>
+              <a:rPr lang="da-DK" dirty="0" err="1"/>
+              <a:t>javascript</a:t>
+            </a:r>
+            <a:r>
+              <a:rPr lang="da-DK" dirty="0"/>
+              <a:t> eller CSS)</a:t>
+            </a:r>
+            <a:r>
+              <a:rPr dirty="0"/>
+              <a:t>.</a:t>
             </a:r>
           </a:p>
         </p:txBody>
       </p:sp>
     </p:spTree>
-    <p:extLst>
-      <p:ext uri="{BB962C8B-B14F-4D97-AF65-F5344CB8AC3E}">
-        <p14:creationId xmlns:p14="http://schemas.microsoft.com/office/powerpoint/2010/main" val="2960003179"/>
-      </p:ext>
-    </p:extLst>
   </p:cSld>
   <p:clrMapOvr>
     <a:masterClrMapping/>
@@ -8143,234 +8464,63 @@
       </p:grpSpPr>
       <p:sp>
         <p:nvSpPr>
-          <p:cNvPr id="2" name="Title 1"/>
-          <p:cNvSpPr>
-            <a:spLocks noGrp="1"/>
-          </p:cNvSpPr>
-          <p:nvPr>
-            <p:ph type="title"/>
-          </p:nvPr>
-        </p:nvSpPr>
-        <p:spPr/>
-        <p:txBody>
-          <a:bodyPr/>
-          <a:lstStyle/>
-          <a:p>
-            <a:r>
-              <a:rPr dirty="0" err="1">
-                <a:latin typeface="Raleway" pitchFamily="2" charset="77"/>
-              </a:rPr>
-              <a:t>Effektive</a:t>
-            </a:r>
-            <a:r>
-              <a:rPr dirty="0">
-                <a:latin typeface="Raleway" pitchFamily="2" charset="77"/>
-              </a:rPr>
-              <a:t> </a:t>
-            </a:r>
-            <a:r>
-              <a:rPr dirty="0" err="1">
-                <a:latin typeface="Raleway" pitchFamily="2" charset="77"/>
-              </a:rPr>
-              <a:t>kodningspraksisser</a:t>
-            </a:r>
-            <a:endParaRPr dirty="0">
-              <a:latin typeface="Raleway" pitchFamily="2" charset="77"/>
-            </a:endParaRPr>
-          </a:p>
-        </p:txBody>
-      </p:sp>
-      <p:sp>
-        <p:nvSpPr>
-          <p:cNvPr id="3" name="Content Placeholder 2"/>
-          <p:cNvSpPr>
-            <a:spLocks noGrp="1"/>
-          </p:cNvSpPr>
-          <p:nvPr>
-            <p:ph idx="1"/>
-          </p:nvPr>
-        </p:nvSpPr>
-        <p:spPr/>
-        <p:txBody>
-          <a:bodyPr/>
-          <a:lstStyle/>
-          <a:p>
-            <a:r>
-              <a:rPr dirty="0"/>
-              <a:t> </a:t>
-            </a:r>
-            <a:r>
-              <a:rPr dirty="0" err="1"/>
-              <a:t>Skriv</a:t>
-            </a:r>
-            <a:r>
-              <a:rPr dirty="0"/>
-              <a:t> </a:t>
-            </a:r>
-            <a:r>
-              <a:rPr dirty="0" err="1"/>
-              <a:t>genanvendelig</a:t>
-            </a:r>
-            <a:r>
-              <a:rPr dirty="0"/>
-              <a:t> </a:t>
-            </a:r>
-            <a:r>
-              <a:rPr dirty="0" err="1"/>
-              <a:t>og</a:t>
-            </a:r>
-            <a:r>
-              <a:rPr dirty="0"/>
-              <a:t> </a:t>
-            </a:r>
-            <a:r>
-              <a:rPr dirty="0" err="1">
+          <p:cNvPr id="4" name="Title 1">
+            <a:extLst>
+              <a:ext uri="{FF2B5EF4-FFF2-40B4-BE49-F238E27FC236}">
+                <a16:creationId xmlns:a16="http://schemas.microsoft.com/office/drawing/2014/main" id="{AC78C8FE-1AAE-67AF-993E-106BD986D423}"/>
+              </a:ext>
+            </a:extLst>
+          </p:cNvPr>
+          <p:cNvSpPr txBox="1">
+            <a:spLocks/>
+          </p:cNvSpPr>
+          <p:nvPr/>
+        </p:nvSpPr>
+        <p:spPr>
+          <a:xfrm>
+            <a:off x="609600" y="2146300"/>
+            <a:ext cx="10972800" cy="1143000"/>
+          </a:xfrm>
+          <a:prstGeom prst="rect">
+            <a:avLst/>
+          </a:prstGeom>
+        </p:spPr>
+        <p:txBody>
+          <a:bodyPr vert="horz" lIns="91440" tIns="45720" rIns="91440" bIns="45720" rtlCol="0" anchor="ctr">
+            <a:normAutofit/>
+          </a:bodyPr>
+          <a:lstStyle>
+            <a:lvl1pPr algn="ctr" defTabSz="457200" rtl="0" eaLnBrk="1" latinLnBrk="0" hangingPunct="1">
+              <a:spcBef>
+                <a:spcPct val="0"/>
+              </a:spcBef>
+              <a:buNone/>
+              <a:defRPr sz="4400" kern="1200">
                 <a:solidFill>
-                  <a:srgbClr val="FF0000"/>
+                  <a:schemeClr val="tx1"/>
                 </a:solidFill>
-              </a:rPr>
-              <a:t>modulær</a:t>
-            </a:r>
-            <a:r>
-              <a:rPr dirty="0">
-                <a:solidFill>
-                  <a:srgbClr val="FF0000"/>
-                </a:solidFill>
-              </a:rPr>
-              <a:t> </a:t>
-            </a:r>
-            <a:r>
-              <a:rPr dirty="0" err="1">
-                <a:solidFill>
-                  <a:srgbClr val="FF0000"/>
-                </a:solidFill>
-              </a:rPr>
-              <a:t>kode</a:t>
-            </a:r>
-            <a:r>
-              <a:rPr dirty="0"/>
-              <a:t>.</a:t>
-            </a:r>
-          </a:p>
-          <a:p>
-            <a:r>
-              <a:rPr dirty="0" err="1"/>
-              <a:t>Genanvendelig</a:t>
-            </a:r>
-            <a:r>
-              <a:rPr dirty="0"/>
-              <a:t> </a:t>
-            </a:r>
-            <a:r>
-              <a:rPr dirty="0" err="1"/>
-              <a:t>kode</a:t>
-            </a:r>
-            <a:r>
-              <a:rPr dirty="0"/>
-              <a:t> </a:t>
-            </a:r>
-            <a:r>
-              <a:rPr dirty="0" err="1"/>
-              <a:t>reducerer</a:t>
-            </a:r>
-            <a:r>
-              <a:rPr dirty="0"/>
-              <a:t> </a:t>
-            </a:r>
-            <a:r>
-              <a:rPr dirty="0" err="1"/>
-              <a:t>redundans</a:t>
-            </a:r>
-            <a:r>
-              <a:rPr dirty="0"/>
-              <a:t> </a:t>
-            </a:r>
-            <a:r>
-              <a:rPr dirty="0" err="1"/>
-              <a:t>og</a:t>
-            </a:r>
-            <a:r>
-              <a:rPr dirty="0"/>
-              <a:t> </a:t>
-            </a:r>
-            <a:r>
-              <a:rPr dirty="0" err="1"/>
-              <a:t>forbedrer</a:t>
-            </a:r>
-            <a:r>
-              <a:rPr dirty="0"/>
-              <a:t> </a:t>
-            </a:r>
-            <a:r>
-              <a:rPr dirty="0" err="1"/>
-              <a:t>effektiviteten</a:t>
-            </a:r>
-            <a:r>
-              <a:rPr dirty="0"/>
-              <a:t>.</a:t>
-            </a:r>
-          </a:p>
-          <a:p>
-            <a:r>
-              <a:rPr dirty="0" err="1"/>
-              <a:t>Modulær</a:t>
-            </a:r>
-            <a:r>
-              <a:rPr dirty="0"/>
-              <a:t> </a:t>
-            </a:r>
-            <a:r>
-              <a:rPr dirty="0" err="1"/>
-              <a:t>kode</a:t>
-            </a:r>
-            <a:r>
-              <a:rPr dirty="0"/>
-              <a:t> </a:t>
-            </a:r>
-            <a:r>
-              <a:rPr dirty="0" err="1"/>
-              <a:t>gør</a:t>
-            </a:r>
-            <a:r>
-              <a:rPr dirty="0"/>
-              <a:t> det </a:t>
-            </a:r>
-            <a:r>
-              <a:rPr dirty="0" err="1"/>
-              <a:t>lettere</a:t>
-            </a:r>
-            <a:r>
-              <a:rPr dirty="0"/>
-              <a:t> at </a:t>
-            </a:r>
-            <a:r>
-              <a:rPr dirty="0" err="1"/>
-              <a:t>vedligeholde</a:t>
-            </a:r>
-            <a:r>
-              <a:rPr dirty="0"/>
-              <a:t> </a:t>
-            </a:r>
-            <a:r>
-              <a:rPr dirty="0" err="1"/>
-              <a:t>og</a:t>
-            </a:r>
-            <a:r>
-              <a:rPr dirty="0"/>
-              <a:t> </a:t>
-            </a:r>
-            <a:r>
-              <a:rPr dirty="0" err="1"/>
-              <a:t>opdatere</a:t>
-            </a:r>
-            <a:r>
-              <a:rPr dirty="0"/>
-              <a:t> websites.</a:t>
+                <a:latin typeface="+mj-lt"/>
+                <a:ea typeface="+mj-ea"/>
+                <a:cs typeface="+mj-cs"/>
+              </a:defRPr>
+            </a:lvl1pPr>
+          </a:lstStyle>
+          <a:p>
+            <a:r>
+              <a:rPr lang="en-GB" dirty="0">
+                <a:latin typeface="Raleway" pitchFamily="2" charset="77"/>
+              </a:rPr>
+              <a:t> 'Dark Theme’ Demo</a:t>
             </a:r>
           </a:p>
         </p:txBody>
       </p:sp>
     </p:spTree>
+    <p:extLst>
+      <p:ext uri="{BB962C8B-B14F-4D97-AF65-F5344CB8AC3E}">
+        <p14:creationId xmlns:p14="http://schemas.microsoft.com/office/powerpoint/2010/main" val="2960003179"/>
+      </p:ext>
+    </p:extLst>
   </p:cSld>
   <p:clrMapOvr>
     <a:masterClrMapping/>
@@ -8407,16 +8557,14 @@
         </p:nvSpPr>
         <p:spPr/>
         <p:txBody>
-          <a:bodyPr>
-            <a:normAutofit fontScale="90000"/>
-          </a:bodyPr>
+          <a:bodyPr/>
           <a:lstStyle/>
           <a:p>
             <a:r>
               <a:rPr dirty="0" err="1">
                 <a:latin typeface="Raleway" pitchFamily="2" charset="77"/>
               </a:rPr>
-              <a:t>Sammenhængen</a:t>
+              <a:t>Effektive</a:t>
             </a:r>
             <a:r>
               <a:rPr dirty="0">
@@ -8428,61 +8576,7 @@
               <a:rPr dirty="0" err="1">
                 <a:latin typeface="Raleway" pitchFamily="2" charset="77"/>
               </a:rPr>
-              <a:t>mellem</a:t>
-            </a:r>
-            <a:r>
-              <a:rPr dirty="0">
-                <a:latin typeface="Raleway" pitchFamily="2" charset="77"/>
-              </a:rPr>
-              <a:t> </a:t>
-            </a:r>
-            <a:r>
-              <a:rPr dirty="0" err="1">
-                <a:latin typeface="Raleway" pitchFamily="2" charset="77"/>
-              </a:rPr>
-              <a:t>ydeevne</a:t>
-            </a:r>
-            <a:r>
-              <a:rPr dirty="0">
-                <a:latin typeface="Raleway" pitchFamily="2" charset="77"/>
-              </a:rPr>
-              <a:t> </a:t>
-            </a:r>
-            <a:r>
-              <a:rPr lang="da-DK" dirty="0">
-                <a:latin typeface="Raleway" pitchFamily="2" charset="77"/>
-              </a:rPr>
-              <a:t>(</a:t>
-            </a:r>
-            <a:r>
-              <a:rPr lang="da-DK" dirty="0" err="1">
-                <a:latin typeface="Raleway" pitchFamily="2" charset="77"/>
-              </a:rPr>
-              <a:t>performace</a:t>
-            </a:r>
-            <a:r>
-              <a:rPr lang="da-DK" dirty="0">
-                <a:latin typeface="Raleway" pitchFamily="2" charset="77"/>
-              </a:rPr>
-              <a:t>) </a:t>
-            </a:r>
-            <a:r>
-              <a:rPr dirty="0" err="1">
-                <a:latin typeface="Raleway" pitchFamily="2" charset="77"/>
-              </a:rPr>
-              <a:t>og</a:t>
-            </a:r>
-            <a:r>
-              <a:rPr dirty="0">
-                <a:latin typeface="Raleway" pitchFamily="2" charset="77"/>
-              </a:rPr>
-              <a:t> </a:t>
-            </a:r>
-            <a:r>
-              <a:rPr dirty="0" err="1">
-                <a:latin typeface="Raleway" pitchFamily="2" charset="77"/>
-              </a:rPr>
-              <a:t>bæredygtighed</a:t>
+              <a:t>kodningspraksisser</a:t>
             </a:r>
             <a:endParaRPr dirty="0">
               <a:latin typeface="Raleway" pitchFamily="2" charset="77"/>
@@ -8507,27 +8601,55 @@
           <a:p>
             <a:r>
               <a:rPr dirty="0"/>
-              <a:t> Website-</a:t>
+              <a:t> </a:t>
             </a:r>
             <a:r>
               <a:rPr dirty="0" err="1"/>
-              <a:t>ydeevne</a:t>
-            </a:r>
-            <a:r>
-              <a:rPr dirty="0"/>
-              <a:t> er </a:t>
+              <a:t>Skriv</a:t>
+            </a:r>
+            <a:r>
+              <a:rPr dirty="0"/>
+              <a:t> </a:t>
             </a:r>
             <a:r>
               <a:rPr dirty="0" err="1"/>
-              <a:t>afgørende</a:t>
-            </a:r>
-            <a:r>
-              <a:rPr dirty="0"/>
-              <a:t> for </a:t>
+              <a:t>genanvendelig</a:t>
+            </a:r>
+            <a:r>
+              <a:rPr dirty="0"/>
+              <a:t> </a:t>
             </a:r>
             <a:r>
               <a:rPr dirty="0" err="1"/>
-              <a:t>bæredygtighed</a:t>
+              <a:t>og</a:t>
+            </a:r>
+            <a:r>
+              <a:rPr dirty="0"/>
+              <a:t> </a:t>
+            </a:r>
+            <a:r>
+              <a:rPr dirty="0" err="1">
+                <a:solidFill>
+                  <a:srgbClr val="FF0000"/>
+                </a:solidFill>
+              </a:rPr>
+              <a:t>modulær</a:t>
+            </a:r>
+            <a:r>
+              <a:rPr dirty="0">
+                <a:solidFill>
+                  <a:srgbClr val="FF0000"/>
+                </a:solidFill>
+              </a:rPr>
+              <a:t> </a:t>
+            </a:r>
+            <a:r>
+              <a:rPr dirty="0" err="1">
+                <a:solidFill>
+                  <a:srgbClr val="FF0000"/>
+                </a:solidFill>
+              </a:rPr>
+              <a:t>kode</a:t>
             </a:r>
             <a:r>
               <a:rPr dirty="0"/>
@@ -8536,44 +8658,16 @@
           </a:p>
           <a:p>
             <a:r>
-              <a:rPr dirty="0"/>
-              <a:t> </a:t>
-            </a:r>
-            <a:r>
               <a:rPr dirty="0" err="1"/>
-              <a:t>Optimer</a:t>
-            </a:r>
-            <a:r>
-              <a:rPr dirty="0"/>
-              <a:t> </a:t>
-            </a:r>
-            <a:r>
-              <a:rPr lang="da-DK" dirty="0"/>
-              <a:t> </a:t>
-            </a:r>
-            <a:r>
-              <a:rPr lang="da-DK" dirty="0" err="1"/>
-              <a:t>loading</a:t>
-            </a:r>
-            <a:r>
-              <a:rPr lang="da-DK" dirty="0"/>
-              <a:t> speed</a:t>
-            </a:r>
-            <a:r>
-              <a:rPr dirty="0"/>
-              <a:t> for websites.</a:t>
-            </a:r>
-          </a:p>
-          <a:p>
-            <a:pPr marL="0" indent="0">
-              <a:buNone/>
-            </a:pPr>
-            <a:endParaRPr dirty="0"/>
-          </a:p>
-          <a:p>
+              <a:t>Genanvendelig</a:t>
+            </a:r>
+            <a:r>
+              <a:rPr dirty="0"/>
+              <a:t> </a:t>
+            </a:r>
             <a:r>
               <a:rPr dirty="0" err="1"/>
-              <a:t>Hurtigt</a:t>
+              <a:t>kode</a:t>
             </a:r>
             <a:r>
               <a:rPr dirty="0"/>
@@ -8581,15 +8675,15 @@
             </a:r>
             <a:r>
               <a:rPr dirty="0" err="1"/>
-              <a:t>indlæste</a:t>
-            </a:r>
-            <a:r>
-              <a:rPr dirty="0"/>
-              <a:t> sider </a:t>
+              <a:t>reducerer</a:t>
+            </a:r>
+            <a:r>
+              <a:rPr dirty="0"/>
+              <a:t> </a:t>
             </a:r>
             <a:r>
               <a:rPr dirty="0" err="1"/>
-              <a:t>bruger</a:t>
+              <a:t>redundans</a:t>
             </a:r>
             <a:r>
               <a:rPr dirty="0"/>
@@ -8597,7 +8691,7 @@
             </a:r>
             <a:r>
               <a:rPr dirty="0" err="1"/>
-              <a:t>mindre</a:t>
+              <a:t>og</a:t>
             </a:r>
             <a:r>
               <a:rPr dirty="0"/>
@@ -8605,11 +8699,77 @@
             </a:r>
             <a:r>
               <a:rPr dirty="0" err="1"/>
-              <a:t>energi</a:t>
+              <a:t>forbedrer</a:t>
+            </a:r>
+            <a:r>
+              <a:rPr dirty="0"/>
+              <a:t> </a:t>
+            </a:r>
+            <a:r>
+              <a:rPr dirty="0" err="1"/>
+              <a:t>effektiviteten</a:t>
             </a:r>
             <a:r>
               <a:rPr dirty="0"/>
               <a:t>.</a:t>
+            </a:r>
+          </a:p>
+          <a:p>
+            <a:r>
+              <a:rPr dirty="0" err="1"/>
+              <a:t>Modulær</a:t>
+            </a:r>
+            <a:r>
+              <a:rPr dirty="0"/>
+              <a:t> </a:t>
+            </a:r>
+            <a:r>
+              <a:rPr dirty="0" err="1"/>
+              <a:t>kode</a:t>
+            </a:r>
+            <a:r>
+              <a:rPr dirty="0"/>
+              <a:t> </a:t>
+            </a:r>
+            <a:r>
+              <a:rPr dirty="0" err="1"/>
+              <a:t>gør</a:t>
+            </a:r>
+            <a:r>
+              <a:rPr dirty="0"/>
+              <a:t> det </a:t>
+            </a:r>
+            <a:r>
+              <a:rPr dirty="0" err="1"/>
+              <a:t>lettere</a:t>
+            </a:r>
+            <a:r>
+              <a:rPr dirty="0"/>
+              <a:t> at </a:t>
+            </a:r>
+            <a:r>
+              <a:rPr dirty="0" err="1"/>
+              <a:t>vedligeholde</a:t>
+            </a:r>
+            <a:r>
+              <a:rPr dirty="0"/>
+              <a:t> </a:t>
+            </a:r>
+            <a:r>
+              <a:rPr dirty="0" err="1"/>
+              <a:t>og</a:t>
+            </a:r>
+            <a:r>
+              <a:rPr dirty="0"/>
+              <a:t> </a:t>
+            </a:r>
+            <a:r>
+              <a:rPr dirty="0" err="1"/>
+              <a:t>opdatere</a:t>
+            </a:r>
+            <a:r>
+              <a:rPr dirty="0"/>
+              <a:t> websites.</a:t>
             </a:r>
           </a:p>
         </p:txBody>
@@ -8651,14 +8811,16 @@
         </p:nvSpPr>
         <p:spPr/>
         <p:txBody>
-          <a:bodyPr/>
+          <a:bodyPr>
+            <a:normAutofit fontScale="90000"/>
+          </a:bodyPr>
           <a:lstStyle/>
           <a:p>
             <a:r>
               <a:rPr dirty="0" err="1">
                 <a:latin typeface="Raleway" pitchFamily="2" charset="77"/>
               </a:rPr>
-              <a:t>Minificering</a:t>
+              <a:t>Sammenhængen</a:t>
             </a:r>
             <a:r>
               <a:rPr dirty="0">
@@ -8670,7 +8832,7 @@
               <a:rPr dirty="0" err="1">
                 <a:latin typeface="Raleway" pitchFamily="2" charset="77"/>
               </a:rPr>
-              <a:t>af</a:t>
+              <a:t>mellem</a:t>
             </a:r>
             <a:r>
               <a:rPr dirty="0">
@@ -8682,13 +8844,49 @@
               <a:rPr dirty="0" err="1">
                 <a:latin typeface="Raleway" pitchFamily="2" charset="77"/>
               </a:rPr>
-              <a:t>kode</a:t>
+              <a:t>ydeevne</a:t>
+            </a:r>
+            <a:r>
+              <a:rPr dirty="0">
+                <a:latin typeface="Raleway" pitchFamily="2" charset="77"/>
+              </a:rPr>
+              <a:t> </a:t>
             </a:r>
             <a:r>
               <a:rPr lang="da-DK" dirty="0">
                 <a:latin typeface="Raleway" pitchFamily="2" charset="77"/>
               </a:rPr>
-              <a:t> til produktion</a:t>
+              <a:t>(</a:t>
+            </a:r>
+            <a:r>
+              <a:rPr lang="da-DK" dirty="0" err="1">
+                <a:latin typeface="Raleway" pitchFamily="2" charset="77"/>
+              </a:rPr>
+              <a:t>performace</a:t>
+            </a:r>
+            <a:r>
+              <a:rPr lang="da-DK" dirty="0">
+                <a:latin typeface="Raleway" pitchFamily="2" charset="77"/>
+              </a:rPr>
+              <a:t>) </a:t>
+            </a:r>
+            <a:r>
+              <a:rPr dirty="0" err="1">
+                <a:latin typeface="Raleway" pitchFamily="2" charset="77"/>
+              </a:rPr>
+              <a:t>og</a:t>
+            </a:r>
+            <a:r>
+              <a:rPr dirty="0">
+                <a:latin typeface="Raleway" pitchFamily="2" charset="77"/>
+              </a:rPr>
+              <a:t> </a:t>
+            </a:r>
+            <a:r>
+              <a:rPr dirty="0" err="1">
+                <a:latin typeface="Raleway" pitchFamily="2" charset="77"/>
+              </a:rPr>
+              <a:t>bæredygtighed</a:t>
             </a:r>
             <a:endParaRPr dirty="0">
               <a:latin typeface="Raleway" pitchFamily="2" charset="77"/>
@@ -8713,43 +8911,73 @@
           <a:p>
             <a:r>
               <a:rPr dirty="0"/>
-              <a:t> </a:t>
+              <a:t> Website-</a:t>
             </a:r>
             <a:r>
               <a:rPr dirty="0" err="1"/>
-              <a:t>Minificering</a:t>
-            </a:r>
-            <a:r>
-              <a:rPr dirty="0"/>
-              <a:t> </a:t>
+              <a:t>ydeevne</a:t>
+            </a:r>
+            <a:r>
+              <a:rPr dirty="0"/>
+              <a:t> er </a:t>
             </a:r>
             <a:r>
               <a:rPr dirty="0" err="1"/>
-              <a:t>af</a:t>
-            </a:r>
-            <a:r>
-              <a:rPr dirty="0"/>
-              <a:t> CSS </a:t>
+              <a:t>afgørende</a:t>
+            </a:r>
+            <a:r>
+              <a:rPr dirty="0"/>
+              <a:t> for </a:t>
             </a:r>
             <a:r>
               <a:rPr dirty="0" err="1"/>
-              <a:t>reducerer</a:t>
-            </a:r>
+              <a:t>bæredygtighed</a:t>
+            </a:r>
+            <a:r>
+              <a:rPr dirty="0"/>
+              <a:t>.</a:t>
+            </a:r>
+          </a:p>
+          <a:p>
             <a:r>
               <a:rPr dirty="0"/>
               <a:t> </a:t>
             </a:r>
             <a:r>
               <a:rPr dirty="0" err="1"/>
-              <a:t>filstørrelsen</a:t>
-            </a:r>
-            <a:r>
-              <a:rPr dirty="0"/>
-              <a:t> </a:t>
-            </a:r>
+              <a:t>Optimer</a:t>
+            </a:r>
+            <a:r>
+              <a:rPr dirty="0"/>
+              <a:t> </a:t>
+            </a:r>
+            <a:r>
+              <a:rPr lang="da-DK" dirty="0"/>
+              <a:t> </a:t>
+            </a:r>
+            <a:r>
+              <a:rPr lang="da-DK" dirty="0" err="1"/>
+              <a:t>loading</a:t>
+            </a:r>
+            <a:r>
+              <a:rPr lang="da-DK" dirty="0"/>
+              <a:t> speed</a:t>
+            </a:r>
+            <a:r>
+              <a:rPr dirty="0"/>
+              <a:t> for websites.</a:t>
+            </a:r>
+          </a:p>
+          <a:p>
+            <a:pPr marL="0" indent="0">
+              <a:buNone/>
+            </a:pPr>
+            <a:endParaRPr dirty="0"/>
+          </a:p>
+          <a:p>
             <a:r>
               <a:rPr dirty="0" err="1"/>
-              <a:t>og</a:t>
+              <a:t>Hurtigt</a:t>
             </a:r>
             <a:r>
               <a:rPr dirty="0"/>
@@ -8757,29 +8985,23 @@
             </a:r>
             <a:r>
               <a:rPr dirty="0" err="1"/>
-              <a:t>forbedrer</a:t>
-            </a:r>
-            <a:r>
-              <a:rPr dirty="0"/>
-              <a:t> </a:t>
+              <a:t>indlæste</a:t>
+            </a:r>
+            <a:r>
+              <a:rPr dirty="0"/>
+              <a:t> sider </a:t>
             </a:r>
             <a:r>
               <a:rPr dirty="0" err="1"/>
-              <a:t>ydeevnen</a:t>
-            </a:r>
-            <a:r>
-              <a:rPr dirty="0"/>
-              <a:t>.</a:t>
-            </a:r>
-          </a:p>
-          <a:p>
+              <a:t>bruger</a:t>
+            </a:r>
             <a:r>
               <a:rPr dirty="0"/>
               <a:t> </a:t>
             </a:r>
             <a:r>
               <a:rPr dirty="0" err="1"/>
-              <a:t>Fjern</a:t>
+              <a:t>mindre</a:t>
             </a:r>
             <a:r>
               <a:rPr dirty="0"/>
@@ -8787,108 +9009,7 @@
             </a:r>
             <a:r>
               <a:rPr dirty="0" err="1"/>
-              <a:t>unødvendige</a:t>
-            </a:r>
-            <a:r>
-              <a:rPr dirty="0"/>
-              <a:t> </a:t>
-            </a:r>
-            <a:r>
-              <a:rPr dirty="0" err="1"/>
-              <a:t>mellemrum</a:t>
-            </a:r>
-            <a:r>
-              <a:rPr dirty="0"/>
-              <a:t>, </a:t>
-            </a:r>
-            <a:r>
-              <a:rPr dirty="0" err="1"/>
-              <a:t>kommentarer</a:t>
-            </a:r>
-            <a:r>
-              <a:rPr dirty="0"/>
-              <a:t> </a:t>
-            </a:r>
-            <a:r>
-              <a:rPr dirty="0" err="1"/>
-              <a:t>og</a:t>
-            </a:r>
-            <a:r>
-              <a:rPr dirty="0"/>
-              <a:t> </a:t>
-            </a:r>
-            <a:r>
-              <a:rPr dirty="0" err="1"/>
-              <a:t>linjeskift</a:t>
-            </a:r>
-            <a:r>
-              <a:rPr dirty="0"/>
-              <a:t>.</a:t>
-            </a:r>
-          </a:p>
-          <a:p>
-            <a:r>
-              <a:rPr lang="da-DK" dirty="0"/>
-              <a:t> </a:t>
-            </a:r>
-            <a:endParaRPr dirty="0"/>
-          </a:p>
-          <a:p>
-            <a:r>
-              <a:rPr dirty="0"/>
-              <a:t> </a:t>
-            </a:r>
-            <a:r>
-              <a:rPr dirty="0" err="1"/>
-              <a:t>Minificeret</a:t>
-            </a:r>
-            <a:r>
-              <a:rPr dirty="0"/>
-              <a:t> CSS </a:t>
-            </a:r>
-            <a:r>
-              <a:rPr dirty="0" err="1"/>
-              <a:t>indlæses</a:t>
-            </a:r>
-            <a:r>
-              <a:rPr dirty="0"/>
-              <a:t> </a:t>
-            </a:r>
-            <a:r>
-              <a:rPr dirty="0" err="1"/>
-              <a:t>hurtigere</a:t>
-            </a:r>
-            <a:r>
-              <a:rPr dirty="0"/>
-              <a:t> </a:t>
-            </a:r>
-            <a:r>
-              <a:rPr dirty="0" err="1"/>
-              <a:t>og</a:t>
-            </a:r>
-            <a:r>
-              <a:rPr dirty="0"/>
-              <a:t> </a:t>
-            </a:r>
-            <a:r>
-              <a:rPr dirty="0" err="1"/>
-              <a:t>reducerer</a:t>
-            </a:r>
-            <a:r>
-              <a:rPr dirty="0"/>
-              <a:t> </a:t>
-            </a:r>
-            <a:r>
-              <a:rPr dirty="0" err="1"/>
-              <a:t>sidens</a:t>
-            </a:r>
-            <a:r>
-              <a:rPr dirty="0"/>
-              <a:t> </a:t>
-            </a:r>
-            <a:r>
-              <a:rPr dirty="0" err="1"/>
-              <a:t>vægt</a:t>
+              <a:t>energi</a:t>
             </a:r>
             <a:r>
               <a:rPr dirty="0"/>
@@ -8924,13 +9045,7 @@
       </p:grpSpPr>
       <p:sp>
         <p:nvSpPr>
-          <p:cNvPr id="2" name="Title 1">
-            <a:extLst>
-              <a:ext uri="{FF2B5EF4-FFF2-40B4-BE49-F238E27FC236}">
-                <a16:creationId xmlns:a16="http://schemas.microsoft.com/office/drawing/2014/main" id="{B569FAE0-6EC7-B95C-8923-6CF271142F38}"/>
-              </a:ext>
-            </a:extLst>
-          </p:cNvPr>
+          <p:cNvPr id="2" name="Title 1"/>
           <p:cNvSpPr>
             <a:spLocks noGrp="1"/>
           </p:cNvSpPr>
@@ -8938,59 +9053,255 @@
             <p:ph type="title"/>
           </p:nvPr>
         </p:nvSpPr>
-        <p:spPr>
-          <a:xfrm>
-            <a:off x="609600" y="2286000"/>
-            <a:ext cx="10972800" cy="1143000"/>
-          </a:xfrm>
-        </p:spPr>
-        <p:txBody>
-          <a:bodyPr>
-            <a:noAutofit/>
-          </a:bodyPr>
+        <p:spPr/>
+        <p:txBody>
+          <a:bodyPr/>
           <a:lstStyle/>
           <a:p>
             <a:r>
-              <a:rPr lang="en-GB" b="1" dirty="0" err="1">
-                <a:latin typeface="Raleway" pitchFamily="2" charset="77"/>
-              </a:rPr>
-              <a:t>bedste</a:t>
-            </a:r>
-            <a:r>
-              <a:rPr lang="en-GB" b="1" dirty="0">
-                <a:latin typeface="Raleway" pitchFamily="2" charset="77"/>
-              </a:rPr>
-              <a:t> </a:t>
-            </a:r>
-            <a:r>
-              <a:rPr lang="en-GB" b="1" dirty="0" err="1">
-                <a:latin typeface="Raleway" pitchFamily="2" charset="77"/>
-              </a:rPr>
-              <a:t>praksis</a:t>
-            </a:r>
-            <a:br>
-              <a:rPr lang="en-GB" dirty="0">
-                <a:latin typeface="Raleway" pitchFamily="2" charset="77"/>
-              </a:rPr>
-            </a:br>
-            <a:r>
-              <a:rPr lang="en-GB" dirty="0">
-                <a:latin typeface="Raleway" pitchFamily="2" charset="77"/>
-              </a:rPr>
-              <a:t>source</a:t>
-            </a:r>
-            <a:endParaRPr lang="en-DK" dirty="0">
+              <a:rPr dirty="0" err="1">
+                <a:latin typeface="Raleway" pitchFamily="2" charset="77"/>
+              </a:rPr>
+              <a:t>Minificering</a:t>
+            </a:r>
+            <a:r>
+              <a:rPr dirty="0">
+                <a:latin typeface="Raleway" pitchFamily="2" charset="77"/>
+              </a:rPr>
+              <a:t> </a:t>
+            </a:r>
+            <a:r>
+              <a:rPr dirty="0" err="1">
+                <a:latin typeface="Raleway" pitchFamily="2" charset="77"/>
+              </a:rPr>
+              <a:t>af</a:t>
+            </a:r>
+            <a:r>
+              <a:rPr dirty="0">
+                <a:latin typeface="Raleway" pitchFamily="2" charset="77"/>
+              </a:rPr>
+              <a:t> </a:t>
+            </a:r>
+            <a:r>
+              <a:rPr dirty="0" err="1">
+                <a:latin typeface="Raleway" pitchFamily="2" charset="77"/>
+              </a:rPr>
+              <a:t>kode</a:t>
+            </a:r>
+            <a:r>
+              <a:rPr lang="da-DK" dirty="0">
+                <a:latin typeface="Raleway" pitchFamily="2" charset="77"/>
+              </a:rPr>
+              <a:t> til produktion</a:t>
+            </a:r>
+            <a:endParaRPr dirty="0">
               <a:latin typeface="Raleway" pitchFamily="2" charset="77"/>
             </a:endParaRPr>
           </a:p>
         </p:txBody>
       </p:sp>
+      <p:sp>
+        <p:nvSpPr>
+          <p:cNvPr id="3" name="Content Placeholder 2"/>
+          <p:cNvSpPr>
+            <a:spLocks noGrp="1"/>
+          </p:cNvSpPr>
+          <p:nvPr>
+            <p:ph idx="1"/>
+          </p:nvPr>
+        </p:nvSpPr>
+        <p:spPr/>
+        <p:txBody>
+          <a:bodyPr/>
+          <a:lstStyle/>
+          <a:p>
+            <a:r>
+              <a:rPr dirty="0"/>
+              <a:t> </a:t>
+            </a:r>
+            <a:r>
+              <a:rPr dirty="0" err="1"/>
+              <a:t>Minificering</a:t>
+            </a:r>
+            <a:r>
+              <a:rPr dirty="0"/>
+              <a:t> </a:t>
+            </a:r>
+            <a:r>
+              <a:rPr dirty="0" err="1"/>
+              <a:t>af</a:t>
+            </a:r>
+            <a:r>
+              <a:rPr dirty="0"/>
+              <a:t> CSS </a:t>
+            </a:r>
+            <a:r>
+              <a:rPr dirty="0" err="1"/>
+              <a:t>reducerer</a:t>
+            </a:r>
+            <a:r>
+              <a:rPr dirty="0"/>
+              <a:t> </a:t>
+            </a:r>
+            <a:r>
+              <a:rPr dirty="0" err="1"/>
+              <a:t>filstørrelsen</a:t>
+            </a:r>
+            <a:r>
+              <a:rPr dirty="0"/>
+              <a:t> </a:t>
+            </a:r>
+            <a:r>
+              <a:rPr dirty="0" err="1"/>
+              <a:t>og</a:t>
+            </a:r>
+            <a:r>
+              <a:rPr dirty="0"/>
+              <a:t> </a:t>
+            </a:r>
+            <a:r>
+              <a:rPr dirty="0" err="1"/>
+              <a:t>forbedrer</a:t>
+            </a:r>
+            <a:r>
+              <a:rPr dirty="0"/>
+              <a:t> </a:t>
+            </a:r>
+            <a:r>
+              <a:rPr dirty="0" err="1"/>
+              <a:t>ydeevnen</a:t>
+            </a:r>
+            <a:r>
+              <a:rPr dirty="0"/>
+              <a:t>.</a:t>
+            </a:r>
+          </a:p>
+          <a:p>
+            <a:r>
+              <a:rPr dirty="0"/>
+              <a:t> </a:t>
+            </a:r>
+            <a:r>
+              <a:rPr dirty="0" err="1"/>
+              <a:t>Fjern</a:t>
+            </a:r>
+            <a:r>
+              <a:rPr dirty="0"/>
+              <a:t> </a:t>
+            </a:r>
+            <a:r>
+              <a:rPr dirty="0" err="1"/>
+              <a:t>unødvendige</a:t>
+            </a:r>
+            <a:r>
+              <a:rPr dirty="0"/>
+              <a:t> </a:t>
+            </a:r>
+            <a:r>
+              <a:rPr dirty="0" err="1"/>
+              <a:t>mellemrum</a:t>
+            </a:r>
+            <a:r>
+              <a:rPr dirty="0"/>
+              <a:t>, </a:t>
+            </a:r>
+            <a:r>
+              <a:rPr dirty="0" err="1"/>
+              <a:t>kommentarer</a:t>
+            </a:r>
+            <a:r>
+              <a:rPr dirty="0"/>
+              <a:t> </a:t>
+            </a:r>
+            <a:r>
+              <a:rPr dirty="0" err="1"/>
+              <a:t>og</a:t>
+            </a:r>
+            <a:r>
+              <a:rPr dirty="0"/>
+              <a:t> </a:t>
+            </a:r>
+            <a:r>
+              <a:rPr dirty="0" err="1"/>
+              <a:t>linjeskift</a:t>
+            </a:r>
+            <a:r>
+              <a:rPr dirty="0"/>
+              <a:t>.</a:t>
+            </a:r>
+          </a:p>
+          <a:p>
+            <a:r>
+              <a:rPr lang="da-DK" dirty="0"/>
+              <a:t> </a:t>
+            </a:r>
+            <a:endParaRPr dirty="0"/>
+          </a:p>
+          <a:p>
+            <a:r>
+              <a:rPr dirty="0"/>
+              <a:t> </a:t>
+            </a:r>
+            <a:r>
+              <a:rPr dirty="0" err="1"/>
+              <a:t>Minificeret</a:t>
+            </a:r>
+            <a:r>
+              <a:rPr dirty="0"/>
+              <a:t> CSS </a:t>
+            </a:r>
+            <a:r>
+              <a:rPr dirty="0" err="1"/>
+              <a:t>indlæses</a:t>
+            </a:r>
+            <a:r>
+              <a:rPr dirty="0"/>
+              <a:t> </a:t>
+            </a:r>
+            <a:r>
+              <a:rPr dirty="0" err="1"/>
+              <a:t>hurtigere</a:t>
+            </a:r>
+            <a:r>
+              <a:rPr dirty="0"/>
+              <a:t> </a:t>
+            </a:r>
+            <a:r>
+              <a:rPr dirty="0" err="1"/>
+              <a:t>og</a:t>
+            </a:r>
+            <a:r>
+              <a:rPr dirty="0"/>
+              <a:t> </a:t>
+            </a:r>
+            <a:r>
+              <a:rPr dirty="0" err="1"/>
+              <a:t>reducerer</a:t>
+            </a:r>
+            <a:r>
+              <a:rPr dirty="0"/>
+              <a:t> </a:t>
+            </a:r>
+            <a:r>
+              <a:rPr dirty="0" err="1"/>
+              <a:t>sidens</a:t>
+            </a:r>
+            <a:r>
+              <a:rPr dirty="0"/>
+              <a:t> </a:t>
+            </a:r>
+            <a:r>
+              <a:rPr dirty="0" err="1"/>
+              <a:t>vægt</a:t>
+            </a:r>
+            <a:r>
+              <a:rPr dirty="0"/>
+              <a:t>.</a:t>
+            </a:r>
+          </a:p>
+        </p:txBody>
+      </p:sp>
     </p:spTree>
-    <p:extLst>
-      <p:ext uri="{BB962C8B-B14F-4D97-AF65-F5344CB8AC3E}">
-        <p14:creationId xmlns:p14="http://schemas.microsoft.com/office/powerpoint/2010/main" val="2756370485"/>
-      </p:ext>
-    </p:extLst>
   </p:cSld>
   <p:clrMapOvr>
     <a:masterClrMapping/>
@@ -9017,7 +9328,13 @@
       </p:grpSpPr>
       <p:sp>
         <p:nvSpPr>
-          <p:cNvPr id="2" name="Title 1"/>
+          <p:cNvPr id="2" name="Title 1">
+            <a:extLst>
+              <a:ext uri="{FF2B5EF4-FFF2-40B4-BE49-F238E27FC236}">
+                <a16:creationId xmlns:a16="http://schemas.microsoft.com/office/drawing/2014/main" id="{B569FAE0-6EC7-B95C-8923-6CF271142F38}"/>
+              </a:ext>
+            </a:extLst>
+          </p:cNvPr>
           <p:cNvSpPr>
             <a:spLocks noGrp="1"/>
           </p:cNvSpPr>
@@ -9025,173 +9342,59 @@
             <p:ph type="title"/>
           </p:nvPr>
         </p:nvSpPr>
-        <p:spPr/>
-        <p:txBody>
-          <a:bodyPr/>
+        <p:spPr>
+          <a:xfrm>
+            <a:off x="609600" y="2286000"/>
+            <a:ext cx="10972800" cy="1143000"/>
+          </a:xfrm>
+        </p:spPr>
+        <p:txBody>
+          <a:bodyPr>
+            <a:noAutofit/>
+          </a:bodyPr>
           <a:lstStyle/>
           <a:p>
             <a:r>
-              <a:rPr lang="da-DK" dirty="0">
-                <a:latin typeface="Raleway" pitchFamily="2" charset="77"/>
-              </a:rPr>
-              <a:t>W</a:t>
-            </a:r>
-            <a:r>
-              <a:rPr dirty="0" err="1">
-                <a:latin typeface="Raleway" pitchFamily="2" charset="77"/>
-              </a:rPr>
-              <a:t>eb-bæredygtighed</a:t>
-            </a:r>
-            <a:r>
-              <a:rPr dirty="0">
-                <a:latin typeface="Raleway" pitchFamily="2" charset="77"/>
-              </a:rPr>
-              <a:t> (WSG)</a:t>
-            </a:r>
-          </a:p>
-        </p:txBody>
-      </p:sp>
-      <p:sp>
-        <p:nvSpPr>
-          <p:cNvPr id="3" name="Content Placeholder 2"/>
-          <p:cNvSpPr>
-            <a:spLocks noGrp="1"/>
-          </p:cNvSpPr>
-          <p:nvPr>
-            <p:ph idx="1"/>
-          </p:nvPr>
-        </p:nvSpPr>
-        <p:spPr/>
-        <p:txBody>
-          <a:bodyPr/>
-          <a:lstStyle/>
-          <a:p>
-            <a:r>
-              <a:rPr lang="en-GB" dirty="0"/>
-              <a:t> </a:t>
-            </a:r>
-            <a:r>
-              <a:rPr lang="en-GB" b="1" dirty="0"/>
-              <a:t>WSG</a:t>
-            </a:r>
-            <a:r>
-              <a:rPr lang="en-GB" dirty="0"/>
-              <a:t>: En W3C </a:t>
-            </a:r>
-            <a:r>
-              <a:rPr lang="en-GB" dirty="0" err="1"/>
-              <a:t>gruppe</a:t>
-            </a:r>
-            <a:r>
-              <a:rPr lang="en-GB" dirty="0"/>
-              <a:t> med </a:t>
-            </a:r>
-            <a:r>
-              <a:rPr lang="en-GB" dirty="0" err="1"/>
-              <a:t>fokus</a:t>
-            </a:r>
-            <a:r>
-              <a:rPr lang="en-GB" dirty="0"/>
-              <a:t> </a:t>
-            </a:r>
-            <a:r>
-              <a:rPr lang="en-GB" dirty="0" err="1"/>
-              <a:t>på</a:t>
-            </a:r>
-            <a:r>
-              <a:rPr lang="en-GB" dirty="0"/>
-              <a:t> </a:t>
-            </a:r>
-            <a:r>
-              <a:rPr lang="en-GB" b="1" dirty="0" err="1"/>
-              <a:t>fællesskabsengagement</a:t>
-            </a:r>
-            <a:r>
-              <a:rPr lang="en-GB" dirty="0"/>
-              <a:t> </a:t>
-            </a:r>
-            <a:r>
-              <a:rPr lang="en-GB" dirty="0" err="1"/>
-              <a:t>og</a:t>
-            </a:r>
-            <a:r>
-              <a:rPr lang="en-GB" dirty="0"/>
-              <a:t> </a:t>
-            </a:r>
-            <a:r>
-              <a:rPr lang="en-GB" b="1" dirty="0" err="1"/>
-              <a:t>deling</a:t>
-            </a:r>
-            <a:r>
-              <a:rPr lang="en-GB" b="1" dirty="0"/>
-              <a:t> </a:t>
-            </a:r>
-            <a:r>
-              <a:rPr lang="en-GB" b="1" dirty="0" err="1"/>
-              <a:t>af</a:t>
-            </a:r>
-            <a:r>
-              <a:rPr lang="en-GB" b="1" dirty="0"/>
-              <a:t> information</a:t>
-            </a:r>
-            <a:r>
-              <a:rPr lang="en-GB" dirty="0"/>
-              <a:t>.</a:t>
-            </a:r>
-          </a:p>
-          <a:p>
-            <a:pPr marL="0" indent="0">
-              <a:buNone/>
-            </a:pPr>
-            <a:r>
-              <a:rPr lang="en-GB" dirty="0"/>
-              <a:t> </a:t>
-            </a:r>
-            <a:r>
+              <a:rPr lang="en-GB" b="1" dirty="0" err="1">
+                <a:latin typeface="Raleway" pitchFamily="2" charset="77"/>
+              </a:rPr>
+              <a:t>bedste</a:t>
+            </a:r>
+            <a:r>
+              <a:rPr lang="en-GB" b="1" dirty="0">
+                <a:latin typeface="Raleway" pitchFamily="2" charset="77"/>
+              </a:rPr>
+              <a:t> </a:t>
+            </a:r>
+            <a:r>
+              <a:rPr lang="en-GB" b="1" dirty="0" err="1">
+                <a:latin typeface="Raleway" pitchFamily="2" charset="77"/>
+              </a:rPr>
+              <a:t>praksis</a:t>
+            </a:r>
+            <a:br>
               <a:rPr lang="en-GB" dirty="0">
-                <a:hlinkClick r:id="rId2"/>
-              </a:rPr>
-              <a:t>https://w3c.github.io/sustyweb/glance.html</a:t>
-            </a:r>
-            <a:endParaRPr lang="en-GB" dirty="0"/>
-          </a:p>
-          <a:p>
-            <a:pPr marL="0" indent="0">
-              <a:buNone/>
-            </a:pPr>
-            <a:r>
-              <a:rPr lang="en-GB" dirty="0"/>
-              <a:t> </a:t>
-            </a:r>
+                <a:latin typeface="Raleway" pitchFamily="2" charset="77"/>
+              </a:rPr>
+            </a:br>
             <a:r>
               <a:rPr lang="en-GB" dirty="0">
-                <a:hlinkClick r:id="rId3"/>
-              </a:rPr>
-              <a:t>https://www.w3.org/blog/2023/introducing-web-sustainability-guidelines/</a:t>
-            </a:r>
-            <a:endParaRPr lang="en-GB" dirty="0"/>
-          </a:p>
-          <a:p>
-            <a:pPr marL="0" indent="0">
-              <a:buNone/>
-            </a:pPr>
-            <a:endParaRPr lang="en-GB" dirty="0"/>
-          </a:p>
-          <a:p>
-            <a:pPr marL="0" indent="0">
-              <a:buNone/>
-            </a:pPr>
-            <a:endParaRPr lang="en-GB" dirty="0"/>
-          </a:p>
-          <a:p>
-            <a:endParaRPr lang="en-GB" dirty="0"/>
-          </a:p>
-          <a:p>
-            <a:endParaRPr dirty="0"/>
+                <a:latin typeface="Raleway" pitchFamily="2" charset="77"/>
+              </a:rPr>
+              <a:t>source</a:t>
+            </a:r>
+            <a:endParaRPr lang="en-DK" dirty="0">
+              <a:latin typeface="Raleway" pitchFamily="2" charset="77"/>
+            </a:endParaRPr>
           </a:p>
         </p:txBody>
       </p:sp>
     </p:spTree>
+    <p:extLst>
+      <p:ext uri="{BB962C8B-B14F-4D97-AF65-F5344CB8AC3E}">
+        <p14:creationId xmlns:p14="http://schemas.microsoft.com/office/powerpoint/2010/main" val="2756370485"/>
+      </p:ext>
+    </p:extLst>
   </p:cSld>
   <p:clrMapOvr>
     <a:masterClrMapping/>
@@ -9218,13 +9421,7 @@
       </p:grpSpPr>
       <p:sp>
         <p:nvSpPr>
-          <p:cNvPr id="2" name="Title 1">
-            <a:extLst>
-              <a:ext uri="{FF2B5EF4-FFF2-40B4-BE49-F238E27FC236}">
-                <a16:creationId xmlns:a16="http://schemas.microsoft.com/office/drawing/2014/main" id="{4E7DA266-7CC6-D0EA-8EAA-FAD9946F8451}"/>
-              </a:ext>
-            </a:extLst>
-          </p:cNvPr>
+          <p:cNvPr id="2" name="Title 1"/>
           <p:cNvSpPr>
             <a:spLocks noGrp="1"/>
           </p:cNvSpPr>
@@ -9238,126 +9435,167 @@
           <a:lstStyle/>
           <a:p>
             <a:r>
-              <a:rPr lang="en-DK" dirty="0">
-                <a:latin typeface="Raleway" pitchFamily="2" charset="77"/>
-              </a:rPr>
+              <a:rPr lang="da-DK" dirty="0">
+                <a:latin typeface="Raleway" pitchFamily="2" charset="77"/>
+              </a:rPr>
+              <a:t>W</a:t>
+            </a:r>
+            <a:r>
+              <a:rPr dirty="0" err="1">
+                <a:latin typeface="Raleway" pitchFamily="2" charset="77"/>
+              </a:rPr>
+              <a:t>eb-bæredygtighed</a:t>
+            </a:r>
+            <a:r>
+              <a:rPr dirty="0">
+                <a:latin typeface="Raleway" pitchFamily="2" charset="77"/>
+              </a:rPr>
+              <a:t> (WSG)</a:t>
+            </a:r>
+          </a:p>
+        </p:txBody>
+      </p:sp>
+      <p:sp>
+        <p:nvSpPr>
+          <p:cNvPr id="3" name="Content Placeholder 2"/>
+          <p:cNvSpPr>
+            <a:spLocks noGrp="1"/>
+          </p:cNvSpPr>
+          <p:nvPr>
+            <p:ph idx="1"/>
+          </p:nvPr>
+        </p:nvSpPr>
+        <p:spPr/>
+        <p:txBody>
+          <a:bodyPr/>
+          <a:lstStyle/>
+          <a:p>
+            <a:r>
+              <a:rPr lang="en-GB" dirty="0"/>
+              <a:t> </a:t>
+            </a:r>
+            <a:r>
+              <a:rPr lang="en-GB" b="1" dirty="0"/>
               <a:t>WSG</a:t>
             </a:r>
-          </a:p>
-        </p:txBody>
-      </p:sp>
-      <p:sp>
-        <p:nvSpPr>
-          <p:cNvPr id="3" name="Content Placeholder 2">
-            <a:extLst>
-              <a:ext uri="{FF2B5EF4-FFF2-40B4-BE49-F238E27FC236}">
-                <a16:creationId xmlns:a16="http://schemas.microsoft.com/office/drawing/2014/main" id="{05BF8D4A-903F-6BA9-FBBC-2F17F3EEE1B8}"/>
-              </a:ext>
-            </a:extLst>
-          </p:cNvPr>
-          <p:cNvSpPr>
-            <a:spLocks noGrp="1"/>
-          </p:cNvSpPr>
-          <p:nvPr>
-            <p:ph idx="1"/>
-          </p:nvPr>
-        </p:nvSpPr>
-        <p:spPr/>
-        <p:txBody>
-          <a:bodyPr>
-            <a:normAutofit fontScale="92500" lnSpcReduction="20000"/>
-          </a:bodyPr>
-          <a:lstStyle/>
-          <a:p>
-            <a:pPr marL="0" indent="0" algn="l">
+            <a:r>
+              <a:rPr lang="en-GB" dirty="0"/>
+              <a:t>: En W3C </a:t>
+            </a:r>
+            <a:r>
+              <a:rPr lang="en-GB" dirty="0" err="1"/>
+              <a:t>gruppe</a:t>
+            </a:r>
+            <a:r>
+              <a:rPr lang="en-GB" dirty="0"/>
+              <a:t> med </a:t>
+            </a:r>
+            <a:r>
+              <a:rPr lang="en-GB" dirty="0" err="1"/>
+              <a:t>fokus</a:t>
+            </a:r>
+            <a:r>
+              <a:rPr lang="en-GB" dirty="0"/>
+              <a:t> </a:t>
+            </a:r>
+            <a:r>
+              <a:rPr lang="en-GB" dirty="0" err="1"/>
+              <a:t>på</a:t>
+            </a:r>
+            <a:r>
+              <a:rPr lang="en-GB" dirty="0"/>
+              <a:t> </a:t>
+            </a:r>
+            <a:r>
+              <a:rPr lang="en-GB" b="1" dirty="0" err="1"/>
+              <a:t>fællesskabsengagement</a:t>
+            </a:r>
+            <a:r>
+              <a:rPr lang="en-GB" dirty="0"/>
+              <a:t> </a:t>
+            </a:r>
+            <a:r>
+              <a:rPr lang="en-GB" dirty="0" err="1"/>
+              <a:t>og</a:t>
+            </a:r>
+            <a:r>
+              <a:rPr lang="en-GB" dirty="0"/>
+              <a:t> </a:t>
+            </a:r>
+            <a:r>
+              <a:rPr lang="en-GB" b="1" dirty="0" err="1"/>
+              <a:t>deling</a:t>
+            </a:r>
+            <a:r>
+              <a:rPr lang="en-GB" b="1" dirty="0"/>
+              <a:t> </a:t>
+            </a:r>
+            <a:r>
+              <a:rPr lang="en-GB" b="1" dirty="0" err="1"/>
+              <a:t>af</a:t>
+            </a:r>
+            <a:r>
+              <a:rPr lang="en-GB" b="1" dirty="0"/>
+              <a:t> information</a:t>
+            </a:r>
+            <a:r>
+              <a:rPr lang="en-GB" dirty="0"/>
+              <a:t>.</a:t>
+            </a:r>
+          </a:p>
+          <a:p>
+            <a:pPr marL="0" indent="0">
               <a:buNone/>
             </a:pPr>
             <a:r>
-              <a:rPr lang="en-GB" b="0" i="0" dirty="0">
-                <a:solidFill>
-                  <a:srgbClr val="363737"/>
-                </a:solidFill>
-                <a:effectLst/>
-                <a:latin typeface="Spectral"/>
-              </a:rPr>
-              <a:t>4 big pieces:</a:t>
-            </a:r>
-          </a:p>
-          <a:p>
-            <a:pPr algn="l">
-              <a:buFont typeface="Arial" panose="020B0604020202020204" pitchFamily="34" charset="0"/>
-              <a:buChar char="•"/>
+              <a:rPr lang="en-GB" dirty="0"/>
+              <a:t> </a:t>
+            </a:r>
+            <a:r>
+              <a:rPr lang="en-GB" dirty="0">
+                <a:hlinkClick r:id="rId2"/>
+              </a:rPr>
+              <a:t>https://w3c.github.io/sustyweb/glance.html</a:t>
+            </a:r>
+            <a:endParaRPr lang="en-GB" dirty="0"/>
+          </a:p>
+          <a:p>
+            <a:pPr marL="0" indent="0">
+              <a:buNone/>
             </a:pPr>
             <a:r>
-              <a:rPr lang="en-GB" b="0" i="0" dirty="0">
-                <a:solidFill>
-                  <a:srgbClr val="363737"/>
-                </a:solidFill>
-                <a:effectLst/>
-                <a:latin typeface="Spectral"/>
-              </a:rPr>
-              <a:t>User Experience Design: “research and ideation, journey design, content and assets, and quality assurance.”</a:t>
-            </a:r>
-          </a:p>
-          <a:p>
-            <a:pPr algn="l">
-              <a:buFont typeface="Arial" panose="020B0604020202020204" pitchFamily="34" charset="0"/>
-              <a:buChar char="•"/>
+              <a:rPr lang="en-GB" dirty="0"/>
+              <a:t> </a:t>
+            </a:r>
+            <a:r>
+              <a:rPr lang="en-GB" dirty="0">
+                <a:hlinkClick r:id="rId3"/>
+              </a:rPr>
+              <a:t>https://www.w3.org/blog/2023/introducing-web-sustainability-guidelines/</a:t>
+            </a:r>
+            <a:endParaRPr lang="en-GB" dirty="0"/>
+          </a:p>
+          <a:p>
+            <a:pPr marL="0" indent="0">
+              <a:buNone/>
             </a:pPr>
-            <a:r>
-              <a:rPr lang="en-GB" b="0" i="0" dirty="0">
-                <a:solidFill>
-                  <a:srgbClr val="363737"/>
-                </a:solidFill>
-                <a:effectLst/>
-                <a:latin typeface="Spectral"/>
-              </a:rPr>
-              <a:t>Web Development: “development approach, code minimization, code coherence, and code security.”</a:t>
-            </a:r>
-          </a:p>
-          <a:p>
-            <a:pPr algn="l">
-              <a:buFont typeface="Arial" panose="020B0604020202020204" pitchFamily="34" charset="0"/>
-              <a:buChar char="•"/>
+            <a:endParaRPr lang="en-GB" dirty="0"/>
+          </a:p>
+          <a:p>
+            <a:pPr marL="0" indent="0">
+              <a:buNone/>
             </a:pPr>
-            <a:r>
-              <a:rPr lang="en-GB" b="0" i="0" dirty="0">
-                <a:solidFill>
-                  <a:srgbClr val="363737"/>
-                </a:solidFill>
-                <a:effectLst/>
-                <a:latin typeface="Spectral"/>
-              </a:rPr>
-              <a:t>Hosting / infrastructure: “environment commissioning, minimizing environment and data, and minimizing human disruption.”</a:t>
-            </a:r>
-          </a:p>
-          <a:p>
-            <a:pPr algn="l">
-              <a:buFont typeface="Arial" panose="020B0604020202020204" pitchFamily="34" charset="0"/>
-              <a:buChar char="•"/>
-            </a:pPr>
-            <a:r>
-              <a:rPr lang="en-GB" b="0" i="0" dirty="0">
-                <a:solidFill>
-                  <a:srgbClr val="363737"/>
-                </a:solidFill>
-                <a:effectLst/>
-                <a:latin typeface="Spectral"/>
-              </a:rPr>
-              <a:t>Business strategy / Product management: “reporting, disclosure, strategy, and policies from both an organizational and website / product level.”</a:t>
-            </a:r>
-          </a:p>
-          <a:p>
-            <a:endParaRPr lang="en-DK" dirty="0"/>
+            <a:endParaRPr lang="en-GB" dirty="0"/>
+          </a:p>
+          <a:p>
+            <a:endParaRPr lang="en-GB" dirty="0"/>
+          </a:p>
+          <a:p>
+            <a:endParaRPr dirty="0"/>
           </a:p>
         </p:txBody>
       </p:sp>
     </p:spTree>
-    <p:extLst>
-      <p:ext uri="{BB962C8B-B14F-4D97-AF65-F5344CB8AC3E}">
-        <p14:creationId xmlns:p14="http://schemas.microsoft.com/office/powerpoint/2010/main" val="1050528676"/>
-      </p:ext>
-    </p:extLst>
   </p:cSld>
   <p:clrMapOvr>
     <a:masterClrMapping/>
@@ -9387,7 +9625,7 @@
           <p:cNvPr id="2" name="Title 1">
             <a:extLst>
               <a:ext uri="{FF2B5EF4-FFF2-40B4-BE49-F238E27FC236}">
-                <a16:creationId xmlns:a16="http://schemas.microsoft.com/office/drawing/2014/main" id="{FCE14B95-C52A-5FA5-6A22-784C9427B708}"/>
+                <a16:creationId xmlns:a16="http://schemas.microsoft.com/office/drawing/2014/main" id="{4E7DA266-7CC6-D0EA-8EAA-FAD9946F8451}"/>
               </a:ext>
             </a:extLst>
           </p:cNvPr>
@@ -9407,7 +9645,7 @@
               <a:rPr lang="en-DK" dirty="0">
                 <a:latin typeface="Raleway" pitchFamily="2" charset="77"/>
               </a:rPr>
-              <a:t>WSG og WCAG</a:t>
+              <a:t>WSG</a:t>
             </a:r>
           </a:p>
         </p:txBody>
@@ -9417,7 +9655,7 @@
           <p:cNvPr id="3" name="Content Placeholder 2">
             <a:extLst>
               <a:ext uri="{FF2B5EF4-FFF2-40B4-BE49-F238E27FC236}">
-                <a16:creationId xmlns:a16="http://schemas.microsoft.com/office/drawing/2014/main" id="{7524658F-C131-5D66-031F-99B0963613F2}"/>
+                <a16:creationId xmlns:a16="http://schemas.microsoft.com/office/drawing/2014/main" id="{05BF8D4A-903F-6BA9-FBBC-2F17F3EEE1B8}"/>
               </a:ext>
             </a:extLst>
           </p:cNvPr>
@@ -9430,208 +9668,90 @@
         </p:nvSpPr>
         <p:spPr/>
         <p:txBody>
-          <a:bodyPr/>
+          <a:bodyPr>
+            <a:normAutofit fontScale="92500" lnSpcReduction="20000"/>
+          </a:bodyPr>
           <a:lstStyle/>
           <a:p>
-            <a:pPr marL="0" indent="0">
+            <a:pPr marL="0" indent="0" algn="l">
               <a:buNone/>
             </a:pPr>
             <a:r>
-              <a:rPr lang="en-GB" dirty="0"/>
-              <a:t> </a:t>
-            </a:r>
-            <a:r>
-              <a:rPr lang="en-GB" b="1" dirty="0"/>
-              <a:t>WCAG</a:t>
-            </a:r>
-            <a:r>
-              <a:rPr lang="en-GB" dirty="0"/>
-              <a:t>: Et formelt </a:t>
-            </a:r>
-            <a:r>
-              <a:rPr lang="en-GB" dirty="0" err="1"/>
-              <a:t>sæt</a:t>
-            </a:r>
-            <a:r>
-              <a:rPr lang="en-GB" dirty="0"/>
-              <a:t> </a:t>
-            </a:r>
-            <a:r>
-              <a:rPr lang="en-GB" dirty="0" err="1"/>
-              <a:t>af</a:t>
-            </a:r>
-            <a:r>
-              <a:rPr lang="en-GB" dirty="0"/>
-              <a:t> </a:t>
-            </a:r>
-            <a:r>
-              <a:rPr lang="en-GB" b="1" dirty="0" err="1"/>
-              <a:t>tekniske</a:t>
-            </a:r>
-            <a:r>
-              <a:rPr lang="en-GB" b="1" dirty="0"/>
-              <a:t> </a:t>
-            </a:r>
-            <a:r>
-              <a:rPr lang="en-GB" b="1" dirty="0" err="1"/>
-              <a:t>standarder</a:t>
-            </a:r>
-            <a:r>
-              <a:rPr lang="en-GB" dirty="0"/>
-              <a:t>, </a:t>
-            </a:r>
-            <a:r>
-              <a:rPr lang="en-GB" dirty="0" err="1"/>
-              <a:t>som</a:t>
-            </a:r>
-            <a:r>
-              <a:rPr lang="en-GB" dirty="0"/>
-              <a:t> </a:t>
-            </a:r>
-            <a:r>
-              <a:rPr lang="en-GB" dirty="0" err="1"/>
-              <a:t>webudviklere</a:t>
-            </a:r>
-            <a:r>
-              <a:rPr lang="en-GB" dirty="0"/>
-              <a:t> </a:t>
-            </a:r>
-            <a:r>
-              <a:rPr lang="en-GB" dirty="0" err="1"/>
-              <a:t>og</a:t>
-            </a:r>
-            <a:r>
-              <a:rPr lang="en-GB" dirty="0"/>
-              <a:t> </a:t>
-            </a:r>
-            <a:r>
-              <a:rPr lang="en-GB" dirty="0" err="1"/>
-              <a:t>designere</a:t>
-            </a:r>
-            <a:r>
-              <a:rPr lang="en-GB" dirty="0"/>
-              <a:t> </a:t>
-            </a:r>
-            <a:r>
-              <a:rPr lang="en-GB" b="1" dirty="0" err="1"/>
-              <a:t>skal</a:t>
-            </a:r>
-            <a:r>
-              <a:rPr lang="en-GB" dirty="0"/>
-              <a:t> </a:t>
-            </a:r>
-            <a:r>
-              <a:rPr lang="en-GB" dirty="0" err="1"/>
-              <a:t>følge</a:t>
-            </a:r>
-            <a:r>
-              <a:rPr lang="en-GB" dirty="0"/>
-              <a:t> for at </a:t>
-            </a:r>
-            <a:r>
-              <a:rPr lang="en-GB" dirty="0" err="1"/>
-              <a:t>skabe</a:t>
-            </a:r>
-            <a:r>
-              <a:rPr lang="en-GB" dirty="0"/>
-              <a:t> </a:t>
-            </a:r>
-            <a:r>
-              <a:rPr lang="en-GB" b="1" dirty="0" err="1"/>
-              <a:t>tilgængelige</a:t>
-            </a:r>
-            <a:r>
-              <a:rPr lang="en-GB" b="1" dirty="0"/>
-              <a:t> </a:t>
-            </a:r>
-            <a:r>
-              <a:rPr lang="en-GB" b="1" dirty="0" err="1"/>
-              <a:t>hjemmesider</a:t>
-            </a:r>
-            <a:r>
-              <a:rPr lang="en-GB" dirty="0"/>
-              <a:t>.</a:t>
-            </a:r>
-          </a:p>
-          <a:p>
-            <a:pPr marL="0" indent="0">
-              <a:buNone/>
+              <a:rPr lang="en-GB" b="0" i="0" dirty="0">
+                <a:solidFill>
+                  <a:srgbClr val="363737"/>
+                </a:solidFill>
+                <a:effectLst/>
+                <a:latin typeface="Spectral"/>
+              </a:rPr>
+              <a:t>4 big pieces:</a:t>
+            </a:r>
+          </a:p>
+          <a:p>
+            <a:pPr algn="l">
+              <a:buFont typeface="Arial" panose="020B0604020202020204" pitchFamily="34" charset="0"/>
+              <a:buChar char="•"/>
             </a:pPr>
-            <a:endParaRPr lang="en-DK" dirty="0"/>
-          </a:p>
-          <a:p>
-            <a:pPr marL="0" indent="0">
-              <a:buNone/>
+            <a:r>
+              <a:rPr lang="en-GB" b="0" i="0" dirty="0">
+                <a:solidFill>
+                  <a:srgbClr val="363737"/>
+                </a:solidFill>
+                <a:effectLst/>
+                <a:latin typeface="Spectral"/>
+              </a:rPr>
+              <a:t>User Experience Design: “research and ideation, journey design, content and assets, and quality assurance.”</a:t>
+            </a:r>
+          </a:p>
+          <a:p>
+            <a:pPr algn="l">
+              <a:buFont typeface="Arial" panose="020B0604020202020204" pitchFamily="34" charset="0"/>
+              <a:buChar char="•"/>
             </a:pPr>
             <a:r>
-              <a:rPr lang="en-GB" b="1" dirty="0"/>
-              <a:t>WSG</a:t>
-            </a:r>
-            <a:r>
-              <a:rPr lang="en-GB" dirty="0"/>
-              <a:t>: </a:t>
-            </a:r>
-            <a:r>
-              <a:rPr lang="en-GB" dirty="0" err="1"/>
-              <a:t>Fremmer</a:t>
-            </a:r>
-            <a:r>
-              <a:rPr lang="en-GB" dirty="0"/>
-              <a:t> </a:t>
-            </a:r>
-            <a:r>
-              <a:rPr lang="en-GB" b="1" dirty="0" err="1"/>
-              <a:t>bedste</a:t>
-            </a:r>
-            <a:r>
-              <a:rPr lang="en-GB" b="1" dirty="0"/>
-              <a:t> </a:t>
-            </a:r>
-            <a:r>
-              <a:rPr lang="en-GB" b="1" dirty="0" err="1"/>
-              <a:t>praksis</a:t>
-            </a:r>
-            <a:r>
-              <a:rPr lang="en-GB" dirty="0"/>
-              <a:t>, men </a:t>
-            </a:r>
-            <a:r>
-              <a:rPr lang="en-GB" dirty="0" err="1"/>
-              <a:t>har</a:t>
-            </a:r>
-            <a:r>
-              <a:rPr lang="en-GB" dirty="0"/>
-              <a:t> </a:t>
-            </a:r>
-            <a:r>
-              <a:rPr lang="en-GB" dirty="0" err="1"/>
-              <a:t>ikke</a:t>
-            </a:r>
-            <a:r>
-              <a:rPr lang="en-GB" dirty="0"/>
-              <a:t> </a:t>
-            </a:r>
-            <a:r>
-              <a:rPr lang="en-GB" b="1" dirty="0" err="1"/>
-              <a:t>håndhævelige</a:t>
-            </a:r>
-            <a:r>
-              <a:rPr lang="en-GB" b="1" dirty="0"/>
-              <a:t> </a:t>
-            </a:r>
-            <a:r>
-              <a:rPr lang="en-GB" b="1" dirty="0" err="1"/>
-              <a:t>retningslinjer</a:t>
-            </a:r>
-            <a:r>
-              <a:rPr lang="en-GB" dirty="0"/>
-              <a:t>.</a:t>
-            </a:r>
-          </a:p>
-          <a:p>
-            <a:pPr marL="0" indent="0">
-              <a:buNone/>
+              <a:rPr lang="en-GB" b="0" i="0" dirty="0">
+                <a:solidFill>
+                  <a:srgbClr val="363737"/>
+                </a:solidFill>
+                <a:effectLst/>
+                <a:latin typeface="Spectral"/>
+              </a:rPr>
+              <a:t>Web Development: “development approach, code minimization, code coherence, and code security.”</a:t>
+            </a:r>
+          </a:p>
+          <a:p>
+            <a:pPr algn="l">
+              <a:buFont typeface="Arial" panose="020B0604020202020204" pitchFamily="34" charset="0"/>
+              <a:buChar char="•"/>
             </a:pPr>
+            <a:r>
+              <a:rPr lang="en-GB" b="0" i="0" dirty="0">
+                <a:solidFill>
+                  <a:srgbClr val="363737"/>
+                </a:solidFill>
+                <a:effectLst/>
+                <a:latin typeface="Spectral"/>
+              </a:rPr>
+              <a:t>Hosting / infrastructure: “environment commissioning, minimizing environment and data, and minimizing human disruption.”</a:t>
+            </a:r>
+          </a:p>
+          <a:p>
+            <a:pPr algn="l">
+              <a:buFont typeface="Arial" panose="020B0604020202020204" pitchFamily="34" charset="0"/>
+              <a:buChar char="•"/>
+            </a:pPr>
+            <a:r>
+              <a:rPr lang="en-GB" b="0" i="0" dirty="0">
+                <a:solidFill>
+                  <a:srgbClr val="363737"/>
+                </a:solidFill>
+                <a:effectLst/>
+                <a:latin typeface="Spectral"/>
+              </a:rPr>
+              <a:t>Business strategy / Product management: “reporting, disclosure, strategy, and policies from both an organizational and website / product level.”</a:t>
+            </a:r>
+          </a:p>
+          <a:p>
             <a:endParaRPr lang="en-DK" dirty="0"/>
           </a:p>
         </p:txBody>
@@ -9639,7 +9759,7 @@
     </p:spTree>
     <p:extLst>
       <p:ext uri="{BB962C8B-B14F-4D97-AF65-F5344CB8AC3E}">
-        <p14:creationId xmlns:p14="http://schemas.microsoft.com/office/powerpoint/2010/main" val="1047881982"/>
+        <p14:creationId xmlns:p14="http://schemas.microsoft.com/office/powerpoint/2010/main" val="1050528676"/>
       </p:ext>
     </p:extLst>
   </p:cSld>
@@ -10066,7 +10186,7 @@
           <p:cNvPr id="2" name="Title 1">
             <a:extLst>
               <a:ext uri="{FF2B5EF4-FFF2-40B4-BE49-F238E27FC236}">
-                <a16:creationId xmlns:a16="http://schemas.microsoft.com/office/drawing/2014/main" id="{993A53BC-ACBE-AA8C-4735-011F5D40F7CF}"/>
+                <a16:creationId xmlns:a16="http://schemas.microsoft.com/office/drawing/2014/main" id="{FCE14B95-C52A-5FA5-6A22-784C9427B708}"/>
               </a:ext>
             </a:extLst>
           </p:cNvPr>
@@ -10077,90 +10197,17 @@
             <p:ph type="title"/>
           </p:nvPr>
         </p:nvSpPr>
-        <p:spPr>
-          <a:xfrm>
-            <a:off x="609600" y="731836"/>
-            <a:ext cx="10972800" cy="1143000"/>
-          </a:xfrm>
-        </p:spPr>
-        <p:txBody>
-          <a:bodyPr>
-            <a:normAutofit fontScale="90000"/>
-          </a:bodyPr>
+        <p:spPr/>
+        <p:txBody>
+          <a:bodyPr/>
           <a:lstStyle/>
           <a:p>
             <a:r>
-              <a:rPr lang="en-GB" i="0" dirty="0" err="1">
-                <a:effectLst/>
-                <a:latin typeface="Raleway" pitchFamily="2" charset="77"/>
-              </a:rPr>
-              <a:t>Øvelse</a:t>
-            </a:r>
-            <a:r>
-              <a:rPr lang="en-GB" i="0" dirty="0">
-                <a:effectLst/>
-                <a:latin typeface="Raleway" pitchFamily="2" charset="77"/>
-              </a:rPr>
-              <a:t>: </a:t>
-            </a:r>
-            <a:r>
-              <a:rPr lang="en-GB" i="0" dirty="0" err="1">
-                <a:effectLst/>
-                <a:latin typeface="Raleway" pitchFamily="2" charset="77"/>
-              </a:rPr>
-              <a:t>Udforskning</a:t>
-            </a:r>
-            <a:r>
-              <a:rPr lang="en-GB" i="0" dirty="0">
-                <a:effectLst/>
-                <a:latin typeface="Raleway" pitchFamily="2" charset="77"/>
-              </a:rPr>
-              <a:t> </a:t>
-            </a:r>
-            <a:r>
-              <a:rPr lang="en-GB" i="0" dirty="0" err="1">
-                <a:effectLst/>
-                <a:latin typeface="Raleway" pitchFamily="2" charset="77"/>
-              </a:rPr>
-              <a:t>af</a:t>
-            </a:r>
-            <a:r>
-              <a:rPr lang="en-GB" i="0" dirty="0">
-                <a:effectLst/>
-                <a:latin typeface="Raleway" pitchFamily="2" charset="77"/>
-              </a:rPr>
-              <a:t> </a:t>
-            </a:r>
-            <a:r>
-              <a:rPr lang="en-GB" i="0" dirty="0" err="1">
-                <a:effectLst/>
-                <a:latin typeface="Raleway" pitchFamily="2" charset="77"/>
-              </a:rPr>
-              <a:t>bæredygtigt</a:t>
-            </a:r>
-            <a:r>
-              <a:rPr lang="en-GB" i="0" dirty="0">
-                <a:effectLst/>
-                <a:latin typeface="Raleway" pitchFamily="2" charset="77"/>
-              </a:rPr>
-              <a:t> </a:t>
-            </a:r>
-            <a:r>
-              <a:rPr lang="en-GB" i="0" dirty="0" err="1">
-                <a:effectLst/>
-                <a:latin typeface="Raleway" pitchFamily="2" charset="77"/>
-              </a:rPr>
-              <a:t>webdesign</a:t>
-            </a:r>
-            <a:br>
-              <a:rPr lang="en-GB" i="0" dirty="0">
-                <a:effectLst/>
-                <a:latin typeface="Raleway" pitchFamily="2" charset="77"/>
-              </a:rPr>
-            </a:br>
-            <a:endParaRPr lang="en-DK" dirty="0">
-              <a:latin typeface="Raleway" pitchFamily="2" charset="77"/>
-            </a:endParaRPr>
+              <a:rPr lang="en-DK" dirty="0">
+                <a:latin typeface="Raleway" pitchFamily="2" charset="77"/>
+              </a:rPr>
+              <a:t>WSG og WCAG</a:t>
+            </a:r>
           </a:p>
         </p:txBody>
       </p:sp>
@@ -10169,7 +10216,7 @@
           <p:cNvPr id="3" name="Content Placeholder 2">
             <a:extLst>
               <a:ext uri="{FF2B5EF4-FFF2-40B4-BE49-F238E27FC236}">
-                <a16:creationId xmlns:a16="http://schemas.microsoft.com/office/drawing/2014/main" id="{9010F581-A40E-93AA-8449-786CA2F0C9D0}"/>
+                <a16:creationId xmlns:a16="http://schemas.microsoft.com/office/drawing/2014/main" id="{7524658F-C131-5D66-031F-99B0963613F2}"/>
               </a:ext>
             </a:extLst>
           </p:cNvPr>
@@ -10185,510 +10232,205 @@
           <a:bodyPr/>
           <a:lstStyle/>
           <a:p>
-            <a:pPr algn="l">
-              <a:spcBef>
-                <a:spcPts val="600"/>
-              </a:spcBef>
-              <a:buFont typeface="+mj-lt"/>
-              <a:buAutoNum type="arabicPeriod"/>
+            <a:pPr marL="0" indent="0">
+              <a:buNone/>
             </a:pPr>
-            <a:endParaRPr lang="en-GB" sz="2800" b="1" i="0" dirty="0">
-              <a:effectLst/>
-              <a:latin typeface="Calibri" panose="020F0502020204030204" pitchFamily="34" charset="0"/>
-              <a:cs typeface="Calibri" panose="020F0502020204030204" pitchFamily="34" charset="0"/>
-            </a:endParaRPr>
-          </a:p>
-          <a:p>
-            <a:pPr algn="l">
-              <a:spcBef>
-                <a:spcPts val="600"/>
-              </a:spcBef>
-              <a:buFont typeface="+mj-lt"/>
-              <a:buAutoNum type="arabicPeriod"/>
+            <a:r>
+              <a:rPr lang="en-GB" dirty="0"/>
+              <a:t> </a:t>
+            </a:r>
+            <a:r>
+              <a:rPr lang="en-GB" b="1" dirty="0"/>
+              <a:t>WCAG</a:t>
+            </a:r>
+            <a:r>
+              <a:rPr lang="en-GB" dirty="0"/>
+              <a:t>: Et formelt </a:t>
+            </a:r>
+            <a:r>
+              <a:rPr lang="en-GB" dirty="0" err="1"/>
+              <a:t>sæt</a:t>
+            </a:r>
+            <a:r>
+              <a:rPr lang="en-GB" dirty="0"/>
+              <a:t> </a:t>
+            </a:r>
+            <a:r>
+              <a:rPr lang="en-GB" dirty="0" err="1"/>
+              <a:t>af</a:t>
+            </a:r>
+            <a:r>
+              <a:rPr lang="en-GB" dirty="0"/>
+              <a:t> </a:t>
+            </a:r>
+            <a:r>
+              <a:rPr lang="en-GB" b="1" dirty="0" err="1"/>
+              <a:t>tekniske</a:t>
+            </a:r>
+            <a:r>
+              <a:rPr lang="en-GB" b="1" dirty="0"/>
+              <a:t> </a:t>
+            </a:r>
+            <a:r>
+              <a:rPr lang="en-GB" b="1" dirty="0" err="1"/>
+              <a:t>standarder</a:t>
+            </a:r>
+            <a:r>
+              <a:rPr lang="en-GB" dirty="0"/>
+              <a:t>, </a:t>
+            </a:r>
+            <a:r>
+              <a:rPr lang="en-GB" dirty="0" err="1"/>
+              <a:t>som</a:t>
+            </a:r>
+            <a:r>
+              <a:rPr lang="en-GB" dirty="0"/>
+              <a:t> </a:t>
+            </a:r>
+            <a:r>
+              <a:rPr lang="en-GB" dirty="0" err="1"/>
+              <a:t>webudviklere</a:t>
+            </a:r>
+            <a:r>
+              <a:rPr lang="en-GB" dirty="0"/>
+              <a:t> </a:t>
+            </a:r>
+            <a:r>
+              <a:rPr lang="en-GB" dirty="0" err="1"/>
+              <a:t>og</a:t>
+            </a:r>
+            <a:r>
+              <a:rPr lang="en-GB" dirty="0"/>
+              <a:t> </a:t>
+            </a:r>
+            <a:r>
+              <a:rPr lang="en-GB" dirty="0" err="1"/>
+              <a:t>designere</a:t>
+            </a:r>
+            <a:r>
+              <a:rPr lang="en-GB" dirty="0"/>
+              <a:t> </a:t>
+            </a:r>
+            <a:r>
+              <a:rPr lang="en-GB" b="1" dirty="0" err="1"/>
+              <a:t>skal</a:t>
+            </a:r>
+            <a:r>
+              <a:rPr lang="en-GB" dirty="0"/>
+              <a:t> </a:t>
+            </a:r>
+            <a:r>
+              <a:rPr lang="en-GB" dirty="0" err="1"/>
+              <a:t>følge</a:t>
+            </a:r>
+            <a:r>
+              <a:rPr lang="en-GB" dirty="0"/>
+              <a:t> for at </a:t>
+            </a:r>
+            <a:r>
+              <a:rPr lang="en-GB" dirty="0" err="1"/>
+              <a:t>skabe</a:t>
+            </a:r>
+            <a:r>
+              <a:rPr lang="en-GB" dirty="0"/>
+              <a:t> </a:t>
+            </a:r>
+            <a:r>
+              <a:rPr lang="en-GB" b="1" dirty="0" err="1"/>
+              <a:t>tilgængelige</a:t>
+            </a:r>
+            <a:r>
+              <a:rPr lang="en-GB" b="1" dirty="0"/>
+              <a:t> </a:t>
+            </a:r>
+            <a:r>
+              <a:rPr lang="en-GB" b="1" dirty="0" err="1"/>
+              <a:t>hjemmesider</a:t>
+            </a:r>
+            <a:r>
+              <a:rPr lang="en-GB" dirty="0"/>
+              <a:t>.</a:t>
+            </a:r>
+          </a:p>
+          <a:p>
+            <a:pPr marL="0" indent="0">
+              <a:buNone/>
             </a:pPr>
-            <a:r>
-              <a:rPr lang="en-GB" sz="2800" b="1" dirty="0" err="1">
-                <a:latin typeface="Calibri" panose="020F0502020204030204" pitchFamily="34" charset="0"/>
-                <a:cs typeface="Calibri" panose="020F0502020204030204" pitchFamily="34" charset="0"/>
-              </a:rPr>
-              <a:t>Arbejde</a:t>
-            </a:r>
-            <a:r>
-              <a:rPr lang="en-GB" sz="2800" b="1" dirty="0">
-                <a:latin typeface="Calibri" panose="020F0502020204030204" pitchFamily="34" charset="0"/>
-                <a:cs typeface="Calibri" panose="020F0502020204030204" pitchFamily="34" charset="0"/>
-              </a:rPr>
-              <a:t> I </a:t>
-            </a:r>
-            <a:r>
-              <a:rPr lang="en-GB" sz="2800" b="1" dirty="0" err="1">
-                <a:latin typeface="Calibri" panose="020F0502020204030204" pitchFamily="34" charset="0"/>
-                <a:cs typeface="Calibri" panose="020F0502020204030204" pitchFamily="34" charset="0"/>
-              </a:rPr>
-              <a:t>Grupper</a:t>
-            </a:r>
-            <a:r>
-              <a:rPr lang="en-GB" sz="2800" b="1" dirty="0">
-                <a:latin typeface="Calibri" panose="020F0502020204030204" pitchFamily="34" charset="0"/>
-                <a:cs typeface="Calibri" panose="020F0502020204030204" pitchFamily="34" charset="0"/>
-              </a:rPr>
-              <a:t>, </a:t>
-            </a:r>
-            <a:r>
-              <a:rPr lang="en-GB" sz="2800" b="1" dirty="0" err="1">
-                <a:latin typeface="Calibri" panose="020F0502020204030204" pitchFamily="34" charset="0"/>
-                <a:cs typeface="Calibri" panose="020F0502020204030204" pitchFamily="34" charset="0"/>
-              </a:rPr>
-              <a:t>B</a:t>
-            </a:r>
-            <a:r>
-              <a:rPr lang="en-GB" sz="2800" b="1" i="0" dirty="0" err="1">
-                <a:effectLst/>
-                <a:latin typeface="Calibri" panose="020F0502020204030204" pitchFamily="34" charset="0"/>
-                <a:cs typeface="Calibri" panose="020F0502020204030204" pitchFamily="34" charset="0"/>
-              </a:rPr>
-              <a:t>esøg</a:t>
-            </a:r>
-            <a:r>
-              <a:rPr lang="en-GB" sz="2800" b="0" i="0" dirty="0">
-                <a:effectLst/>
-                <a:latin typeface="Calibri" panose="020F0502020204030204" pitchFamily="34" charset="0"/>
-                <a:cs typeface="Calibri" panose="020F0502020204030204" pitchFamily="34" charset="0"/>
-              </a:rPr>
-              <a:t> </a:t>
-            </a:r>
-            <a:r>
-              <a:rPr lang="en-GB" sz="2800" b="0" i="0" u="none" strike="noStrike" dirty="0">
-                <a:effectLst/>
-                <a:latin typeface="Calibri" panose="020F0502020204030204" pitchFamily="34" charset="0"/>
-                <a:cs typeface="Calibri" panose="020F0502020204030204" pitchFamily="34" charset="0"/>
-                <a:hlinkClick r:id="rId2">
-                  <a:extLst>
-                    <a:ext uri="{A12FA001-AC4F-418D-AE19-62706E023703}">
-                      <ahyp:hlinkClr xmlns:ahyp="http://schemas.microsoft.com/office/drawing/2018/hyperlinkcolor" val="tx"/>
-                    </a:ext>
-                  </a:extLst>
-                </a:hlinkClick>
-              </a:rPr>
-              <a:t>Web Sustainability Guidelines (WSG) 1.0</a:t>
-            </a:r>
-            <a:r>
-              <a:rPr lang="en-GB" sz="2800" b="0" i="0" dirty="0">
-                <a:effectLst/>
-                <a:latin typeface="Calibri" panose="020F0502020204030204" pitchFamily="34" charset="0"/>
-                <a:cs typeface="Calibri" panose="020F0502020204030204" pitchFamily="34" charset="0"/>
-              </a:rPr>
+            <a:endParaRPr lang="en-DK" dirty="0"/>
+          </a:p>
+          <a:p>
+            <a:pPr marL="0" indent="0">
+              <a:buNone/>
+            </a:pPr>
+            <a:r>
+              <a:rPr lang="en-GB" b="1" dirty="0"/>
+              <a:t>WSG</a:t>
+            </a:r>
+            <a:r>
+              <a:rPr lang="en-GB" dirty="0"/>
+              <a:t>: </a:t>
+            </a:r>
+            <a:r>
+              <a:rPr lang="en-GB" dirty="0" err="1"/>
+              <a:t>Fremmer</a:t>
+            </a:r>
+            <a:r>
+              <a:rPr lang="en-GB" dirty="0"/>
+              <a:t> </a:t>
+            </a:r>
+            <a:r>
+              <a:rPr lang="en-GB" b="1" dirty="0" err="1"/>
+              <a:t>bedste</a:t>
+            </a:r>
+            <a:r>
+              <a:rPr lang="en-GB" b="1" dirty="0"/>
+              <a:t> </a:t>
+            </a:r>
+            <a:r>
+              <a:rPr lang="en-GB" b="1" dirty="0" err="1"/>
+              <a:t>praksis</a:t>
+            </a:r>
+            <a:r>
+              <a:rPr lang="en-GB" dirty="0"/>
+              <a:t>, men </a:t>
+            </a:r>
+            <a:r>
+              <a:rPr lang="en-GB" dirty="0" err="1"/>
+              <a:t>har</a:t>
+            </a:r>
+            <a:r>
+              <a:rPr lang="en-GB" dirty="0"/>
+              <a:t> </a:t>
+            </a:r>
+            <a:r>
+              <a:rPr lang="en-GB" dirty="0" err="1"/>
+              <a:t>ikke</a:t>
+            </a:r>
+            <a:r>
+              <a:rPr lang="en-GB" dirty="0"/>
+              <a:t> </a:t>
+            </a:r>
+            <a:r>
+              <a:rPr lang="en-GB" b="1" dirty="0" err="1"/>
+              <a:t>håndhævelige</a:t>
+            </a:r>
+            <a:r>
+              <a:rPr lang="en-GB" b="1" dirty="0"/>
+              <a:t> </a:t>
+            </a:r>
+            <a:r>
+              <a:rPr lang="en-GB" b="1" dirty="0" err="1"/>
+              <a:t>retningslinjer</a:t>
+            </a:r>
+            <a:r>
+              <a:rPr lang="en-GB" dirty="0"/>
               <a:t>.</a:t>
             </a:r>
           </a:p>
           <a:p>
-            <a:pPr algn="l">
-              <a:spcBef>
-                <a:spcPts val="600"/>
-              </a:spcBef>
-              <a:buFont typeface="+mj-lt"/>
-              <a:buAutoNum type="arabicPeriod"/>
+            <a:pPr marL="0" indent="0">
+              <a:buNone/>
             </a:pPr>
-            <a:r>
-              <a:rPr lang="en-GB" sz="2800" b="1" i="0" dirty="0">
-                <a:effectLst/>
-                <a:latin typeface="Calibri" panose="020F0502020204030204" pitchFamily="34" charset="0"/>
-                <a:cs typeface="Calibri" panose="020F0502020204030204" pitchFamily="34" charset="0"/>
-              </a:rPr>
-              <a:t>Find 2 UX-</a:t>
-            </a:r>
-            <a:r>
-              <a:rPr lang="en-GB" sz="2800" b="1" i="0" dirty="0" err="1">
-                <a:effectLst/>
-                <a:latin typeface="Calibri" panose="020F0502020204030204" pitchFamily="34" charset="0"/>
-                <a:cs typeface="Calibri" panose="020F0502020204030204" pitchFamily="34" charset="0"/>
-              </a:rPr>
-              <a:t>eksempler</a:t>
-            </a:r>
-            <a:r>
-              <a:rPr lang="en-GB" sz="2800" b="1" i="0" dirty="0">
-                <a:effectLst/>
-                <a:latin typeface="Calibri" panose="020F0502020204030204" pitchFamily="34" charset="0"/>
-                <a:cs typeface="Calibri" panose="020F0502020204030204" pitchFamily="34" charset="0"/>
-              </a:rPr>
-              <a:t>:</a:t>
-            </a:r>
-            <a:r>
-              <a:rPr lang="en-GB" sz="2800" b="0" i="0" dirty="0">
-                <a:effectLst/>
-                <a:latin typeface="Calibri" panose="020F0502020204030204" pitchFamily="34" charset="0"/>
-                <a:cs typeface="Calibri" panose="020F0502020204030204" pitchFamily="34" charset="0"/>
-              </a:rPr>
-              <a:t> </a:t>
-            </a:r>
-            <a:r>
-              <a:rPr lang="en-GB" sz="2800" b="0" i="0" dirty="0" err="1">
-                <a:effectLst/>
-                <a:latin typeface="Calibri" panose="020F0502020204030204" pitchFamily="34" charset="0"/>
-                <a:cs typeface="Calibri" panose="020F0502020204030204" pitchFamily="34" charset="0"/>
-              </a:rPr>
-              <a:t>Tilgængelighed</a:t>
-            </a:r>
-            <a:r>
-              <a:rPr lang="en-GB" sz="2800" b="0" i="0" dirty="0">
-                <a:effectLst/>
-                <a:latin typeface="Calibri" panose="020F0502020204030204" pitchFamily="34" charset="0"/>
-                <a:cs typeface="Calibri" panose="020F0502020204030204" pitchFamily="34" charset="0"/>
-              </a:rPr>
-              <a:t>, </a:t>
-            </a:r>
-            <a:r>
-              <a:rPr lang="en-GB" sz="2800" b="0" i="0" dirty="0" err="1">
-                <a:effectLst/>
-                <a:latin typeface="Calibri" panose="020F0502020204030204" pitchFamily="34" charset="0"/>
-                <a:cs typeface="Calibri" panose="020F0502020204030204" pitchFamily="34" charset="0"/>
-              </a:rPr>
-              <a:t>ydeevne</a:t>
-            </a:r>
-            <a:r>
-              <a:rPr lang="en-GB" sz="2800" b="0" i="0" dirty="0">
-                <a:effectLst/>
-                <a:latin typeface="Calibri" panose="020F0502020204030204" pitchFamily="34" charset="0"/>
-                <a:cs typeface="Calibri" panose="020F0502020204030204" pitchFamily="34" charset="0"/>
-              </a:rPr>
-              <a:t>, </a:t>
-            </a:r>
-            <a:r>
-              <a:rPr lang="en-GB" sz="2800" b="0" i="0" dirty="0" err="1">
-                <a:effectLst/>
-                <a:latin typeface="Calibri" panose="020F0502020204030204" pitchFamily="34" charset="0"/>
-                <a:cs typeface="Calibri" panose="020F0502020204030204" pitchFamily="34" charset="0"/>
-              </a:rPr>
-              <a:t>brugervenlighed</a:t>
-            </a:r>
-            <a:r>
-              <a:rPr lang="en-GB" sz="2800" b="0" i="0" dirty="0">
-                <a:effectLst/>
-                <a:latin typeface="Calibri" panose="020F0502020204030204" pitchFamily="34" charset="0"/>
-                <a:cs typeface="Calibri" panose="020F0502020204030204" pitchFamily="34" charset="0"/>
-              </a:rPr>
-              <a:t>.</a:t>
-            </a:r>
-          </a:p>
-          <a:p>
-            <a:pPr algn="l">
-              <a:spcBef>
-                <a:spcPts val="600"/>
-              </a:spcBef>
-              <a:buFont typeface="+mj-lt"/>
-              <a:buAutoNum type="arabicPeriod"/>
-            </a:pPr>
-            <a:r>
-              <a:rPr lang="en-GB" sz="2800" b="1" i="0" dirty="0">
-                <a:effectLst/>
-                <a:latin typeface="Calibri" panose="020F0502020204030204" pitchFamily="34" charset="0"/>
-                <a:cs typeface="Calibri" panose="020F0502020204030204" pitchFamily="34" charset="0"/>
-              </a:rPr>
-              <a:t>Find 2 </a:t>
-            </a:r>
-            <a:r>
-              <a:rPr lang="en-GB" sz="2800" b="1" i="0" dirty="0" err="1">
-                <a:effectLst/>
-                <a:latin typeface="Calibri" panose="020F0502020204030204" pitchFamily="34" charset="0"/>
-                <a:cs typeface="Calibri" panose="020F0502020204030204" pitchFamily="34" charset="0"/>
-              </a:rPr>
-              <a:t>udviklereksempler</a:t>
-            </a:r>
-            <a:r>
-              <a:rPr lang="en-GB" sz="2800" b="1" i="0" dirty="0">
-                <a:effectLst/>
-                <a:latin typeface="Calibri" panose="020F0502020204030204" pitchFamily="34" charset="0"/>
-                <a:cs typeface="Calibri" panose="020F0502020204030204" pitchFamily="34" charset="0"/>
-              </a:rPr>
-              <a:t>:</a:t>
-            </a:r>
-            <a:r>
-              <a:rPr lang="en-GB" sz="2800" b="0" i="0" dirty="0">
-                <a:effectLst/>
-                <a:latin typeface="Calibri" panose="020F0502020204030204" pitchFamily="34" charset="0"/>
-                <a:cs typeface="Calibri" panose="020F0502020204030204" pitchFamily="34" charset="0"/>
-              </a:rPr>
-              <a:t> </a:t>
-            </a:r>
-            <a:r>
-              <a:rPr lang="en-GB" sz="2800" b="0" i="0" dirty="0" err="1">
-                <a:effectLst/>
-                <a:latin typeface="Calibri" panose="020F0502020204030204" pitchFamily="34" charset="0"/>
-                <a:cs typeface="Calibri" panose="020F0502020204030204" pitchFamily="34" charset="0"/>
-              </a:rPr>
-              <a:t>Effektiv</a:t>
-            </a:r>
-            <a:r>
-              <a:rPr lang="en-GB" sz="2800" b="0" i="0" dirty="0">
-                <a:effectLst/>
-                <a:latin typeface="Calibri" panose="020F0502020204030204" pitchFamily="34" charset="0"/>
-                <a:cs typeface="Calibri" panose="020F0502020204030204" pitchFamily="34" charset="0"/>
-              </a:rPr>
-              <a:t> </a:t>
-            </a:r>
-            <a:r>
-              <a:rPr lang="en-GB" sz="2800" b="0" i="0" dirty="0" err="1">
-                <a:effectLst/>
-                <a:latin typeface="Calibri" panose="020F0502020204030204" pitchFamily="34" charset="0"/>
-                <a:cs typeface="Calibri" panose="020F0502020204030204" pitchFamily="34" charset="0"/>
-              </a:rPr>
-              <a:t>kodning</a:t>
-            </a:r>
-            <a:r>
-              <a:rPr lang="en-GB" sz="2800" b="0" i="0" dirty="0">
-                <a:effectLst/>
-                <a:latin typeface="Calibri" panose="020F0502020204030204" pitchFamily="34" charset="0"/>
-                <a:cs typeface="Calibri" panose="020F0502020204030204" pitchFamily="34" charset="0"/>
-              </a:rPr>
-              <a:t>, </a:t>
-            </a:r>
-            <a:r>
-              <a:rPr lang="en-GB" sz="2800" b="0" i="0" dirty="0" err="1">
-                <a:effectLst/>
-                <a:latin typeface="Calibri" panose="020F0502020204030204" pitchFamily="34" charset="0"/>
-                <a:cs typeface="Calibri" panose="020F0502020204030204" pitchFamily="34" charset="0"/>
-              </a:rPr>
-              <a:t>ressourcehåndtering</a:t>
-            </a:r>
-            <a:r>
-              <a:rPr lang="en-GB" sz="2800" b="0" i="0" dirty="0">
-                <a:effectLst/>
-                <a:latin typeface="Calibri" panose="020F0502020204030204" pitchFamily="34" charset="0"/>
-                <a:cs typeface="Calibri" panose="020F0502020204030204" pitchFamily="34" charset="0"/>
-              </a:rPr>
-              <a:t>, </a:t>
-            </a:r>
-            <a:r>
-              <a:rPr lang="en-GB" sz="2800" b="0" i="0" dirty="0" err="1">
-                <a:effectLst/>
-                <a:latin typeface="Calibri" panose="020F0502020204030204" pitchFamily="34" charset="0"/>
-                <a:cs typeface="Calibri" panose="020F0502020204030204" pitchFamily="34" charset="0"/>
-              </a:rPr>
-              <a:t>energiforbrug</a:t>
-            </a:r>
-            <a:r>
-              <a:rPr lang="en-GB" sz="2800" b="0" i="0" dirty="0">
-                <a:effectLst/>
-                <a:latin typeface="Calibri" panose="020F0502020204030204" pitchFamily="34" charset="0"/>
-                <a:cs typeface="Calibri" panose="020F0502020204030204" pitchFamily="34" charset="0"/>
-              </a:rPr>
-              <a:t>.</a:t>
-            </a:r>
-          </a:p>
-          <a:p>
-            <a:pPr algn="l">
-              <a:spcBef>
-                <a:spcPts val="600"/>
-              </a:spcBef>
-              <a:buFont typeface="+mj-lt"/>
-              <a:buAutoNum type="arabicPeriod"/>
-            </a:pPr>
-            <a:r>
-              <a:rPr lang="en-GB" sz="2800" dirty="0">
-                <a:latin typeface="Calibri" panose="020F0502020204030204" pitchFamily="34" charset="0"/>
-                <a:cs typeface="Calibri" panose="020F0502020204030204" pitchFamily="34" charset="0"/>
-              </a:rPr>
-              <a:t>Find 2 Business </a:t>
-            </a:r>
-            <a:r>
-              <a:rPr lang="en-GB" sz="2800" dirty="0" err="1">
-                <a:latin typeface="Calibri" panose="020F0502020204030204" pitchFamily="34" charset="0"/>
-                <a:cs typeface="Calibri" panose="020F0502020204030204" pitchFamily="34" charset="0"/>
-              </a:rPr>
-              <a:t>og</a:t>
-            </a:r>
-            <a:r>
-              <a:rPr lang="en-GB" sz="2800" dirty="0">
-                <a:latin typeface="Calibri" panose="020F0502020204030204" pitchFamily="34" charset="0"/>
-                <a:cs typeface="Calibri" panose="020F0502020204030204" pitchFamily="34" charset="0"/>
-              </a:rPr>
-              <a:t> Hosting</a:t>
-            </a:r>
-            <a:endParaRPr lang="en-GB" sz="2800" b="0" i="0" dirty="0">
-              <a:effectLst/>
-              <a:latin typeface="Calibri" panose="020F0502020204030204" pitchFamily="34" charset="0"/>
-              <a:cs typeface="Calibri" panose="020F0502020204030204" pitchFamily="34" charset="0"/>
-            </a:endParaRPr>
-          </a:p>
-          <a:p>
-            <a:pPr algn="l">
-              <a:spcBef>
-                <a:spcPts val="600"/>
-              </a:spcBef>
-              <a:buFont typeface="+mj-lt"/>
-              <a:buAutoNum type="arabicPeriod"/>
-            </a:pPr>
-            <a:r>
-              <a:rPr lang="en-GB" sz="2800" b="1" i="0" dirty="0" err="1">
-                <a:effectLst/>
-                <a:latin typeface="Calibri" panose="020F0502020204030204" pitchFamily="34" charset="0"/>
-                <a:cs typeface="Calibri" panose="020F0502020204030204" pitchFamily="34" charset="0"/>
-              </a:rPr>
-              <a:t>Dokumentér</a:t>
-            </a:r>
-            <a:r>
-              <a:rPr lang="en-GB" sz="2800" b="1" i="0" dirty="0">
-                <a:effectLst/>
-                <a:latin typeface="Calibri" panose="020F0502020204030204" pitchFamily="34" charset="0"/>
-                <a:cs typeface="Calibri" panose="020F0502020204030204" pitchFamily="34" charset="0"/>
-              </a:rPr>
-              <a:t> fund:</a:t>
-            </a:r>
-            <a:r>
-              <a:rPr lang="en-GB" sz="2800" b="0" i="0" dirty="0">
-                <a:effectLst/>
-                <a:latin typeface="Calibri" panose="020F0502020204030204" pitchFamily="34" charset="0"/>
-                <a:cs typeface="Calibri" panose="020F0502020204030204" pitchFamily="34" charset="0"/>
-              </a:rPr>
-              <a:t> </a:t>
-            </a:r>
-            <a:r>
-              <a:rPr lang="en-GB" sz="2800" b="0" i="0" dirty="0" err="1">
-                <a:effectLst/>
-                <a:latin typeface="Calibri" panose="020F0502020204030204" pitchFamily="34" charset="0"/>
-                <a:cs typeface="Calibri" panose="020F0502020204030204" pitchFamily="34" charset="0"/>
-              </a:rPr>
-              <a:t>Opsummer</a:t>
-            </a:r>
-            <a:r>
-              <a:rPr lang="en-GB" sz="2800" b="0" i="0" dirty="0">
-                <a:effectLst/>
-                <a:latin typeface="Calibri" panose="020F0502020204030204" pitchFamily="34" charset="0"/>
-                <a:cs typeface="Calibri" panose="020F0502020204030204" pitchFamily="34" charset="0"/>
-              </a:rPr>
-              <a:t> med </a:t>
-            </a:r>
-            <a:r>
-              <a:rPr lang="en-GB" sz="2800" b="0" i="0" dirty="0" err="1">
-                <a:effectLst/>
-                <a:latin typeface="Calibri" panose="020F0502020204030204" pitchFamily="34" charset="0"/>
-                <a:cs typeface="Calibri" panose="020F0502020204030204" pitchFamily="34" charset="0"/>
-              </a:rPr>
-              <a:t>skærmbilleder</a:t>
-            </a:r>
-            <a:r>
-              <a:rPr lang="en-GB" sz="2800" b="0" i="0" dirty="0">
-                <a:effectLst/>
-                <a:latin typeface="Calibri" panose="020F0502020204030204" pitchFamily="34" charset="0"/>
-                <a:cs typeface="Calibri" panose="020F0502020204030204" pitchFamily="34" charset="0"/>
-              </a:rPr>
-              <a:t>/links.</a:t>
-            </a:r>
-          </a:p>
-          <a:p>
-            <a:pPr algn="l">
-              <a:spcBef>
-                <a:spcPts val="600"/>
-              </a:spcBef>
-              <a:buFont typeface="+mj-lt"/>
-              <a:buAutoNum type="arabicPeriod"/>
-            </a:pPr>
-            <a:r>
-              <a:rPr lang="en-GB" sz="2800" b="1" i="0" dirty="0" err="1">
-                <a:effectLst/>
-                <a:latin typeface="Calibri" panose="020F0502020204030204" pitchFamily="34" charset="0"/>
-                <a:cs typeface="Calibri" panose="020F0502020204030204" pitchFamily="34" charset="0"/>
-              </a:rPr>
-              <a:t>Diskussion</a:t>
-            </a:r>
-            <a:r>
-              <a:rPr lang="en-GB" sz="2800" b="1" i="0" dirty="0">
-                <a:effectLst/>
-                <a:latin typeface="Calibri" panose="020F0502020204030204" pitchFamily="34" charset="0"/>
-                <a:cs typeface="Calibri" panose="020F0502020204030204" pitchFamily="34" charset="0"/>
-              </a:rPr>
-              <a:t>:</a:t>
-            </a:r>
-            <a:r>
-              <a:rPr lang="en-GB" sz="2800" b="0" i="0" dirty="0">
-                <a:effectLst/>
-                <a:latin typeface="Calibri" panose="020F0502020204030204" pitchFamily="34" charset="0"/>
-                <a:cs typeface="Calibri" panose="020F0502020204030204" pitchFamily="34" charset="0"/>
-              </a:rPr>
-              <a:t> </a:t>
-            </a:r>
-            <a:r>
-              <a:rPr lang="en-GB" sz="2800" b="0" i="0" dirty="0" err="1">
-                <a:effectLst/>
-                <a:latin typeface="Calibri" panose="020F0502020204030204" pitchFamily="34" charset="0"/>
-                <a:cs typeface="Calibri" panose="020F0502020204030204" pitchFamily="34" charset="0"/>
-              </a:rPr>
-              <a:t>Forbered</a:t>
-            </a:r>
-            <a:r>
-              <a:rPr lang="en-GB" sz="2800" b="0" i="0" dirty="0">
-                <a:effectLst/>
-                <a:latin typeface="Calibri" panose="020F0502020204030204" pitchFamily="34" charset="0"/>
-                <a:cs typeface="Calibri" panose="020F0502020204030204" pitchFamily="34" charset="0"/>
-              </a:rPr>
-              <a:t> </a:t>
-            </a:r>
-            <a:r>
-              <a:rPr lang="en-GB" sz="2800" b="0" i="0" dirty="0" err="1">
-                <a:effectLst/>
-                <a:latin typeface="Calibri" panose="020F0502020204030204" pitchFamily="34" charset="0"/>
-                <a:cs typeface="Calibri" panose="020F0502020204030204" pitchFamily="34" charset="0"/>
-              </a:rPr>
-              <a:t>til</a:t>
-            </a:r>
-            <a:r>
-              <a:rPr lang="en-GB" sz="2800" b="0" i="0" dirty="0">
-                <a:effectLst/>
-                <a:latin typeface="Calibri" panose="020F0502020204030204" pitchFamily="34" charset="0"/>
-                <a:cs typeface="Calibri" panose="020F0502020204030204" pitchFamily="34" charset="0"/>
-              </a:rPr>
-              <a:t> </a:t>
-            </a:r>
-            <a:r>
-              <a:rPr lang="en-GB" sz="2800" b="0" i="0" dirty="0" err="1">
-                <a:effectLst/>
-                <a:latin typeface="Calibri" panose="020F0502020204030204" pitchFamily="34" charset="0"/>
-                <a:cs typeface="Calibri" panose="020F0502020204030204" pitchFamily="34" charset="0"/>
-              </a:rPr>
-              <a:t>diskussion</a:t>
-            </a:r>
-            <a:r>
-              <a:rPr lang="en-GB" sz="2800" b="0" i="0" dirty="0">
-                <a:effectLst/>
-                <a:latin typeface="Calibri" panose="020F0502020204030204" pitchFamily="34" charset="0"/>
-                <a:cs typeface="Calibri" panose="020F0502020204030204" pitchFamily="34" charset="0"/>
-              </a:rPr>
-              <a:t> </a:t>
-            </a:r>
-            <a:r>
-              <a:rPr lang="en-GB" sz="2800" b="0" i="0" dirty="0" err="1">
-                <a:effectLst/>
-                <a:latin typeface="Calibri" panose="020F0502020204030204" pitchFamily="34" charset="0"/>
-                <a:cs typeface="Calibri" panose="020F0502020204030204" pitchFamily="34" charset="0"/>
-              </a:rPr>
-              <a:t>i</a:t>
-            </a:r>
-            <a:r>
-              <a:rPr lang="en-GB" sz="2800" b="0" i="0" dirty="0">
-                <a:effectLst/>
-                <a:latin typeface="Calibri" panose="020F0502020204030204" pitchFamily="34" charset="0"/>
-                <a:cs typeface="Calibri" panose="020F0502020204030204" pitchFamily="34" charset="0"/>
-              </a:rPr>
-              <a:t> </a:t>
-            </a:r>
-            <a:r>
-              <a:rPr lang="en-GB" sz="2800" b="0" i="0" dirty="0" err="1">
-                <a:effectLst/>
-                <a:latin typeface="Calibri" panose="020F0502020204030204" pitchFamily="34" charset="0"/>
-                <a:cs typeface="Calibri" panose="020F0502020204030204" pitchFamily="34" charset="0"/>
-              </a:rPr>
-              <a:t>klassen</a:t>
-            </a:r>
-            <a:r>
-              <a:rPr lang="en-GB" sz="2800" b="0" i="0" dirty="0">
-                <a:effectLst/>
-                <a:latin typeface="Calibri" panose="020F0502020204030204" pitchFamily="34" charset="0"/>
-                <a:cs typeface="Calibri" panose="020F0502020204030204" pitchFamily="34" charset="0"/>
-              </a:rPr>
-              <a:t>.</a:t>
-            </a:r>
-          </a:p>
-          <a:p>
             <a:endParaRPr lang="en-DK" dirty="0"/>
           </a:p>
         </p:txBody>
@@ -10696,7 +10438,7 @@
     </p:spTree>
     <p:extLst>
       <p:ext uri="{BB962C8B-B14F-4D97-AF65-F5344CB8AC3E}">
-        <p14:creationId xmlns:p14="http://schemas.microsoft.com/office/powerpoint/2010/main" val="3818749649"/>
+        <p14:creationId xmlns:p14="http://schemas.microsoft.com/office/powerpoint/2010/main" val="1047881982"/>
       </p:ext>
     </p:extLst>
   </p:cSld>
@@ -10725,12 +10467,121 @@
       </p:grpSpPr>
       <p:sp>
         <p:nvSpPr>
-          <p:cNvPr id="2" name="Title 1"/>
+          <p:cNvPr id="2" name="Title 1">
+            <a:extLst>
+              <a:ext uri="{FF2B5EF4-FFF2-40B4-BE49-F238E27FC236}">
+                <a16:creationId xmlns:a16="http://schemas.microsoft.com/office/drawing/2014/main" id="{993A53BC-ACBE-AA8C-4735-011F5D40F7CF}"/>
+              </a:ext>
+            </a:extLst>
+          </p:cNvPr>
           <p:cNvSpPr>
             <a:spLocks noGrp="1"/>
           </p:cNvSpPr>
           <p:nvPr>
             <p:ph type="title"/>
+          </p:nvPr>
+        </p:nvSpPr>
+        <p:spPr>
+          <a:xfrm>
+            <a:off x="609600" y="731836"/>
+            <a:ext cx="10972800" cy="1143000"/>
+          </a:xfrm>
+        </p:spPr>
+        <p:txBody>
+          <a:bodyPr>
+            <a:normAutofit fontScale="90000"/>
+          </a:bodyPr>
+          <a:lstStyle/>
+          <a:p>
+            <a:r>
+              <a:rPr lang="en-GB" i="0" dirty="0" err="1">
+                <a:effectLst/>
+                <a:latin typeface="Raleway" pitchFamily="2" charset="77"/>
+              </a:rPr>
+              <a:t>Øvelse</a:t>
+            </a:r>
+            <a:r>
+              <a:rPr lang="en-GB" i="0" dirty="0">
+                <a:effectLst/>
+                <a:latin typeface="Raleway" pitchFamily="2" charset="77"/>
+              </a:rPr>
+              <a:t>: </a:t>
+            </a:r>
+            <a:r>
+              <a:rPr lang="en-GB" i="0" dirty="0" err="1">
+                <a:effectLst/>
+                <a:latin typeface="Raleway" pitchFamily="2" charset="77"/>
+              </a:rPr>
+              <a:t>Udforskning</a:t>
+            </a:r>
+            <a:r>
+              <a:rPr lang="en-GB" i="0" dirty="0">
+                <a:effectLst/>
+                <a:latin typeface="Raleway" pitchFamily="2" charset="77"/>
+              </a:rPr>
+              <a:t> </a:t>
+            </a:r>
+            <a:r>
+              <a:rPr lang="en-GB" i="0" dirty="0" err="1">
+                <a:effectLst/>
+                <a:latin typeface="Raleway" pitchFamily="2" charset="77"/>
+              </a:rPr>
+              <a:t>af</a:t>
+            </a:r>
+            <a:r>
+              <a:rPr lang="en-GB" i="0" dirty="0">
+                <a:effectLst/>
+                <a:latin typeface="Raleway" pitchFamily="2" charset="77"/>
+              </a:rPr>
+              <a:t> </a:t>
+            </a:r>
+            <a:r>
+              <a:rPr lang="en-GB" i="0" dirty="0" err="1">
+                <a:effectLst/>
+                <a:latin typeface="Raleway" pitchFamily="2" charset="77"/>
+              </a:rPr>
+              <a:t>bæredygtigt</a:t>
+            </a:r>
+            <a:r>
+              <a:rPr lang="en-GB" i="0" dirty="0">
+                <a:effectLst/>
+                <a:latin typeface="Raleway" pitchFamily="2" charset="77"/>
+              </a:rPr>
+              <a:t> </a:t>
+            </a:r>
+            <a:r>
+              <a:rPr lang="en-GB" i="0" dirty="0" err="1">
+                <a:effectLst/>
+                <a:latin typeface="Raleway" pitchFamily="2" charset="77"/>
+              </a:rPr>
+              <a:t>webdesign</a:t>
+            </a:r>
+            <a:br>
+              <a:rPr lang="en-GB" i="0" dirty="0">
+                <a:effectLst/>
+                <a:latin typeface="Raleway" pitchFamily="2" charset="77"/>
+              </a:rPr>
+            </a:br>
+            <a:endParaRPr lang="en-DK" dirty="0">
+              <a:latin typeface="Raleway" pitchFamily="2" charset="77"/>
+            </a:endParaRPr>
+          </a:p>
+        </p:txBody>
+      </p:sp>
+      <p:sp>
+        <p:nvSpPr>
+          <p:cNvPr id="3" name="Content Placeholder 2">
+            <a:extLst>
+              <a:ext uri="{FF2B5EF4-FFF2-40B4-BE49-F238E27FC236}">
+                <a16:creationId xmlns:a16="http://schemas.microsoft.com/office/drawing/2014/main" id="{9010F581-A40E-93AA-8449-786CA2F0C9D0}"/>
+              </a:ext>
+            </a:extLst>
+          </p:cNvPr>
+          <p:cNvSpPr>
+            <a:spLocks noGrp="1"/>
+          </p:cNvSpPr>
+          <p:nvPr>
+            <p:ph idx="1"/>
           </p:nvPr>
         </p:nvSpPr>
         <p:spPr/>
@@ -10738,239 +10589,520 @@
           <a:bodyPr/>
           <a:lstStyle/>
           <a:p>
-            <a:r>
-              <a:rPr dirty="0" err="1">
-                <a:latin typeface="Raleway" pitchFamily="2" charset="77"/>
-              </a:rPr>
-              <a:t>Fordele</a:t>
-            </a:r>
-            <a:r>
-              <a:rPr dirty="0">
-                <a:latin typeface="Raleway" pitchFamily="2" charset="77"/>
-              </a:rPr>
-              <a:t> </a:t>
-            </a:r>
-            <a:r>
-              <a:rPr dirty="0" err="1">
-                <a:latin typeface="Raleway" pitchFamily="2" charset="77"/>
-              </a:rPr>
-              <a:t>ved</a:t>
-            </a:r>
-            <a:r>
-              <a:rPr dirty="0">
-                <a:latin typeface="Raleway" pitchFamily="2" charset="77"/>
-              </a:rPr>
-              <a:t> </a:t>
-            </a:r>
-            <a:r>
-              <a:rPr dirty="0" err="1">
-                <a:latin typeface="Raleway" pitchFamily="2" charset="77"/>
-              </a:rPr>
-              <a:t>bæredygtigt</a:t>
-            </a:r>
-            <a:r>
-              <a:rPr dirty="0">
-                <a:latin typeface="Raleway" pitchFamily="2" charset="77"/>
-              </a:rPr>
-              <a:t> </a:t>
-            </a:r>
-            <a:r>
-              <a:rPr dirty="0" err="1">
-                <a:latin typeface="Raleway" pitchFamily="2" charset="77"/>
-              </a:rPr>
-              <a:t>webdesign</a:t>
-            </a:r>
-            <a:endParaRPr dirty="0">
-              <a:latin typeface="Raleway" pitchFamily="2" charset="77"/>
+            <a:pPr algn="l">
+              <a:spcBef>
+                <a:spcPts val="600"/>
+              </a:spcBef>
+              <a:buFont typeface="+mj-lt"/>
+              <a:buAutoNum type="arabicPeriod"/>
+            </a:pPr>
+            <a:endParaRPr lang="en-GB" sz="2800" b="1" i="0" dirty="0">
+              <a:effectLst/>
+              <a:latin typeface="Calibri" panose="020F0502020204030204" pitchFamily="34" charset="0"/>
+              <a:cs typeface="Calibri" panose="020F0502020204030204" pitchFamily="34" charset="0"/>
             </a:endParaRPr>
           </a:p>
-        </p:txBody>
-      </p:sp>
-      <p:sp>
-        <p:nvSpPr>
-          <p:cNvPr id="3" name="Content Placeholder 2"/>
-          <p:cNvSpPr>
-            <a:spLocks noGrp="1"/>
-          </p:cNvSpPr>
-          <p:nvPr>
-            <p:ph idx="1"/>
-          </p:nvPr>
-        </p:nvSpPr>
-        <p:spPr/>
-        <p:txBody>
-          <a:bodyPr/>
-          <a:lstStyle/>
-          <a:p>
-            <a:r>
-              <a:rPr dirty="0" err="1"/>
-              <a:t>Bæredygtige</a:t>
-            </a:r>
-            <a:r>
-              <a:rPr dirty="0"/>
-              <a:t> </a:t>
-            </a:r>
-            <a:r>
-              <a:rPr dirty="0" err="1"/>
-              <a:t>praksisser</a:t>
-            </a:r>
-            <a:r>
-              <a:rPr dirty="0"/>
-              <a:t> </a:t>
-            </a:r>
-            <a:r>
-              <a:rPr dirty="0" err="1"/>
-              <a:t>resulterer</a:t>
-            </a:r>
-            <a:r>
-              <a:rPr dirty="0"/>
-              <a:t> </a:t>
-            </a:r>
-            <a:r>
-              <a:rPr dirty="0" err="1"/>
+          <a:p>
+            <a:pPr algn="l">
+              <a:spcBef>
+                <a:spcPts val="600"/>
+              </a:spcBef>
+              <a:buFont typeface="+mj-lt"/>
+              <a:buAutoNum type="arabicPeriod"/>
+            </a:pPr>
+            <a:r>
+              <a:rPr lang="en-GB" sz="2800" b="1" dirty="0" err="1">
+                <a:latin typeface="Calibri" panose="020F0502020204030204" pitchFamily="34" charset="0"/>
+                <a:cs typeface="Calibri" panose="020F0502020204030204" pitchFamily="34" charset="0"/>
+              </a:rPr>
+              <a:t>Arbejde</a:t>
+            </a:r>
+            <a:r>
+              <a:rPr lang="en-GB" sz="2800" b="1" dirty="0">
+                <a:latin typeface="Calibri" panose="020F0502020204030204" pitchFamily="34" charset="0"/>
+                <a:cs typeface="Calibri" panose="020F0502020204030204" pitchFamily="34" charset="0"/>
+              </a:rPr>
+              <a:t> I </a:t>
+            </a:r>
+            <a:r>
+              <a:rPr lang="en-GB" sz="2800" b="1" dirty="0" err="1">
+                <a:latin typeface="Calibri" panose="020F0502020204030204" pitchFamily="34" charset="0"/>
+                <a:cs typeface="Calibri" panose="020F0502020204030204" pitchFamily="34" charset="0"/>
+              </a:rPr>
+              <a:t>Grupper</a:t>
+            </a:r>
+            <a:r>
+              <a:rPr lang="en-GB" sz="2800" b="1" dirty="0">
+                <a:latin typeface="Calibri" panose="020F0502020204030204" pitchFamily="34" charset="0"/>
+                <a:cs typeface="Calibri" panose="020F0502020204030204" pitchFamily="34" charset="0"/>
+              </a:rPr>
+              <a:t>, </a:t>
+            </a:r>
+            <a:r>
+              <a:rPr lang="en-GB" sz="2800" b="1" dirty="0" err="1">
+                <a:latin typeface="Calibri" panose="020F0502020204030204" pitchFamily="34" charset="0"/>
+                <a:cs typeface="Calibri" panose="020F0502020204030204" pitchFamily="34" charset="0"/>
+              </a:rPr>
+              <a:t>B</a:t>
+            </a:r>
+            <a:r>
+              <a:rPr lang="en-GB" sz="2800" b="1" i="0" dirty="0" err="1">
+                <a:effectLst/>
+                <a:latin typeface="Calibri" panose="020F0502020204030204" pitchFamily="34" charset="0"/>
+                <a:cs typeface="Calibri" panose="020F0502020204030204" pitchFamily="34" charset="0"/>
+              </a:rPr>
+              <a:t>esøg</a:t>
+            </a:r>
+            <a:r>
+              <a:rPr lang="en-GB" sz="2800" b="0" i="0" dirty="0">
+                <a:effectLst/>
+                <a:latin typeface="Calibri" panose="020F0502020204030204" pitchFamily="34" charset="0"/>
+                <a:cs typeface="Calibri" panose="020F0502020204030204" pitchFamily="34" charset="0"/>
+              </a:rPr>
+              <a:t> </a:t>
+            </a:r>
+            <a:r>
+              <a:rPr lang="en-GB" sz="2800" b="0" i="0" u="none" strike="noStrike" dirty="0">
+                <a:effectLst/>
+                <a:latin typeface="Calibri" panose="020F0502020204030204" pitchFamily="34" charset="0"/>
+                <a:cs typeface="Calibri" panose="020F0502020204030204" pitchFamily="34" charset="0"/>
+                <a:hlinkClick r:id="rId2">
+                  <a:extLst>
+                    <a:ext uri="{A12FA001-AC4F-418D-AE19-62706E023703}">
+                      <ahyp:hlinkClr xmlns:ahyp="http://schemas.microsoft.com/office/drawing/2018/hyperlinkcolor" val="tx"/>
+                    </a:ext>
+                  </a:extLst>
+                </a:hlinkClick>
+              </a:rPr>
+              <a:t>Web Sustainability Guidelines (WSG) 1.0</a:t>
+            </a:r>
+            <a:r>
+              <a:rPr lang="en-GB" sz="2800" b="0" i="0" dirty="0">
+                <a:effectLst/>
+                <a:latin typeface="Calibri" panose="020F0502020204030204" pitchFamily="34" charset="0"/>
+                <a:cs typeface="Calibri" panose="020F0502020204030204" pitchFamily="34" charset="0"/>
+              </a:rPr>
+              <a:t>.</a:t>
+            </a:r>
+          </a:p>
+          <a:p>
+            <a:pPr algn="l">
+              <a:spcBef>
+                <a:spcPts val="600"/>
+              </a:spcBef>
+              <a:buFont typeface="+mj-lt"/>
+              <a:buAutoNum type="arabicPeriod"/>
+            </a:pPr>
+            <a:r>
+              <a:rPr lang="en-GB" sz="2800" b="1" i="0" dirty="0">
+                <a:effectLst/>
+                <a:latin typeface="Calibri" panose="020F0502020204030204" pitchFamily="34" charset="0"/>
+                <a:cs typeface="Calibri" panose="020F0502020204030204" pitchFamily="34" charset="0"/>
+              </a:rPr>
+              <a:t>Find 2 UX-</a:t>
+            </a:r>
+            <a:r>
+              <a:rPr lang="en-GB" sz="2800" b="1" i="0" dirty="0" err="1">
+                <a:effectLst/>
+                <a:latin typeface="Calibri" panose="020F0502020204030204" pitchFamily="34" charset="0"/>
+                <a:cs typeface="Calibri" panose="020F0502020204030204" pitchFamily="34" charset="0"/>
+              </a:rPr>
+              <a:t>eksempler</a:t>
+            </a:r>
+            <a:r>
+              <a:rPr lang="en-GB" sz="2800" b="1" i="0" dirty="0">
+                <a:effectLst/>
+                <a:latin typeface="Calibri" panose="020F0502020204030204" pitchFamily="34" charset="0"/>
+                <a:cs typeface="Calibri" panose="020F0502020204030204" pitchFamily="34" charset="0"/>
+              </a:rPr>
+              <a:t>:</a:t>
+            </a:r>
+            <a:r>
+              <a:rPr lang="en-GB" sz="2800" b="0" i="0" dirty="0">
+                <a:effectLst/>
+                <a:latin typeface="Calibri" panose="020F0502020204030204" pitchFamily="34" charset="0"/>
+                <a:cs typeface="Calibri" panose="020F0502020204030204" pitchFamily="34" charset="0"/>
+              </a:rPr>
+              <a:t> </a:t>
+            </a:r>
+            <a:r>
+              <a:rPr lang="en-GB" sz="2800" b="0" i="0" dirty="0" err="1">
+                <a:effectLst/>
+                <a:latin typeface="Calibri" panose="020F0502020204030204" pitchFamily="34" charset="0"/>
+                <a:cs typeface="Calibri" panose="020F0502020204030204" pitchFamily="34" charset="0"/>
+              </a:rPr>
+              <a:t>Tilgængelighed</a:t>
+            </a:r>
+            <a:r>
+              <a:rPr lang="en-GB" sz="2800" b="0" i="0" dirty="0">
+                <a:effectLst/>
+                <a:latin typeface="Calibri" panose="020F0502020204030204" pitchFamily="34" charset="0"/>
+                <a:cs typeface="Calibri" panose="020F0502020204030204" pitchFamily="34" charset="0"/>
+              </a:rPr>
+              <a:t>, </a:t>
+            </a:r>
+            <a:r>
+              <a:rPr lang="en-GB" sz="2800" b="0" i="0" dirty="0" err="1">
+                <a:effectLst/>
+                <a:latin typeface="Calibri" panose="020F0502020204030204" pitchFamily="34" charset="0"/>
+                <a:cs typeface="Calibri" panose="020F0502020204030204" pitchFamily="34" charset="0"/>
+              </a:rPr>
+              <a:t>ydeevne</a:t>
+            </a:r>
+            <a:r>
+              <a:rPr lang="en-GB" sz="2800" b="0" i="0" dirty="0">
+                <a:effectLst/>
+                <a:latin typeface="Calibri" panose="020F0502020204030204" pitchFamily="34" charset="0"/>
+                <a:cs typeface="Calibri" panose="020F0502020204030204" pitchFamily="34" charset="0"/>
+              </a:rPr>
+              <a:t>, </a:t>
+            </a:r>
+            <a:r>
+              <a:rPr lang="en-GB" sz="2800" b="0" i="0" dirty="0" err="1">
+                <a:effectLst/>
+                <a:latin typeface="Calibri" panose="020F0502020204030204" pitchFamily="34" charset="0"/>
+                <a:cs typeface="Calibri" panose="020F0502020204030204" pitchFamily="34" charset="0"/>
+              </a:rPr>
+              <a:t>brugervenlighed</a:t>
+            </a:r>
+            <a:r>
+              <a:rPr lang="en-GB" sz="2800" b="0" i="0" dirty="0">
+                <a:effectLst/>
+                <a:latin typeface="Calibri" panose="020F0502020204030204" pitchFamily="34" charset="0"/>
+                <a:cs typeface="Calibri" panose="020F0502020204030204" pitchFamily="34" charset="0"/>
+              </a:rPr>
+              <a:t>.</a:t>
+            </a:r>
+          </a:p>
+          <a:p>
+            <a:pPr algn="l">
+              <a:spcBef>
+                <a:spcPts val="600"/>
+              </a:spcBef>
+              <a:buFont typeface="+mj-lt"/>
+              <a:buAutoNum type="arabicPeriod"/>
+            </a:pPr>
+            <a:r>
+              <a:rPr lang="en-GB" sz="2800" b="1" i="0" dirty="0">
+                <a:effectLst/>
+                <a:latin typeface="Calibri" panose="020F0502020204030204" pitchFamily="34" charset="0"/>
+                <a:cs typeface="Calibri" panose="020F0502020204030204" pitchFamily="34" charset="0"/>
+              </a:rPr>
+              <a:t>Find 2 </a:t>
+            </a:r>
+            <a:r>
+              <a:rPr lang="en-GB" sz="2800" b="1" i="0" dirty="0" err="1">
+                <a:effectLst/>
+                <a:latin typeface="Calibri" panose="020F0502020204030204" pitchFamily="34" charset="0"/>
+                <a:cs typeface="Calibri" panose="020F0502020204030204" pitchFamily="34" charset="0"/>
+              </a:rPr>
+              <a:t>udviklereksempler</a:t>
+            </a:r>
+            <a:r>
+              <a:rPr lang="en-GB" sz="2800" b="1" i="0" dirty="0">
+                <a:effectLst/>
+                <a:latin typeface="Calibri" panose="020F0502020204030204" pitchFamily="34" charset="0"/>
+                <a:cs typeface="Calibri" panose="020F0502020204030204" pitchFamily="34" charset="0"/>
+              </a:rPr>
+              <a:t>:</a:t>
+            </a:r>
+            <a:r>
+              <a:rPr lang="en-GB" sz="2800" b="0" i="0" dirty="0">
+                <a:effectLst/>
+                <a:latin typeface="Calibri" panose="020F0502020204030204" pitchFamily="34" charset="0"/>
+                <a:cs typeface="Calibri" panose="020F0502020204030204" pitchFamily="34" charset="0"/>
+              </a:rPr>
+              <a:t> </a:t>
+            </a:r>
+            <a:r>
+              <a:rPr lang="en-GB" sz="2800" b="0" i="0" dirty="0" err="1">
+                <a:effectLst/>
+                <a:latin typeface="Calibri" panose="020F0502020204030204" pitchFamily="34" charset="0"/>
+                <a:cs typeface="Calibri" panose="020F0502020204030204" pitchFamily="34" charset="0"/>
+              </a:rPr>
+              <a:t>Effektiv</a:t>
+            </a:r>
+            <a:r>
+              <a:rPr lang="en-GB" sz="2800" b="0" i="0" dirty="0">
+                <a:effectLst/>
+                <a:latin typeface="Calibri" panose="020F0502020204030204" pitchFamily="34" charset="0"/>
+                <a:cs typeface="Calibri" panose="020F0502020204030204" pitchFamily="34" charset="0"/>
+              </a:rPr>
+              <a:t> </a:t>
+            </a:r>
+            <a:r>
+              <a:rPr lang="en-GB" sz="2800" b="0" i="0" dirty="0" err="1">
+                <a:effectLst/>
+                <a:latin typeface="Calibri" panose="020F0502020204030204" pitchFamily="34" charset="0"/>
+                <a:cs typeface="Calibri" panose="020F0502020204030204" pitchFamily="34" charset="0"/>
+              </a:rPr>
+              <a:t>kodning</a:t>
+            </a:r>
+            <a:r>
+              <a:rPr lang="en-GB" sz="2800" b="0" i="0" dirty="0">
+                <a:effectLst/>
+                <a:latin typeface="Calibri" panose="020F0502020204030204" pitchFamily="34" charset="0"/>
+                <a:cs typeface="Calibri" panose="020F0502020204030204" pitchFamily="34" charset="0"/>
+              </a:rPr>
+              <a:t>, </a:t>
+            </a:r>
+            <a:r>
+              <a:rPr lang="en-GB" sz="2800" b="0" i="0" dirty="0" err="1">
+                <a:effectLst/>
+                <a:latin typeface="Calibri" panose="020F0502020204030204" pitchFamily="34" charset="0"/>
+                <a:cs typeface="Calibri" panose="020F0502020204030204" pitchFamily="34" charset="0"/>
+              </a:rPr>
+              <a:t>ressourcehåndtering</a:t>
+            </a:r>
+            <a:r>
+              <a:rPr lang="en-GB" sz="2800" b="0" i="0" dirty="0">
+                <a:effectLst/>
+                <a:latin typeface="Calibri" panose="020F0502020204030204" pitchFamily="34" charset="0"/>
+                <a:cs typeface="Calibri" panose="020F0502020204030204" pitchFamily="34" charset="0"/>
+              </a:rPr>
+              <a:t>, </a:t>
+            </a:r>
+            <a:r>
+              <a:rPr lang="en-GB" sz="2800" b="0" i="0" dirty="0" err="1">
+                <a:effectLst/>
+                <a:latin typeface="Calibri" panose="020F0502020204030204" pitchFamily="34" charset="0"/>
+                <a:cs typeface="Calibri" panose="020F0502020204030204" pitchFamily="34" charset="0"/>
+              </a:rPr>
+              <a:t>energiforbrug</a:t>
+            </a:r>
+            <a:r>
+              <a:rPr lang="en-GB" sz="2800" b="0" i="0" dirty="0">
+                <a:effectLst/>
+                <a:latin typeface="Calibri" panose="020F0502020204030204" pitchFamily="34" charset="0"/>
+                <a:cs typeface="Calibri" panose="020F0502020204030204" pitchFamily="34" charset="0"/>
+              </a:rPr>
+              <a:t>.</a:t>
+            </a:r>
+          </a:p>
+          <a:p>
+            <a:pPr algn="l">
+              <a:spcBef>
+                <a:spcPts val="600"/>
+              </a:spcBef>
+              <a:buFont typeface="+mj-lt"/>
+              <a:buAutoNum type="arabicPeriod"/>
+            </a:pPr>
+            <a:r>
+              <a:rPr lang="en-GB" sz="2800" dirty="0">
+                <a:latin typeface="Calibri" panose="020F0502020204030204" pitchFamily="34" charset="0"/>
+                <a:cs typeface="Calibri" panose="020F0502020204030204" pitchFamily="34" charset="0"/>
+              </a:rPr>
+              <a:t>Find 2 Business </a:t>
+            </a:r>
+            <a:r>
+              <a:rPr lang="en-GB" sz="2800" dirty="0" err="1">
+                <a:latin typeface="Calibri" panose="020F0502020204030204" pitchFamily="34" charset="0"/>
+                <a:cs typeface="Calibri" panose="020F0502020204030204" pitchFamily="34" charset="0"/>
+              </a:rPr>
+              <a:t>og</a:t>
+            </a:r>
+            <a:r>
+              <a:rPr lang="en-GB" sz="2800" dirty="0">
+                <a:latin typeface="Calibri" panose="020F0502020204030204" pitchFamily="34" charset="0"/>
+                <a:cs typeface="Calibri" panose="020F0502020204030204" pitchFamily="34" charset="0"/>
+              </a:rPr>
+              <a:t> Hosting</a:t>
+            </a:r>
+            <a:endParaRPr lang="en-GB" sz="2800" b="0" i="0" dirty="0">
+              <a:effectLst/>
+              <a:latin typeface="Calibri" panose="020F0502020204030204" pitchFamily="34" charset="0"/>
+              <a:cs typeface="Calibri" panose="020F0502020204030204" pitchFamily="34" charset="0"/>
+            </a:endParaRPr>
+          </a:p>
+          <a:p>
+            <a:pPr algn="l">
+              <a:spcBef>
+                <a:spcPts val="600"/>
+              </a:spcBef>
+              <a:buFont typeface="+mj-lt"/>
+              <a:buAutoNum type="arabicPeriod"/>
+            </a:pPr>
+            <a:r>
+              <a:rPr lang="en-GB" sz="2800" b="1" i="0" dirty="0" err="1">
+                <a:effectLst/>
+                <a:latin typeface="Calibri" panose="020F0502020204030204" pitchFamily="34" charset="0"/>
+                <a:cs typeface="Calibri" panose="020F0502020204030204" pitchFamily="34" charset="0"/>
+              </a:rPr>
+              <a:t>Dokumentér</a:t>
+            </a:r>
+            <a:r>
+              <a:rPr lang="en-GB" sz="2800" b="1" i="0" dirty="0">
+                <a:effectLst/>
+                <a:latin typeface="Calibri" panose="020F0502020204030204" pitchFamily="34" charset="0"/>
+                <a:cs typeface="Calibri" panose="020F0502020204030204" pitchFamily="34" charset="0"/>
+              </a:rPr>
+              <a:t> fund:</a:t>
+            </a:r>
+            <a:r>
+              <a:rPr lang="en-GB" sz="2800" b="0" i="0" dirty="0">
+                <a:effectLst/>
+                <a:latin typeface="Calibri" panose="020F0502020204030204" pitchFamily="34" charset="0"/>
+                <a:cs typeface="Calibri" panose="020F0502020204030204" pitchFamily="34" charset="0"/>
+              </a:rPr>
+              <a:t> </a:t>
+            </a:r>
+            <a:r>
+              <a:rPr lang="en-GB" sz="2800" b="0" i="0" dirty="0" err="1">
+                <a:effectLst/>
+                <a:latin typeface="Calibri" panose="020F0502020204030204" pitchFamily="34" charset="0"/>
+                <a:cs typeface="Calibri" panose="020F0502020204030204" pitchFamily="34" charset="0"/>
+              </a:rPr>
+              <a:t>Opsummer</a:t>
+            </a:r>
+            <a:r>
+              <a:rPr lang="en-GB" sz="2800" b="0" i="0" dirty="0">
+                <a:effectLst/>
+                <a:latin typeface="Calibri" panose="020F0502020204030204" pitchFamily="34" charset="0"/>
+                <a:cs typeface="Calibri" panose="020F0502020204030204" pitchFamily="34" charset="0"/>
+              </a:rPr>
+              <a:t> med </a:t>
+            </a:r>
+            <a:r>
+              <a:rPr lang="en-GB" sz="2800" b="0" i="0" dirty="0" err="1">
+                <a:effectLst/>
+                <a:latin typeface="Calibri" panose="020F0502020204030204" pitchFamily="34" charset="0"/>
+                <a:cs typeface="Calibri" panose="020F0502020204030204" pitchFamily="34" charset="0"/>
+              </a:rPr>
+              <a:t>skærmbilleder</a:t>
+            </a:r>
+            <a:r>
+              <a:rPr lang="en-GB" sz="2800" b="0" i="0" dirty="0">
+                <a:effectLst/>
+                <a:latin typeface="Calibri" panose="020F0502020204030204" pitchFamily="34" charset="0"/>
+                <a:cs typeface="Calibri" panose="020F0502020204030204" pitchFamily="34" charset="0"/>
+              </a:rPr>
+              <a:t>/links.</a:t>
+            </a:r>
+          </a:p>
+          <a:p>
+            <a:pPr algn="l">
+              <a:spcBef>
+                <a:spcPts val="600"/>
+              </a:spcBef>
+              <a:buFont typeface="+mj-lt"/>
+              <a:buAutoNum type="arabicPeriod"/>
+            </a:pPr>
+            <a:r>
+              <a:rPr lang="en-GB" sz="2800" b="1" i="0" dirty="0" err="1">
+                <a:effectLst/>
+                <a:latin typeface="Calibri" panose="020F0502020204030204" pitchFamily="34" charset="0"/>
+                <a:cs typeface="Calibri" panose="020F0502020204030204" pitchFamily="34" charset="0"/>
+              </a:rPr>
+              <a:t>Diskussion</a:t>
+            </a:r>
+            <a:r>
+              <a:rPr lang="en-GB" sz="2800" b="1" i="0" dirty="0">
+                <a:effectLst/>
+                <a:latin typeface="Calibri" panose="020F0502020204030204" pitchFamily="34" charset="0"/>
+                <a:cs typeface="Calibri" panose="020F0502020204030204" pitchFamily="34" charset="0"/>
+              </a:rPr>
+              <a:t>:</a:t>
+            </a:r>
+            <a:r>
+              <a:rPr lang="en-GB" sz="2800" b="0" i="0" dirty="0">
+                <a:effectLst/>
+                <a:latin typeface="Calibri" panose="020F0502020204030204" pitchFamily="34" charset="0"/>
+                <a:cs typeface="Calibri" panose="020F0502020204030204" pitchFamily="34" charset="0"/>
+              </a:rPr>
+              <a:t> </a:t>
+            </a:r>
+            <a:r>
+              <a:rPr lang="en-GB" sz="2800" b="0" i="0" dirty="0" err="1">
+                <a:effectLst/>
+                <a:latin typeface="Calibri" panose="020F0502020204030204" pitchFamily="34" charset="0"/>
+                <a:cs typeface="Calibri" panose="020F0502020204030204" pitchFamily="34" charset="0"/>
+              </a:rPr>
+              <a:t>Forbered</a:t>
+            </a:r>
+            <a:r>
+              <a:rPr lang="en-GB" sz="2800" b="0" i="0" dirty="0">
+                <a:effectLst/>
+                <a:latin typeface="Calibri" panose="020F0502020204030204" pitchFamily="34" charset="0"/>
+                <a:cs typeface="Calibri" panose="020F0502020204030204" pitchFamily="34" charset="0"/>
+              </a:rPr>
+              <a:t> </a:t>
+            </a:r>
+            <a:r>
+              <a:rPr lang="en-GB" sz="2800" b="0" i="0" dirty="0" err="1">
+                <a:effectLst/>
+                <a:latin typeface="Calibri" panose="020F0502020204030204" pitchFamily="34" charset="0"/>
+                <a:cs typeface="Calibri" panose="020F0502020204030204" pitchFamily="34" charset="0"/>
+              </a:rPr>
+              <a:t>til</a:t>
+            </a:r>
+            <a:r>
+              <a:rPr lang="en-GB" sz="2800" b="0" i="0" dirty="0">
+                <a:effectLst/>
+                <a:latin typeface="Calibri" panose="020F0502020204030204" pitchFamily="34" charset="0"/>
+                <a:cs typeface="Calibri" panose="020F0502020204030204" pitchFamily="34" charset="0"/>
+              </a:rPr>
+              <a:t> </a:t>
+            </a:r>
+            <a:r>
+              <a:rPr lang="en-GB" sz="2800" b="0" i="0" dirty="0" err="1">
+                <a:effectLst/>
+                <a:latin typeface="Calibri" panose="020F0502020204030204" pitchFamily="34" charset="0"/>
+                <a:cs typeface="Calibri" panose="020F0502020204030204" pitchFamily="34" charset="0"/>
+              </a:rPr>
+              <a:t>diskussion</a:t>
+            </a:r>
+            <a:r>
+              <a:rPr lang="en-GB" sz="2800" b="0" i="0" dirty="0">
+                <a:effectLst/>
+                <a:latin typeface="Calibri" panose="020F0502020204030204" pitchFamily="34" charset="0"/>
+                <a:cs typeface="Calibri" panose="020F0502020204030204" pitchFamily="34" charset="0"/>
+              </a:rPr>
+              <a:t> </a:t>
+            </a:r>
+            <a:r>
+              <a:rPr lang="en-GB" sz="2800" b="0" i="0" dirty="0" err="1">
+                <a:effectLst/>
+                <a:latin typeface="Calibri" panose="020F0502020204030204" pitchFamily="34" charset="0"/>
+                <a:cs typeface="Calibri" panose="020F0502020204030204" pitchFamily="34" charset="0"/>
+              </a:rPr>
               <a:t>i</a:t>
             </a:r>
             <a:r>
-              <a:rPr dirty="0"/>
-              <a:t> </a:t>
-            </a:r>
-            <a:r>
-              <a:rPr dirty="0" err="1"/>
-              <a:t>flere</a:t>
-            </a:r>
-            <a:r>
-              <a:rPr dirty="0"/>
-              <a:t> </a:t>
-            </a:r>
-            <a:r>
-              <a:rPr dirty="0" err="1"/>
-              <a:t>fordele</a:t>
-            </a:r>
-            <a:r>
-              <a:rPr dirty="0"/>
+              <a:rPr lang="en-GB" sz="2800" b="0" i="0" dirty="0">
+                <a:effectLst/>
+                <a:latin typeface="Calibri" panose="020F0502020204030204" pitchFamily="34" charset="0"/>
+                <a:cs typeface="Calibri" panose="020F0502020204030204" pitchFamily="34" charset="0"/>
+              </a:rPr>
+              <a:t> </a:t>
+            </a:r>
+            <a:r>
+              <a:rPr lang="en-GB" sz="2800" b="0" i="0" dirty="0" err="1">
+                <a:effectLst/>
+                <a:latin typeface="Calibri" panose="020F0502020204030204" pitchFamily="34" charset="0"/>
+                <a:cs typeface="Calibri" panose="020F0502020204030204" pitchFamily="34" charset="0"/>
+              </a:rPr>
+              <a:t>klassen</a:t>
+            </a:r>
+            <a:r>
+              <a:rPr lang="en-GB" sz="2800" b="0" i="0" dirty="0">
+                <a:effectLst/>
+                <a:latin typeface="Calibri" panose="020F0502020204030204" pitchFamily="34" charset="0"/>
+                <a:cs typeface="Calibri" panose="020F0502020204030204" pitchFamily="34" charset="0"/>
+              </a:rPr>
               <a:t>.</a:t>
             </a:r>
           </a:p>
           <a:p>
-            <a:r>
-              <a:rPr dirty="0" err="1"/>
-              <a:t>Reducerer</a:t>
-            </a:r>
-            <a:r>
-              <a:rPr dirty="0"/>
-              <a:t> CO2-udledninger.</a:t>
-            </a:r>
-          </a:p>
-          <a:p>
-            <a:r>
-              <a:rPr dirty="0"/>
-              <a:t> Spar </a:t>
-            </a:r>
-            <a:r>
-              <a:rPr dirty="0" err="1"/>
-              <a:t>energi</a:t>
-            </a:r>
-            <a:r>
-              <a:rPr dirty="0"/>
-              <a:t> </a:t>
-            </a:r>
-            <a:r>
-              <a:rPr dirty="0" err="1"/>
-              <a:t>og</a:t>
-            </a:r>
-            <a:r>
-              <a:rPr dirty="0"/>
-              <a:t> </a:t>
-            </a:r>
-            <a:r>
-              <a:rPr dirty="0" err="1"/>
-              <a:t>ressourcer</a:t>
-            </a:r>
-            <a:r>
-              <a:rPr dirty="0"/>
-              <a:t>.</a:t>
-            </a:r>
-          </a:p>
-          <a:p>
-            <a:r>
-              <a:rPr dirty="0"/>
-              <a:t> </a:t>
-            </a:r>
-            <a:r>
-              <a:rPr dirty="0" err="1"/>
-              <a:t>Forbedrer</a:t>
-            </a:r>
-            <a:r>
-              <a:rPr dirty="0"/>
-              <a:t> </a:t>
-            </a:r>
-            <a:r>
-              <a:rPr dirty="0" err="1"/>
-              <a:t>hjemmesidens</a:t>
-            </a:r>
-            <a:r>
-              <a:rPr dirty="0"/>
-              <a:t> </a:t>
-            </a:r>
-            <a:r>
-              <a:rPr dirty="0" err="1"/>
-              <a:t>ydeevne</a:t>
-            </a:r>
-            <a:r>
-              <a:rPr dirty="0"/>
-              <a:t>.</a:t>
-            </a:r>
-          </a:p>
-          <a:p>
-            <a:r>
-              <a:rPr dirty="0" err="1"/>
-              <a:t>Forbedrer</a:t>
-            </a:r>
-            <a:r>
-              <a:rPr dirty="0"/>
-              <a:t> </a:t>
-            </a:r>
-            <a:r>
-              <a:rPr dirty="0" err="1"/>
-              <a:t>brugeroplevelsen</a:t>
-            </a:r>
-            <a:r>
-              <a:rPr dirty="0"/>
-              <a:t>.</a:t>
-            </a:r>
-          </a:p>
-          <a:p>
-            <a:r>
-              <a:rPr dirty="0"/>
-              <a:t> </a:t>
-            </a:r>
-            <a:r>
-              <a:rPr dirty="0" err="1"/>
-              <a:t>Øger</a:t>
-            </a:r>
-            <a:r>
-              <a:rPr dirty="0"/>
-              <a:t> </a:t>
-            </a:r>
-            <a:r>
-              <a:rPr dirty="0" err="1"/>
-              <a:t>forbrugernes</a:t>
-            </a:r>
-            <a:r>
-              <a:rPr dirty="0"/>
-              <a:t> </a:t>
-            </a:r>
-            <a:r>
-              <a:rPr dirty="0" err="1"/>
-              <a:t>tillid</a:t>
-            </a:r>
-            <a:r>
-              <a:rPr dirty="0"/>
-              <a:t>.</a:t>
-            </a:r>
+            <a:endParaRPr lang="en-DK" dirty="0"/>
           </a:p>
         </p:txBody>
       </p:sp>
     </p:spTree>
+    <p:extLst>
+      <p:ext uri="{BB962C8B-B14F-4D97-AF65-F5344CB8AC3E}">
+        <p14:creationId xmlns:p14="http://schemas.microsoft.com/office/powerpoint/2010/main" val="3818749649"/>
+      </p:ext>
+    </p:extLst>
   </p:cSld>
   <p:clrMapOvr>
     <a:masterClrMapping/>
@@ -11007,6 +11139,278 @@
         </p:nvSpPr>
         <p:spPr/>
         <p:txBody>
+          <a:bodyPr/>
+          <a:lstStyle/>
+          <a:p>
+            <a:r>
+              <a:rPr dirty="0" err="1">
+                <a:latin typeface="Raleway" pitchFamily="2" charset="77"/>
+              </a:rPr>
+              <a:t>Fordele</a:t>
+            </a:r>
+            <a:r>
+              <a:rPr dirty="0">
+                <a:latin typeface="Raleway" pitchFamily="2" charset="77"/>
+              </a:rPr>
+              <a:t> </a:t>
+            </a:r>
+            <a:r>
+              <a:rPr dirty="0" err="1">
+                <a:latin typeface="Raleway" pitchFamily="2" charset="77"/>
+              </a:rPr>
+              <a:t>ved</a:t>
+            </a:r>
+            <a:r>
+              <a:rPr dirty="0">
+                <a:latin typeface="Raleway" pitchFamily="2" charset="77"/>
+              </a:rPr>
+              <a:t> </a:t>
+            </a:r>
+            <a:r>
+              <a:rPr dirty="0" err="1">
+                <a:latin typeface="Raleway" pitchFamily="2" charset="77"/>
+              </a:rPr>
+              <a:t>bæredygtigt</a:t>
+            </a:r>
+            <a:r>
+              <a:rPr dirty="0">
+                <a:latin typeface="Raleway" pitchFamily="2" charset="77"/>
+              </a:rPr>
+              <a:t> </a:t>
+            </a:r>
+            <a:r>
+              <a:rPr dirty="0" err="1">
+                <a:latin typeface="Raleway" pitchFamily="2" charset="77"/>
+              </a:rPr>
+              <a:t>webdesign</a:t>
+            </a:r>
+            <a:endParaRPr dirty="0">
+              <a:latin typeface="Raleway" pitchFamily="2" charset="77"/>
+            </a:endParaRPr>
+          </a:p>
+        </p:txBody>
+      </p:sp>
+      <p:sp>
+        <p:nvSpPr>
+          <p:cNvPr id="3" name="Content Placeholder 2"/>
+          <p:cNvSpPr>
+            <a:spLocks noGrp="1"/>
+          </p:cNvSpPr>
+          <p:nvPr>
+            <p:ph idx="1"/>
+          </p:nvPr>
+        </p:nvSpPr>
+        <p:spPr/>
+        <p:txBody>
+          <a:bodyPr/>
+          <a:lstStyle/>
+          <a:p>
+            <a:r>
+              <a:rPr dirty="0" err="1"/>
+              <a:t>Bæredygtige</a:t>
+            </a:r>
+            <a:r>
+              <a:rPr dirty="0"/>
+              <a:t> </a:t>
+            </a:r>
+            <a:r>
+              <a:rPr dirty="0" err="1"/>
+              <a:t>praksisser</a:t>
+            </a:r>
+            <a:r>
+              <a:rPr dirty="0"/>
+              <a:t> </a:t>
+            </a:r>
+            <a:r>
+              <a:rPr dirty="0" err="1"/>
+              <a:t>resulterer</a:t>
+            </a:r>
+            <a:r>
+              <a:rPr dirty="0"/>
+              <a:t> </a:t>
+            </a:r>
+            <a:r>
+              <a:rPr dirty="0" err="1"/>
+              <a:t>i</a:t>
+            </a:r>
+            <a:r>
+              <a:rPr dirty="0"/>
+              <a:t> </a:t>
+            </a:r>
+            <a:r>
+              <a:rPr dirty="0" err="1"/>
+              <a:t>flere</a:t>
+            </a:r>
+            <a:r>
+              <a:rPr dirty="0"/>
+              <a:t> </a:t>
+            </a:r>
+            <a:r>
+              <a:rPr dirty="0" err="1"/>
+              <a:t>fordele</a:t>
+            </a:r>
+            <a:r>
+              <a:rPr dirty="0"/>
+              <a:t>.</a:t>
+            </a:r>
+          </a:p>
+          <a:p>
+            <a:r>
+              <a:rPr dirty="0" err="1"/>
+              <a:t>Reducerer</a:t>
+            </a:r>
+            <a:r>
+              <a:rPr dirty="0"/>
+              <a:t> CO2-udledninger.</a:t>
+            </a:r>
+          </a:p>
+          <a:p>
+            <a:r>
+              <a:rPr dirty="0"/>
+              <a:t> Spar </a:t>
+            </a:r>
+            <a:r>
+              <a:rPr dirty="0" err="1"/>
+              <a:t>energi</a:t>
+            </a:r>
+            <a:r>
+              <a:rPr dirty="0"/>
+              <a:t> </a:t>
+            </a:r>
+            <a:r>
+              <a:rPr dirty="0" err="1"/>
+              <a:t>og</a:t>
+            </a:r>
+            <a:r>
+              <a:rPr dirty="0"/>
+              <a:t> </a:t>
+            </a:r>
+            <a:r>
+              <a:rPr dirty="0" err="1"/>
+              <a:t>ressourcer</a:t>
+            </a:r>
+            <a:r>
+              <a:rPr dirty="0"/>
+              <a:t>.</a:t>
+            </a:r>
+          </a:p>
+          <a:p>
+            <a:r>
+              <a:rPr dirty="0"/>
+              <a:t> </a:t>
+            </a:r>
+            <a:r>
+              <a:rPr dirty="0" err="1"/>
+              <a:t>Forbedrer</a:t>
+            </a:r>
+            <a:r>
+              <a:rPr dirty="0"/>
+              <a:t> </a:t>
+            </a:r>
+            <a:r>
+              <a:rPr dirty="0" err="1"/>
+              <a:t>hjemmesidens</a:t>
+            </a:r>
+            <a:r>
+              <a:rPr dirty="0"/>
+              <a:t> </a:t>
+            </a:r>
+            <a:r>
+              <a:rPr dirty="0" err="1"/>
+              <a:t>ydeevne</a:t>
+            </a:r>
+            <a:r>
+              <a:rPr dirty="0"/>
+              <a:t>.</a:t>
+            </a:r>
+          </a:p>
+          <a:p>
+            <a:r>
+              <a:rPr dirty="0" err="1"/>
+              <a:t>Forbedrer</a:t>
+            </a:r>
+            <a:r>
+              <a:rPr dirty="0"/>
+              <a:t> </a:t>
+            </a:r>
+            <a:r>
+              <a:rPr dirty="0" err="1"/>
+              <a:t>brugeroplevelsen</a:t>
+            </a:r>
+            <a:r>
+              <a:rPr dirty="0"/>
+              <a:t>.</a:t>
+            </a:r>
+          </a:p>
+          <a:p>
+            <a:r>
+              <a:rPr dirty="0"/>
+              <a:t> </a:t>
+            </a:r>
+            <a:r>
+              <a:rPr dirty="0" err="1"/>
+              <a:t>Øger</a:t>
+            </a:r>
+            <a:r>
+              <a:rPr dirty="0"/>
+              <a:t> </a:t>
+            </a:r>
+            <a:r>
+              <a:rPr dirty="0" err="1"/>
+              <a:t>forbrugernes</a:t>
+            </a:r>
+            <a:r>
+              <a:rPr dirty="0"/>
+              <a:t> </a:t>
+            </a:r>
+            <a:r>
+              <a:rPr dirty="0" err="1"/>
+              <a:t>tillid</a:t>
+            </a:r>
+            <a:r>
+              <a:rPr dirty="0"/>
+              <a:t>.</a:t>
+            </a:r>
+          </a:p>
+        </p:txBody>
+      </p:sp>
+    </p:spTree>
+  </p:cSld>
+  <p:clrMapOvr>
+    <a:masterClrMapping/>
+  </p:clrMapOvr>
+</p:sld>
+</file>
+
+<file path=ppt/slides/slide33.xml><?xml version="1.0" encoding="utf-8"?>
+<p:sld xmlns:a="http://schemas.openxmlformats.org/drawingml/2006/main" xmlns:r="http://schemas.openxmlformats.org/officeDocument/2006/relationships" xmlns:p="http://schemas.openxmlformats.org/presentationml/2006/main">
+  <p:cSld>
+    <p:spTree>
+      <p:nvGrpSpPr>
+        <p:cNvPr id="1" name=""/>
+        <p:cNvGrpSpPr/>
+        <p:nvPr/>
+      </p:nvGrpSpPr>
+      <p:grpSpPr>
+        <a:xfrm>
+          <a:off x="0" y="0"/>
+          <a:ext cx="0" cy="0"/>
+          <a:chOff x="0" y="0"/>
+          <a:chExt cx="0" cy="0"/>
+        </a:xfrm>
+      </p:grpSpPr>
+      <p:sp>
+        <p:nvSpPr>
+          <p:cNvPr id="2" name="Title 1"/>
+          <p:cNvSpPr>
+            <a:spLocks noGrp="1"/>
+          </p:cNvSpPr>
+          <p:nvPr>
+            <p:ph type="title"/>
+          </p:nvPr>
+        </p:nvSpPr>
+        <p:spPr/>
+        <p:txBody>
           <a:bodyPr>
             <a:normAutofit fontScale="90000"/>
           </a:bodyPr>
@@ -11253,7 +11657,7 @@
 </p:sld>
 </file>
 
-<file path=ppt/slides/slide33.xml><?xml version="1.0" encoding="utf-8"?>
+<file path=ppt/slides/slide34.xml><?xml version="1.0" encoding="utf-8"?>
 <p:sld xmlns:a="http://schemas.openxmlformats.org/drawingml/2006/main" xmlns:r="http://schemas.openxmlformats.org/officeDocument/2006/relationships" xmlns:p="http://schemas.openxmlformats.org/presentationml/2006/main">
   <p:cSld>
     <p:bg>
@@ -11755,194 +12159,6 @@
 </p:sld>
 </file>
 
-<file path=ppt/slides/slide34.xml><?xml version="1.0" encoding="utf-8"?>
-<p:sld xmlns:a="http://schemas.openxmlformats.org/drawingml/2006/main" xmlns:r="http://schemas.openxmlformats.org/officeDocument/2006/relationships" xmlns:p="http://schemas.openxmlformats.org/presentationml/2006/main">
-  <p:cSld>
-    <p:spTree>
-      <p:nvGrpSpPr>
-        <p:cNvPr id="1" name=""/>
-        <p:cNvGrpSpPr/>
-        <p:nvPr/>
-      </p:nvGrpSpPr>
-      <p:grpSpPr>
-        <a:xfrm>
-          <a:off x="0" y="0"/>
-          <a:ext cx="0" cy="0"/>
-          <a:chOff x="0" y="0"/>
-          <a:chExt cx="0" cy="0"/>
-        </a:xfrm>
-      </p:grpSpPr>
-      <p:sp>
-        <p:nvSpPr>
-          <p:cNvPr id="2" name="Title 1">
-            <a:extLst>
-              <a:ext uri="{FF2B5EF4-FFF2-40B4-BE49-F238E27FC236}">
-                <a16:creationId xmlns:a16="http://schemas.microsoft.com/office/drawing/2014/main" id="{7B638340-B557-19E0-35EA-8DFFCC3FCCAA}"/>
-              </a:ext>
-            </a:extLst>
-          </p:cNvPr>
-          <p:cNvSpPr>
-            <a:spLocks noGrp="1"/>
-          </p:cNvSpPr>
-          <p:nvPr>
-            <p:ph type="title"/>
-          </p:nvPr>
-        </p:nvSpPr>
-        <p:spPr/>
-        <p:txBody>
-          <a:bodyPr/>
-          <a:lstStyle/>
-          <a:p>
-            <a:r>
-              <a:rPr lang="en-GB" dirty="0">
-                <a:effectLst/>
-                <a:latin typeface="Raleway" pitchFamily="2" charset="77"/>
-              </a:rPr>
-              <a:t>Reflection Questions</a:t>
-            </a:r>
-            <a:endParaRPr lang="en-DK" dirty="0">
-              <a:latin typeface="Raleway" pitchFamily="2" charset="77"/>
-            </a:endParaRPr>
-          </a:p>
-        </p:txBody>
-      </p:sp>
-      <p:sp>
-        <p:nvSpPr>
-          <p:cNvPr id="3" name="Content Placeholder 2">
-            <a:extLst>
-              <a:ext uri="{FF2B5EF4-FFF2-40B4-BE49-F238E27FC236}">
-                <a16:creationId xmlns:a16="http://schemas.microsoft.com/office/drawing/2014/main" id="{84793134-4B37-94F3-2A34-D71F288646AF}"/>
-              </a:ext>
-            </a:extLst>
-          </p:cNvPr>
-          <p:cNvSpPr>
-            <a:spLocks noGrp="1"/>
-          </p:cNvSpPr>
-          <p:nvPr>
-            <p:ph idx="1"/>
-          </p:nvPr>
-        </p:nvSpPr>
-        <p:spPr/>
-        <p:txBody>
-          <a:bodyPr/>
-          <a:lstStyle/>
-          <a:p>
-            <a:pPr>
-              <a:spcAft>
-                <a:spcPts val="800"/>
-              </a:spcAft>
-              <a:buFont typeface="+mj-lt"/>
-              <a:buAutoNum type="arabicPeriod"/>
-            </a:pPr>
-            <a:r>
-              <a:rPr lang="en-GB" b="1" dirty="0">
-                <a:effectLst/>
-              </a:rPr>
-              <a:t>What is Sustainable Web Design?</a:t>
-            </a:r>
-            <a:endParaRPr lang="en-GB" dirty="0">
-              <a:effectLst/>
-            </a:endParaRPr>
-          </a:p>
-          <a:p>
-            <a:pPr marL="742950" lvl="1" indent="-285750">
-              <a:spcAft>
-                <a:spcPts val="800"/>
-              </a:spcAft>
-              <a:buFont typeface="+mj-lt"/>
-              <a:buAutoNum type="arabicPeriod"/>
-            </a:pPr>
-            <a:r>
-              <a:rPr lang="en-GB" dirty="0">
-                <a:effectLst/>
-              </a:rPr>
-              <a:t>How would you define sustainable web design in your own words?</a:t>
-            </a:r>
-          </a:p>
-          <a:p>
-            <a:pPr marL="742950" lvl="1" indent="-285750">
-              <a:spcAft>
-                <a:spcPts val="800"/>
-              </a:spcAft>
-              <a:buFont typeface="+mj-lt"/>
-              <a:buAutoNum type="arabicPeriod"/>
-            </a:pPr>
-            <a:r>
-              <a:rPr lang="en-GB" dirty="0">
-                <a:effectLst/>
-              </a:rPr>
-              <a:t>Why is it important to consider sustainability in web development?</a:t>
-            </a:r>
-          </a:p>
-          <a:p>
-            <a:pPr>
-              <a:spcAft>
-                <a:spcPts val="800"/>
-              </a:spcAft>
-              <a:buFont typeface="+mj-lt"/>
-              <a:buAutoNum type="arabicPeriod"/>
-            </a:pPr>
-            <a:r>
-              <a:rPr lang="en-GB" b="1" dirty="0">
-                <a:effectLst/>
-              </a:rPr>
-              <a:t>Practical Applications</a:t>
-            </a:r>
-            <a:endParaRPr lang="en-GB" dirty="0">
-              <a:effectLst/>
-            </a:endParaRPr>
-          </a:p>
-          <a:p>
-            <a:pPr marL="742950" lvl="1" indent="-285750">
-              <a:spcAft>
-                <a:spcPts val="800"/>
-              </a:spcAft>
-              <a:buFont typeface="+mj-lt"/>
-              <a:buAutoNum type="arabicPeriod"/>
-            </a:pPr>
-            <a:r>
-              <a:rPr lang="en-GB" dirty="0">
-                <a:effectLst/>
-              </a:rPr>
-              <a:t>Can you think of any examples where sustainable web practices could be applied in your current or future projects?</a:t>
-            </a:r>
-          </a:p>
-          <a:p>
-            <a:pPr marL="742950" lvl="1" indent="-285750">
-              <a:spcAft>
-                <a:spcPts val="800"/>
-              </a:spcAft>
-              <a:buFont typeface="+mj-lt"/>
-              <a:buAutoNum type="arabicPeriod"/>
-            </a:pPr>
-            <a:r>
-              <a:rPr lang="en-GB" dirty="0">
-                <a:effectLst/>
-              </a:rPr>
-              <a:t>What challenges might you face when implementing these practices?</a:t>
-            </a:r>
-          </a:p>
-          <a:p>
-            <a:endParaRPr lang="en-DK" dirty="0"/>
-          </a:p>
-          <a:p>
-            <a:endParaRPr lang="en-DK" dirty="0"/>
-          </a:p>
-        </p:txBody>
-      </p:sp>
-    </p:spTree>
-    <p:extLst>
-      <p:ext uri="{BB962C8B-B14F-4D97-AF65-F5344CB8AC3E}">
-        <p14:creationId xmlns:p14="http://schemas.microsoft.com/office/powerpoint/2010/main" val="1580796679"/>
-      </p:ext>
-    </p:extLst>
-  </p:cSld>
-  <p:clrMapOvr>
-    <a:masterClrMapping/>
-  </p:clrMapOvr>
-</p:sld>
-</file>
-
 <file path=ppt/slides/slide35.xml><?xml version="1.0" encoding="utf-8"?>
 <p:sld xmlns:a="http://schemas.openxmlformats.org/drawingml/2006/main" xmlns:r="http://schemas.openxmlformats.org/officeDocument/2006/relationships" xmlns:p="http://schemas.openxmlformats.org/presentationml/2006/main">
   <p:cSld>
@@ -11965,7 +12181,7 @@
           <p:cNvPr id="2" name="Title 1">
             <a:extLst>
               <a:ext uri="{FF2B5EF4-FFF2-40B4-BE49-F238E27FC236}">
-                <a16:creationId xmlns:a16="http://schemas.microsoft.com/office/drawing/2014/main" id="{B0F784D7-F6C0-46C9-6C81-5E4ACC5C4CCA}"/>
+                <a16:creationId xmlns:a16="http://schemas.microsoft.com/office/drawing/2014/main" id="{7B638340-B557-19E0-35EA-8DFFCC3FCCAA}"/>
               </a:ext>
             </a:extLst>
           </p:cNvPr>
@@ -11986,7 +12202,7 @@
                 <a:effectLst/>
                 <a:latin typeface="Raleway" pitchFamily="2" charset="77"/>
               </a:rPr>
-              <a:t>Discussion Points</a:t>
+              <a:t>Reflection Questions</a:t>
             </a:r>
             <a:endParaRPr lang="en-DK" dirty="0">
               <a:latin typeface="Raleway" pitchFamily="2" charset="77"/>
@@ -11999,7 +12215,7 @@
           <p:cNvPr id="3" name="Content Placeholder 2">
             <a:extLst>
               <a:ext uri="{FF2B5EF4-FFF2-40B4-BE49-F238E27FC236}">
-                <a16:creationId xmlns:a16="http://schemas.microsoft.com/office/drawing/2014/main" id="{1E6F2E7B-6A3F-8ADC-959F-A6938627457C}"/>
+                <a16:creationId xmlns:a16="http://schemas.microsoft.com/office/drawing/2014/main" id="{84793134-4B37-94F3-2A34-D71F288646AF}"/>
               </a:ext>
             </a:extLst>
           </p:cNvPr>
@@ -12012,9 +12228,7 @@
         </p:nvSpPr>
         <p:spPr/>
         <p:txBody>
-          <a:bodyPr>
-            <a:normAutofit/>
-          </a:bodyPr>
+          <a:bodyPr/>
           <a:lstStyle/>
           <a:p>
             <a:pPr>
@@ -12028,7 +12242,7 @@
               <a:rPr lang="en-GB" b="1" dirty="0">
                 <a:effectLst/>
               </a:rPr>
-              <a:t>Impact on the Environment</a:t>
+              <a:t>What is Sustainable Web Design?</a:t>
             </a:r>
             <a:endParaRPr lang="en-GB" dirty="0">
               <a:effectLst/>
@@ -12046,7 +12260,7 @@
               <a:rPr lang="en-GB" dirty="0">
                 <a:effectLst/>
               </a:rPr>
-              <a:t>How does optimizing images, videos, and code contribute to reducing the environmental impact of websites?</a:t>
+              <a:t>How would you define sustainable web design in your own words?</a:t>
             </a:r>
           </a:p>
           <a:p>
@@ -12061,7 +12275,7 @@
               <a:rPr lang="en-GB" dirty="0">
                 <a:effectLst/>
               </a:rPr>
-              <a:t>What other web design practices can help minimize energy consumption?</a:t>
+              <a:t>Why is it important to consider sustainability in web development?</a:t>
             </a:r>
           </a:p>
           <a:p>
@@ -12076,25 +12290,44 @@
               <a:rPr lang="en-GB" b="1" dirty="0">
                 <a:effectLst/>
               </a:rPr>
-              <a:t>Personal Commitment</a:t>
+              <a:t>Practical Applications</a:t>
             </a:r>
             <a:endParaRPr lang="en-GB" dirty="0">
               <a:effectLst/>
             </a:endParaRPr>
           </a:p>
           <a:p>
-            <a:pPr marL="457200" lvl="1" indent="0">
+            <a:pPr marL="742950" lvl="1" indent="-285750">
               <a:spcAft>
                 <a:spcPts val="800"/>
               </a:spcAft>
-              <a:buNone/>
+              <a:buFont typeface="+mj-lt"/>
+              <a:buAutoNum type="arabicPeriod"/>
             </a:pPr>
             <a:r>
               <a:rPr lang="en-GB" dirty="0">
                 <a:effectLst/>
               </a:rPr>
-              <a:t>What steps can you take to incorporate sustainable practices into your daily work as a web developer?</a:t>
-            </a:r>
+              <a:t>Can you think of any examples where sustainable web practices could be applied in your current or future projects?</a:t>
+            </a:r>
+          </a:p>
+          <a:p>
+            <a:pPr marL="742950" lvl="1" indent="-285750">
+              <a:spcAft>
+                <a:spcPts val="800"/>
+              </a:spcAft>
+              <a:buFont typeface="+mj-lt"/>
+              <a:buAutoNum type="arabicPeriod"/>
+            </a:pPr>
+            <a:r>
+              <a:rPr lang="en-GB" dirty="0">
+                <a:effectLst/>
+              </a:rPr>
+              <a:t>What challenges might you face when implementing these practices?</a:t>
+            </a:r>
+          </a:p>
+          <a:p>
+            <a:endParaRPr lang="en-DK" dirty="0"/>
           </a:p>
           <a:p>
             <a:endParaRPr lang="en-DK" dirty="0"/>
@@ -12104,7 +12337,7 @@
     </p:spTree>
     <p:extLst>
       <p:ext uri="{BB962C8B-B14F-4D97-AF65-F5344CB8AC3E}">
-        <p14:creationId xmlns:p14="http://schemas.microsoft.com/office/powerpoint/2010/main" val="1707766810"/>
+        <p14:creationId xmlns:p14="http://schemas.microsoft.com/office/powerpoint/2010/main" val="1580796679"/>
       </p:ext>
     </p:extLst>
   </p:cSld>
@@ -12136,7 +12369,7 @@
           <p:cNvPr id="2" name="Title 1">
             <a:extLst>
               <a:ext uri="{FF2B5EF4-FFF2-40B4-BE49-F238E27FC236}">
-                <a16:creationId xmlns:a16="http://schemas.microsoft.com/office/drawing/2014/main" id="{5B2EF198-0717-5A16-2752-A779DC606B4A}"/>
+                <a16:creationId xmlns:a16="http://schemas.microsoft.com/office/drawing/2014/main" id="{B0F784D7-F6C0-46C9-6C81-5E4ACC5C4CCA}"/>
               </a:ext>
             </a:extLst>
           </p:cNvPr>
@@ -12152,13 +12385,6 @@
           <a:bodyPr/>
           <a:lstStyle/>
           <a:p>
-            <a:r>
-              <a:rPr lang="en-GB" dirty="0">
-                <a:effectLst/>
-                <a:latin typeface="Raleway" pitchFamily="2" charset="77"/>
-              </a:rPr>
-              <a:t>Discussion Points 2</a:t>
-            </a:r>
             <a:endParaRPr lang="en-DK" dirty="0">
               <a:latin typeface="Raleway" pitchFamily="2" charset="77"/>
             </a:endParaRPr>
@@ -12170,7 +12396,7 @@
           <p:cNvPr id="3" name="Content Placeholder 2">
             <a:extLst>
               <a:ext uri="{FF2B5EF4-FFF2-40B4-BE49-F238E27FC236}">
-                <a16:creationId xmlns:a16="http://schemas.microsoft.com/office/drawing/2014/main" id="{27AE12B6-A0F6-C0C6-B6F3-0C6BF173E202}"/>
+                <a16:creationId xmlns:a16="http://schemas.microsoft.com/office/drawing/2014/main" id="{1E6F2E7B-6A3F-8ADC-959F-A6938627457C}"/>
               </a:ext>
             </a:extLst>
           </p:cNvPr>
@@ -12183,7 +12409,9 @@
         </p:nvSpPr>
         <p:spPr/>
         <p:txBody>
-          <a:bodyPr/>
+          <a:bodyPr>
+            <a:normAutofit/>
+          </a:bodyPr>
           <a:lstStyle/>
           <a:p>
             <a:pPr marL="0" indent="0">
@@ -12191,19 +12419,19 @@
             </a:pPr>
             <a:r>
               <a:rPr lang="en-GB" dirty="0"/>
-              <a:t>Mange </a:t>
+              <a:t>3 </a:t>
             </a:r>
             <a:r>
               <a:rPr lang="en-GB" dirty="0" err="1"/>
-              <a:t>webudviklere</a:t>
-            </a:r>
-            <a:r>
-              <a:rPr lang="en-GB" dirty="0"/>
-              <a:t> er </a:t>
+              <a:t>Refleksion</a:t>
+            </a:r>
+            <a:r>
+              <a:rPr lang="en-GB" dirty="0"/>
+              <a:t>: </a:t>
             </a:r>
             <a:r>
               <a:rPr lang="en-GB" dirty="0" err="1"/>
-              <a:t>opmærksomme</a:t>
+              <a:t>Hvordan</a:t>
             </a:r>
             <a:r>
               <a:rPr lang="en-GB" dirty="0"/>
@@ -12211,7 +12439,7 @@
             </a:r>
             <a:r>
               <a:rPr lang="en-GB" dirty="0" err="1"/>
-              <a:t>på</a:t>
+              <a:t>kan</a:t>
             </a:r>
             <a:r>
               <a:rPr lang="en-GB" dirty="0"/>
@@ -12219,7 +12447,7 @@
             </a:r>
             <a:r>
               <a:rPr lang="en-GB" dirty="0" err="1"/>
-              <a:t>internettets</a:t>
+              <a:t>bæredygtighed</a:t>
             </a:r>
             <a:r>
               <a:rPr lang="en-GB" dirty="0"/>
@@ -12227,15 +12455,15 @@
             </a:r>
             <a:r>
               <a:rPr lang="en-GB" dirty="0" err="1"/>
-              <a:t>miljøpåvirkning</a:t>
-            </a:r>
-            <a:r>
-              <a:rPr lang="en-GB" dirty="0"/>
-              <a:t>, men </a:t>
+              <a:t>integreres</a:t>
+            </a:r>
+            <a:r>
+              <a:rPr lang="en-GB" dirty="0"/>
+              <a:t> </a:t>
             </a:r>
             <a:r>
               <a:rPr lang="en-GB" dirty="0" err="1"/>
-              <a:t>ikke</a:t>
+              <a:t>i</a:t>
             </a:r>
             <a:r>
               <a:rPr lang="en-GB" dirty="0"/>
@@ -12243,79 +12471,7 @@
             </a:r>
             <a:r>
               <a:rPr lang="en-GB" dirty="0" err="1"/>
-              <a:t>konsekvent</a:t>
-            </a:r>
-            <a:r>
-              <a:rPr lang="en-GB" dirty="0"/>
-              <a:t> </a:t>
-            </a:r>
-            <a:r>
-              <a:rPr lang="en-GB" dirty="0" err="1"/>
-              <a:t>bruger</a:t>
-            </a:r>
-            <a:r>
-              <a:rPr lang="en-GB" dirty="0"/>
-              <a:t> </a:t>
-            </a:r>
-            <a:r>
-              <a:rPr lang="en-GB" dirty="0" err="1"/>
-              <a:t>bæredygtige</a:t>
-            </a:r>
-            <a:r>
-              <a:rPr lang="en-GB" dirty="0"/>
-              <a:t> </a:t>
-            </a:r>
-            <a:r>
-              <a:rPr lang="en-GB" dirty="0" err="1"/>
-              <a:t>metoder</a:t>
-            </a:r>
-            <a:r>
-              <a:rPr lang="en-GB" dirty="0"/>
-              <a:t>. </a:t>
-            </a:r>
-            <a:r>
-              <a:rPr lang="en-GB" dirty="0" err="1"/>
-              <a:t>Hvorfor</a:t>
-            </a:r>
-            <a:r>
-              <a:rPr lang="en-GB" dirty="0"/>
-              <a:t> </a:t>
-            </a:r>
-            <a:r>
-              <a:rPr lang="en-GB" dirty="0" err="1"/>
-              <a:t>tror</a:t>
-            </a:r>
-            <a:r>
-              <a:rPr lang="en-GB" dirty="0"/>
-              <a:t> I, at der er </a:t>
-            </a:r>
-            <a:r>
-              <a:rPr lang="en-GB" dirty="0" err="1"/>
-              <a:t>denne</a:t>
-            </a:r>
-            <a:r>
-              <a:rPr lang="en-GB" dirty="0"/>
-              <a:t> </a:t>
-            </a:r>
-            <a:r>
-              <a:rPr lang="en-GB" dirty="0" err="1"/>
-              <a:t>forskel</a:t>
-            </a:r>
-            <a:r>
-              <a:rPr lang="en-GB" dirty="0"/>
-              <a:t> </a:t>
-            </a:r>
-            <a:r>
-              <a:rPr lang="en-GB" dirty="0" err="1"/>
-              <a:t>mellem</a:t>
-            </a:r>
-            <a:r>
-              <a:rPr lang="en-GB" dirty="0"/>
-              <a:t> </a:t>
-            </a:r>
-            <a:r>
-              <a:rPr lang="en-GB" dirty="0" err="1"/>
-              <a:t>viden</a:t>
+              <a:t>undervisningen</a:t>
             </a:r>
             <a:r>
               <a:rPr lang="en-GB" dirty="0"/>
@@ -12327,7 +12483,23 @@
             </a:r>
             <a:r>
               <a:rPr lang="en-GB" dirty="0"/>
-              <a:t> handling?</a:t>
+              <a:t> </a:t>
+            </a:r>
+            <a:r>
+              <a:rPr lang="en-GB" dirty="0" err="1"/>
+              <a:t>fremtidige</a:t>
+            </a:r>
+            <a:r>
+              <a:rPr lang="en-GB" dirty="0"/>
+              <a:t> </a:t>
+            </a:r>
+            <a:r>
+              <a:rPr lang="en-GB" dirty="0" err="1"/>
+              <a:t>projekter</a:t>
+            </a:r>
+            <a:r>
+              <a:rPr lang="en-GB" dirty="0"/>
+              <a:t>?</a:t>
             </a:r>
           </a:p>
           <a:p>
@@ -12341,7 +12513,7 @@
     </p:spTree>
     <p:extLst>
       <p:ext uri="{BB962C8B-B14F-4D97-AF65-F5344CB8AC3E}">
-        <p14:creationId xmlns:p14="http://schemas.microsoft.com/office/powerpoint/2010/main" val="4240592993"/>
+        <p14:creationId xmlns:p14="http://schemas.microsoft.com/office/powerpoint/2010/main" val="1707766810"/>
       </p:ext>
     </p:extLst>
   </p:cSld>
@@ -12370,6 +12542,243 @@
       </p:grpSpPr>
       <p:sp>
         <p:nvSpPr>
+          <p:cNvPr id="2" name="Title 1">
+            <a:extLst>
+              <a:ext uri="{FF2B5EF4-FFF2-40B4-BE49-F238E27FC236}">
+                <a16:creationId xmlns:a16="http://schemas.microsoft.com/office/drawing/2014/main" id="{5B2EF198-0717-5A16-2752-A779DC606B4A}"/>
+              </a:ext>
+            </a:extLst>
+          </p:cNvPr>
+          <p:cNvSpPr>
+            <a:spLocks noGrp="1"/>
+          </p:cNvSpPr>
+          <p:nvPr>
+            <p:ph type="title"/>
+          </p:nvPr>
+        </p:nvSpPr>
+        <p:spPr/>
+        <p:txBody>
+          <a:bodyPr/>
+          <a:lstStyle/>
+          <a:p>
+            <a:r>
+              <a:rPr lang="en-GB" dirty="0">
+                <a:effectLst/>
+                <a:latin typeface="Raleway" pitchFamily="2" charset="77"/>
+              </a:rPr>
+              <a:t>Discussion Points 2</a:t>
+            </a:r>
+            <a:endParaRPr lang="en-DK" dirty="0">
+              <a:latin typeface="Raleway" pitchFamily="2" charset="77"/>
+            </a:endParaRPr>
+          </a:p>
+        </p:txBody>
+      </p:sp>
+      <p:sp>
+        <p:nvSpPr>
+          <p:cNvPr id="3" name="Content Placeholder 2">
+            <a:extLst>
+              <a:ext uri="{FF2B5EF4-FFF2-40B4-BE49-F238E27FC236}">
+                <a16:creationId xmlns:a16="http://schemas.microsoft.com/office/drawing/2014/main" id="{27AE12B6-A0F6-C0C6-B6F3-0C6BF173E202}"/>
+              </a:ext>
+            </a:extLst>
+          </p:cNvPr>
+          <p:cNvSpPr>
+            <a:spLocks noGrp="1"/>
+          </p:cNvSpPr>
+          <p:nvPr>
+            <p:ph idx="1"/>
+          </p:nvPr>
+        </p:nvSpPr>
+        <p:spPr/>
+        <p:txBody>
+          <a:bodyPr/>
+          <a:lstStyle/>
+          <a:p>
+            <a:pPr marL="0" indent="0">
+              <a:buNone/>
+            </a:pPr>
+            <a:r>
+              <a:rPr lang="en-GB" dirty="0"/>
+              <a:t>Mange </a:t>
+            </a:r>
+            <a:r>
+              <a:rPr lang="en-GB" dirty="0" err="1"/>
+              <a:t>webudviklere</a:t>
+            </a:r>
+            <a:r>
+              <a:rPr lang="en-GB" dirty="0"/>
+              <a:t> er </a:t>
+            </a:r>
+            <a:r>
+              <a:rPr lang="en-GB" dirty="0" err="1"/>
+              <a:t>opmærksomme</a:t>
+            </a:r>
+            <a:r>
+              <a:rPr lang="en-GB" dirty="0"/>
+              <a:t> </a:t>
+            </a:r>
+            <a:r>
+              <a:rPr lang="en-GB" dirty="0" err="1"/>
+              <a:t>på</a:t>
+            </a:r>
+            <a:r>
+              <a:rPr lang="en-GB" dirty="0"/>
+              <a:t> </a:t>
+            </a:r>
+            <a:r>
+              <a:rPr lang="en-GB" dirty="0" err="1"/>
+              <a:t>internettets</a:t>
+            </a:r>
+            <a:r>
+              <a:rPr lang="en-GB" dirty="0"/>
+              <a:t> </a:t>
+            </a:r>
+            <a:r>
+              <a:rPr lang="en-GB" dirty="0" err="1"/>
+              <a:t>miljøpåvirkning</a:t>
+            </a:r>
+            <a:r>
+              <a:rPr lang="en-GB" dirty="0"/>
+              <a:t>, men </a:t>
+            </a:r>
+            <a:r>
+              <a:rPr lang="en-GB" dirty="0" err="1"/>
+              <a:t>ikke</a:t>
+            </a:r>
+            <a:r>
+              <a:rPr lang="en-GB" dirty="0"/>
+              <a:t> </a:t>
+            </a:r>
+            <a:r>
+              <a:rPr lang="en-GB" dirty="0" err="1"/>
+              <a:t>konsekvent</a:t>
+            </a:r>
+            <a:r>
+              <a:rPr lang="en-GB" dirty="0"/>
+              <a:t> </a:t>
+            </a:r>
+            <a:r>
+              <a:rPr lang="en-GB" dirty="0" err="1"/>
+              <a:t>bruger</a:t>
+            </a:r>
+            <a:r>
+              <a:rPr lang="en-GB" dirty="0"/>
+              <a:t> </a:t>
+            </a:r>
+            <a:r>
+              <a:rPr lang="en-GB" dirty="0" err="1"/>
+              <a:t>bæredygtige</a:t>
+            </a:r>
+            <a:r>
+              <a:rPr lang="en-GB" dirty="0"/>
+              <a:t> </a:t>
+            </a:r>
+            <a:r>
+              <a:rPr lang="en-GB" dirty="0" err="1"/>
+              <a:t>metoder</a:t>
+            </a:r>
+            <a:r>
+              <a:rPr lang="en-GB" dirty="0"/>
+              <a:t>. </a:t>
+            </a:r>
+            <a:r>
+              <a:rPr lang="en-GB" dirty="0" err="1"/>
+              <a:t>Hvorfor</a:t>
+            </a:r>
+            <a:r>
+              <a:rPr lang="en-GB" dirty="0"/>
+              <a:t> </a:t>
+            </a:r>
+            <a:r>
+              <a:rPr lang="en-GB" dirty="0" err="1"/>
+              <a:t>tror</a:t>
+            </a:r>
+            <a:r>
+              <a:rPr lang="en-GB" dirty="0"/>
+              <a:t> I, at der er </a:t>
+            </a:r>
+            <a:r>
+              <a:rPr lang="en-GB" dirty="0" err="1"/>
+              <a:t>denne</a:t>
+            </a:r>
+            <a:r>
+              <a:rPr lang="en-GB" dirty="0"/>
+              <a:t> </a:t>
+            </a:r>
+            <a:r>
+              <a:rPr lang="en-GB" dirty="0" err="1"/>
+              <a:t>forskel</a:t>
+            </a:r>
+            <a:r>
+              <a:rPr lang="en-GB" dirty="0"/>
+              <a:t> </a:t>
+            </a:r>
+            <a:r>
+              <a:rPr lang="en-GB" dirty="0" err="1"/>
+              <a:t>mellem</a:t>
+            </a:r>
+            <a:r>
+              <a:rPr lang="en-GB" dirty="0"/>
+              <a:t> </a:t>
+            </a:r>
+            <a:r>
+              <a:rPr lang="en-GB" dirty="0" err="1"/>
+              <a:t>viden</a:t>
+            </a:r>
+            <a:r>
+              <a:rPr lang="en-GB" dirty="0"/>
+              <a:t> </a:t>
+            </a:r>
+            <a:r>
+              <a:rPr lang="en-GB" dirty="0" err="1"/>
+              <a:t>og</a:t>
+            </a:r>
+            <a:r>
+              <a:rPr lang="en-GB" dirty="0"/>
+              <a:t> handling?</a:t>
+            </a:r>
+          </a:p>
+          <a:p>
+            <a:pPr marL="0" indent="0">
+              <a:buNone/>
+            </a:pPr>
+            <a:endParaRPr lang="en-DK" dirty="0"/>
+          </a:p>
+        </p:txBody>
+      </p:sp>
+    </p:spTree>
+    <p:extLst>
+      <p:ext uri="{BB962C8B-B14F-4D97-AF65-F5344CB8AC3E}">
+        <p14:creationId xmlns:p14="http://schemas.microsoft.com/office/powerpoint/2010/main" val="4240592993"/>
+      </p:ext>
+    </p:extLst>
+  </p:cSld>
+  <p:clrMapOvr>
+    <a:masterClrMapping/>
+  </p:clrMapOvr>
+</p:sld>
+</file>
+
+<file path=ppt/slides/slide38.xml><?xml version="1.0" encoding="utf-8"?>
+<p:sld xmlns:a="http://schemas.openxmlformats.org/drawingml/2006/main" xmlns:r="http://schemas.openxmlformats.org/officeDocument/2006/relationships" xmlns:p="http://schemas.openxmlformats.org/presentationml/2006/main">
+  <p:cSld>
+    <p:spTree>
+      <p:nvGrpSpPr>
+        <p:cNvPr id="1" name=""/>
+        <p:cNvGrpSpPr/>
+        <p:nvPr/>
+      </p:nvGrpSpPr>
+      <p:grpSpPr>
+        <a:xfrm>
+          <a:off x="0" y="0"/>
+          <a:ext cx="0" cy="0"/>
+          <a:chOff x="0" y="0"/>
+          <a:chExt cx="0" cy="0"/>
+        </a:xfrm>
+      </p:grpSpPr>
+      <p:sp>
+        <p:nvSpPr>
           <p:cNvPr id="2" name="Title 1"/>
           <p:cNvSpPr>
             <a:spLocks noGrp="1"/>
@@ -12566,7 +12975,7 @@
 </p:sld>
 </file>
 
-<file path=ppt/slides/slide38.xml><?xml version="1.0" encoding="utf-8"?>
+<file path=ppt/slides/slide39.xml><?xml version="1.0" encoding="utf-8"?>
 <p:sld xmlns:a="http://schemas.openxmlformats.org/drawingml/2006/main" xmlns:r="http://schemas.openxmlformats.org/officeDocument/2006/relationships" xmlns:p="http://schemas.openxmlformats.org/presentationml/2006/main">
   <p:cSld>
     <p:spTree>
@@ -13515,60 +13924,13 @@
       </p:grpSpPr>
       <p:sp>
         <p:nvSpPr>
-          <p:cNvPr id="2" name="Title 1"/>
-          <p:cNvSpPr>
-            <a:spLocks noGrp="1"/>
-          </p:cNvSpPr>
-          <p:nvPr>
-            <p:ph type="title"/>
-          </p:nvPr>
-        </p:nvSpPr>
-        <p:spPr>
-          <a:xfrm>
-            <a:off x="475488" y="859854"/>
-            <a:ext cx="10972800" cy="1143000"/>
-          </a:xfrm>
-        </p:spPr>
-        <p:txBody>
-          <a:bodyPr>
-            <a:normAutofit fontScale="90000"/>
-          </a:bodyPr>
-          <a:lstStyle/>
-          <a:p>
-            <a:r>
-              <a:rPr dirty="0"/>
-              <a:t>Det </a:t>
-            </a:r>
-            <a:r>
-              <a:rPr dirty="0" err="1"/>
-              <a:t>bæredygtige</a:t>
-            </a:r>
-            <a:r>
-              <a:rPr dirty="0"/>
-              <a:t> </a:t>
-            </a:r>
-            <a:r>
-              <a:rPr dirty="0" err="1"/>
-              <a:t>webmanifest</a:t>
-            </a:r>
-            <a:r>
-              <a:rPr lang="da-DK" dirty="0"/>
-              <a:t>-</a:t>
-            </a:r>
-            <a:r>
-              <a:rPr lang="en-GB" dirty="0"/>
-              <a:t>Sustainable Web Manifesto.</a:t>
-            </a:r>
-            <a:br>
-              <a:rPr lang="en-GB" dirty="0"/>
-            </a:br>
-            <a:endParaRPr dirty="0"/>
-          </a:p>
-        </p:txBody>
-      </p:sp>
-      <p:sp>
-        <p:nvSpPr>
-          <p:cNvPr id="3" name="Content Placeholder 2"/>
+          <p:cNvPr id="3" name="Content Placeholder 2">
+            <a:extLst>
+              <a:ext uri="{FF2B5EF4-FFF2-40B4-BE49-F238E27FC236}">
+                <a16:creationId xmlns:a16="http://schemas.microsoft.com/office/drawing/2014/main" id="{801EAAED-F291-150D-3FA2-80A9902C323B}"/>
+              </a:ext>
+            </a:extLst>
+          </p:cNvPr>
           <p:cNvSpPr>
             <a:spLocks noGrp="1"/>
           </p:cNvSpPr>
@@ -13580,74 +13942,38 @@
         <p:txBody>
           <a:bodyPr/>
           <a:lstStyle/>
-          <a:p>
-            <a:endParaRPr dirty="0"/>
-          </a:p>
-          <a:p>
-            <a:r>
-              <a:rPr dirty="0"/>
-              <a:t>A commitment to creating a greener web.</a:t>
-            </a:r>
-          </a:p>
-          <a:p>
-            <a:r>
-              <a:rPr dirty="0"/>
-              <a:t>The manifesto provides a framework for sustainable web practices.</a:t>
-            </a:r>
-          </a:p>
           <a:p>
             <a:pPr marL="0" indent="0">
               <a:buNone/>
             </a:pPr>
-            <a:endParaRPr dirty="0"/>
-          </a:p>
-          <a:p>
-            <a:r>
-              <a:rPr dirty="0"/>
-              <a:t> Six key principles: clean, efficient, open, honest, regenerative, and resilient.</a:t>
-            </a:r>
-          </a:p>
-          <a:p>
-            <a:endParaRPr dirty="0"/>
-          </a:p>
-        </p:txBody>
-      </p:sp>
-      <p:sp>
-        <p:nvSpPr>
-          <p:cNvPr id="5" name="TextBox 4">
-            <a:extLst>
-              <a:ext uri="{FF2B5EF4-FFF2-40B4-BE49-F238E27FC236}">
-                <a16:creationId xmlns:a16="http://schemas.microsoft.com/office/drawing/2014/main" id="{A5279E2E-FA4F-DEAC-D833-3146CE324E0E}"/>
-              </a:ext>
-            </a:extLst>
-          </p:cNvPr>
-          <p:cNvSpPr txBox="1"/>
-          <p:nvPr/>
-        </p:nvSpPr>
-        <p:spPr>
-          <a:xfrm>
-            <a:off x="6560458" y="6126164"/>
-            <a:ext cx="6096000" cy="369332"/>
-          </a:xfrm>
-          <a:prstGeom prst="rect">
-            <a:avLst/>
-          </a:prstGeom>
-          <a:noFill/>
-        </p:spPr>
-        <p:txBody>
-          <a:bodyPr wrap="square">
-            <a:spAutoFit/>
-          </a:bodyPr>
-          <a:lstStyle/>
-          <a:p>
-            <a:r>
-              <a:rPr lang="en-DK" dirty="0"/>
-              <a:t>https://www.sustainablewebmanifesto.com/</a:t>
-            </a:r>
+            <a:r>
+              <a:rPr lang="en-GB" dirty="0">
+                <a:latin typeface="Raleway" pitchFamily="2" charset="77"/>
+              </a:rPr>
+              <a:t>                           </a:t>
+            </a:r>
+            <a:r>
+              <a:rPr lang="en-GB" dirty="0" err="1">
+                <a:latin typeface="Raleway" pitchFamily="2" charset="77"/>
+              </a:rPr>
+              <a:t>Bæredygtigt</a:t>
+            </a:r>
+            <a:r>
+              <a:rPr lang="en-GB" dirty="0">
+                <a:latin typeface="Raleway" pitchFamily="2" charset="77"/>
+              </a:rPr>
+              <a:t>= Sustainable</a:t>
+            </a:r>
+            <a:endParaRPr lang="en-DK" dirty="0"/>
           </a:p>
         </p:txBody>
       </p:sp>
     </p:spTree>
+    <p:extLst>
+      <p:ext uri="{BB962C8B-B14F-4D97-AF65-F5344CB8AC3E}">
+        <p14:creationId xmlns:p14="http://schemas.microsoft.com/office/powerpoint/2010/main" val="3724628774"/>
+      </p:ext>
+    </p:extLst>
   </p:cSld>
   <p:clrMapOvr>
     <a:masterClrMapping/>
@@ -13682,326 +14008,77 @@
             <p:ph type="title"/>
           </p:nvPr>
         </p:nvSpPr>
+        <p:spPr>
+          <a:xfrm>
+            <a:off x="475488" y="859854"/>
+            <a:ext cx="10972800" cy="1143000"/>
+          </a:xfrm>
+        </p:spPr>
+        <p:txBody>
+          <a:bodyPr>
+            <a:normAutofit fontScale="90000"/>
+          </a:bodyPr>
+          <a:lstStyle/>
+          <a:p>
+            <a:r>
+              <a:rPr dirty="0"/>
+              <a:t>Det </a:t>
+            </a:r>
+            <a:r>
+              <a:rPr dirty="0" err="1"/>
+              <a:t>bæredygtige</a:t>
+            </a:r>
+            <a:r>
+              <a:rPr dirty="0"/>
+              <a:t> </a:t>
+            </a:r>
+            <a:r>
+              <a:rPr dirty="0" err="1"/>
+              <a:t>webmanifest</a:t>
+            </a:r>
+            <a:r>
+              <a:rPr lang="da-DK" dirty="0"/>
+              <a:t>-</a:t>
+            </a:r>
+            <a:r>
+              <a:rPr lang="en-GB" dirty="0"/>
+              <a:t>Sustainable Web Manifesto.</a:t>
+            </a:r>
+            <a:br>
+              <a:rPr lang="en-GB" dirty="0"/>
+            </a:br>
+            <a:endParaRPr dirty="0"/>
+          </a:p>
+        </p:txBody>
+      </p:sp>
+      <p:sp>
+        <p:nvSpPr>
+          <p:cNvPr id="3" name="Content Placeholder 2"/>
+          <p:cNvSpPr>
+            <a:spLocks noGrp="1"/>
+          </p:cNvSpPr>
+          <p:nvPr>
+            <p:ph idx="1"/>
+          </p:nvPr>
+        </p:nvSpPr>
         <p:spPr/>
         <p:txBody>
           <a:bodyPr/>
           <a:lstStyle/>
           <a:p>
-            <a:r>
-              <a:rPr lang="en-GB" dirty="0" err="1">
-                <a:latin typeface="Raleway" pitchFamily="2" charset="77"/>
-              </a:rPr>
-              <a:t>Bæredygtig</a:t>
-            </a:r>
-            <a:r>
-              <a:rPr lang="en-GB" dirty="0">
-                <a:latin typeface="Raleway" pitchFamily="2" charset="77"/>
-              </a:rPr>
-              <a:t> </a:t>
-            </a:r>
-            <a:r>
-              <a:rPr lang="en-GB" dirty="0" err="1">
-                <a:latin typeface="Raleway" pitchFamily="2" charset="77"/>
-              </a:rPr>
-              <a:t>Webdesignpraksis</a:t>
-            </a:r>
-            <a:r>
-              <a:rPr lang="en-GB" dirty="0">
-                <a:latin typeface="Raleway" pitchFamily="2" charset="77"/>
-              </a:rPr>
-              <a:t> I</a:t>
-            </a:r>
-          </a:p>
-        </p:txBody>
-      </p:sp>
-      <p:sp>
-        <p:nvSpPr>
-          <p:cNvPr id="3" name="Content Placeholder 2"/>
-          <p:cNvSpPr>
-            <a:spLocks noGrp="1"/>
-          </p:cNvSpPr>
-          <p:nvPr>
-            <p:ph idx="1"/>
-          </p:nvPr>
-        </p:nvSpPr>
-        <p:spPr/>
-        <p:txBody>
-          <a:bodyPr/>
-          <a:lstStyle/>
-          <a:p>
-            <a:pPr marL="0" indent="0">
-              <a:buNone/>
-            </a:pPr>
-            <a:r>
-              <a:rPr lang="da-DK" dirty="0"/>
-              <a:t> </a:t>
-            </a:r>
-            <a:r>
-              <a:rPr lang="en-GB" b="1" dirty="0" err="1"/>
-              <a:t>Optimering</a:t>
-            </a:r>
-            <a:r>
-              <a:rPr lang="en-GB" b="1" dirty="0"/>
-              <a:t> </a:t>
-            </a:r>
-            <a:r>
-              <a:rPr lang="en-GB" b="1" dirty="0" err="1"/>
-              <a:t>af</a:t>
-            </a:r>
-            <a:r>
-              <a:rPr lang="en-GB" b="1" dirty="0"/>
-              <a:t> </a:t>
-            </a:r>
-            <a:r>
-              <a:rPr lang="en-GB" b="1" dirty="0" err="1"/>
-              <a:t>Billedformater</a:t>
-            </a:r>
-            <a:r>
-              <a:rPr lang="en-GB" b="1" dirty="0"/>
-              <a:t> for </a:t>
-            </a:r>
-            <a:r>
-              <a:rPr lang="en-GB" b="1" dirty="0" err="1"/>
-              <a:t>Hurtigere</a:t>
-            </a:r>
-            <a:r>
-              <a:rPr lang="en-GB" b="1" dirty="0"/>
-              <a:t> </a:t>
-            </a:r>
-            <a:r>
-              <a:rPr lang="en-GB" b="1" dirty="0" err="1"/>
-              <a:t>Indlæsning</a:t>
-            </a:r>
-            <a:endParaRPr lang="en-GB" dirty="0"/>
-          </a:p>
-          <a:p>
-            <a:r>
-              <a:rPr lang="en-GB" dirty="0"/>
-              <a:t>• </a:t>
-            </a:r>
-            <a:r>
-              <a:rPr lang="en-GB" dirty="0" err="1"/>
-              <a:t>Reducerede</a:t>
-            </a:r>
-            <a:r>
-              <a:rPr lang="en-GB" dirty="0"/>
-              <a:t> </a:t>
-            </a:r>
-            <a:r>
-              <a:rPr lang="en-GB" dirty="0" err="1"/>
-              <a:t>indlæsningstider</a:t>
-            </a:r>
-            <a:r>
-              <a:rPr lang="en-GB" dirty="0"/>
-              <a:t> </a:t>
-            </a:r>
-            <a:r>
-              <a:rPr lang="en-GB" dirty="0" err="1"/>
-              <a:t>ved</a:t>
-            </a:r>
-            <a:r>
-              <a:rPr lang="en-GB" dirty="0"/>
-              <a:t> at </a:t>
-            </a:r>
-            <a:r>
-              <a:rPr lang="en-GB" dirty="0" err="1"/>
-              <a:t>konvertere</a:t>
-            </a:r>
-            <a:r>
-              <a:rPr lang="en-GB" dirty="0"/>
-              <a:t> store </a:t>
-            </a:r>
-            <a:r>
-              <a:rPr lang="en-GB" dirty="0" err="1"/>
-              <a:t>billedfiler</a:t>
-            </a:r>
-            <a:r>
-              <a:rPr lang="en-GB" dirty="0"/>
-              <a:t> </a:t>
-            </a:r>
-            <a:r>
-              <a:rPr lang="en-GB" dirty="0" err="1"/>
-              <a:t>til</a:t>
-            </a:r>
-            <a:r>
-              <a:rPr lang="en-GB" dirty="0"/>
-              <a:t> mere </a:t>
-            </a:r>
-            <a:r>
-              <a:rPr lang="en-GB" dirty="0" err="1"/>
-              <a:t>effektive</a:t>
-            </a:r>
-            <a:r>
-              <a:rPr lang="en-GB" dirty="0"/>
-              <a:t> </a:t>
-            </a:r>
-            <a:r>
-              <a:rPr lang="en-GB" dirty="0" err="1"/>
-              <a:t>formater</a:t>
-            </a:r>
-            <a:r>
-              <a:rPr lang="en-GB" dirty="0"/>
-              <a:t> (</a:t>
-            </a:r>
-            <a:r>
-              <a:rPr lang="en-GB" dirty="0" err="1"/>
-              <a:t>f.eks</a:t>
-            </a:r>
-            <a:r>
-              <a:rPr lang="en-GB" dirty="0"/>
-              <a:t>. </a:t>
-            </a:r>
-            <a:r>
-              <a:rPr lang="en-GB" dirty="0" err="1"/>
-              <a:t>WebP</a:t>
-            </a:r>
-            <a:r>
-              <a:rPr lang="en-GB" dirty="0"/>
-              <a:t>).</a:t>
-            </a:r>
-          </a:p>
-          <a:p>
-            <a:r>
-              <a:rPr lang="en-GB" dirty="0"/>
-              <a:t>• </a:t>
-            </a:r>
-            <a:r>
-              <a:rPr lang="en-GB" dirty="0" err="1"/>
-              <a:t>Implementerede</a:t>
-            </a:r>
-            <a:r>
-              <a:rPr lang="en-GB" dirty="0"/>
-              <a:t> responsive </a:t>
-            </a:r>
-            <a:r>
-              <a:rPr lang="en-GB" dirty="0" err="1"/>
-              <a:t>billeder</a:t>
-            </a:r>
-            <a:r>
-              <a:rPr lang="en-GB" dirty="0"/>
-              <a:t> for at </a:t>
-            </a:r>
-            <a:r>
-              <a:rPr lang="en-GB" dirty="0" err="1"/>
-              <a:t>vise</a:t>
-            </a:r>
-            <a:r>
-              <a:rPr lang="en-GB" dirty="0"/>
-              <a:t> </a:t>
-            </a:r>
-            <a:r>
-              <a:rPr lang="en-GB" dirty="0" err="1"/>
-              <a:t>passende</a:t>
-            </a:r>
-            <a:r>
-              <a:rPr lang="en-GB" dirty="0"/>
-              <a:t> </a:t>
-            </a:r>
-            <a:r>
-              <a:rPr lang="en-GB" dirty="0" err="1"/>
-              <a:t>størrelser</a:t>
-            </a:r>
-            <a:r>
-              <a:rPr lang="en-GB" dirty="0"/>
-              <a:t> </a:t>
-            </a:r>
-            <a:r>
-              <a:rPr lang="en-GB" dirty="0" err="1"/>
-              <a:t>afhængigt</a:t>
-            </a:r>
-            <a:r>
-              <a:rPr lang="en-GB" dirty="0"/>
-              <a:t> </a:t>
-            </a:r>
-            <a:r>
-              <a:rPr lang="en-GB" dirty="0" err="1"/>
-              <a:t>af</a:t>
-            </a:r>
-            <a:r>
-              <a:rPr lang="en-GB" dirty="0"/>
-              <a:t> </a:t>
-            </a:r>
-            <a:r>
-              <a:rPr lang="en-GB" dirty="0" err="1"/>
-              <a:t>skærmopløsning</a:t>
-            </a:r>
-            <a:r>
-              <a:rPr lang="en-GB" dirty="0"/>
-              <a:t>.</a:t>
-            </a:r>
-          </a:p>
-          <a:p>
-            <a:r>
-              <a:rPr lang="en-GB" dirty="0"/>
-              <a:t>• </a:t>
-            </a:r>
-            <a:r>
-              <a:rPr lang="en-GB" dirty="0" err="1"/>
-              <a:t>Resultat</a:t>
-            </a:r>
-            <a:r>
-              <a:rPr lang="en-GB" dirty="0"/>
-              <a:t>: </a:t>
-            </a:r>
-            <a:r>
-              <a:rPr lang="en-GB" dirty="0" err="1"/>
-              <a:t>Mindre</a:t>
-            </a:r>
-            <a:r>
-              <a:rPr lang="en-GB" dirty="0"/>
-              <a:t> </a:t>
-            </a:r>
-            <a:r>
-              <a:rPr lang="en-GB" dirty="0" err="1"/>
-              <a:t>energi</a:t>
-            </a:r>
-            <a:r>
-              <a:rPr lang="en-GB" dirty="0"/>
-              <a:t> </a:t>
-            </a:r>
-            <a:r>
-              <a:rPr lang="en-GB" dirty="0" err="1"/>
-              <a:t>forbundet</a:t>
-            </a:r>
-            <a:r>
-              <a:rPr lang="en-GB" dirty="0"/>
-              <a:t> med </a:t>
-            </a:r>
-            <a:r>
-              <a:rPr lang="en-GB" dirty="0" err="1"/>
-              <a:t>servere</a:t>
-            </a:r>
-            <a:r>
-              <a:rPr lang="en-GB" dirty="0"/>
-              <a:t> </a:t>
-            </a:r>
-            <a:r>
-              <a:rPr lang="en-GB" dirty="0" err="1"/>
-              <a:t>og</a:t>
-            </a:r>
-            <a:r>
-              <a:rPr lang="en-GB" dirty="0"/>
-              <a:t> </a:t>
-            </a:r>
-            <a:r>
-              <a:rPr lang="en-GB" dirty="0" err="1"/>
-              <a:t>hurtigere</a:t>
-            </a:r>
-            <a:r>
-              <a:rPr lang="en-GB" dirty="0"/>
-              <a:t> </a:t>
-            </a:r>
-            <a:r>
-              <a:rPr lang="en-GB" dirty="0" err="1"/>
-              <a:t>brugeroplevelse</a:t>
-            </a:r>
-            <a:r>
-              <a:rPr lang="en-GB" dirty="0"/>
-              <a:t>.</a:t>
-            </a:r>
-          </a:p>
-          <a:p>
             <a:endParaRPr dirty="0"/>
+          </a:p>
+          <a:p>
+            <a:r>
+              <a:rPr dirty="0"/>
+              <a:t>A commitment to creating a greener web.</a:t>
+            </a:r>
+          </a:p>
+          <a:p>
+            <a:r>
+              <a:rPr dirty="0"/>
+              <a:t>The manifesto provides a framework for sustainable web practices.</a:t>
+            </a:r>
           </a:p>
           <a:p>
             <a:pPr marL="0" indent="0">
@@ -14010,7 +14087,48 @@
             <a:endParaRPr dirty="0"/>
           </a:p>
           <a:p>
+            <a:r>
+              <a:rPr dirty="0"/>
+              <a:t> Six key principles: clean, efficient, open, honest, regenerative, and resilient.</a:t>
+            </a:r>
+          </a:p>
+          <a:p>
             <a:endParaRPr dirty="0"/>
+          </a:p>
+        </p:txBody>
+      </p:sp>
+      <p:sp>
+        <p:nvSpPr>
+          <p:cNvPr id="5" name="TextBox 4">
+            <a:extLst>
+              <a:ext uri="{FF2B5EF4-FFF2-40B4-BE49-F238E27FC236}">
+                <a16:creationId xmlns:a16="http://schemas.microsoft.com/office/drawing/2014/main" id="{A5279E2E-FA4F-DEAC-D833-3146CE324E0E}"/>
+              </a:ext>
+            </a:extLst>
+          </p:cNvPr>
+          <p:cNvSpPr txBox="1"/>
+          <p:nvPr/>
+        </p:nvSpPr>
+        <p:spPr>
+          <a:xfrm>
+            <a:off x="6560458" y="6126164"/>
+            <a:ext cx="6096000" cy="369332"/>
+          </a:xfrm>
+          <a:prstGeom prst="rect">
+            <a:avLst/>
+          </a:prstGeom>
+          <a:noFill/>
+        </p:spPr>
+        <p:txBody>
+          <a:bodyPr wrap="square">
+            <a:spAutoFit/>
+          </a:bodyPr>
+          <a:lstStyle/>
+          <a:p>
+            <a:r>
+              <a:rPr lang="en-DK" dirty="0"/>
+              <a:t>https://www.sustainablewebmanifesto.com/</a:t>
+            </a:r>
           </a:p>
         </p:txBody>
       </p:sp>
